--- a/Courses/Software-Sciences/Module-2-DS-and-Algo-New/13-Algorithms-Intro-and-Complexity/13-Algorithms-Intro-and-Complexity.pptx
+++ b/Courses/Software-Sciences/Module-2-DS-and-Algo-New/13-Algorithms-Intro-and-Complexity/13-Algorithms-Intro-and-Complexity.pptx
@@ -318,7 +318,7 @@
           <a:p>
             <a:fld id="{4E087215-0C8F-4762-A664-737A353EC9A4}" type="datetimeFigureOut">
               <a:rPr lang="bg-BG" smtClean="0"/>
-              <a:t>3.3.2023 г.</a:t>
+              <a:t>3.03.23 г.</a:t>
             </a:fld>
             <a:endParaRPr lang="bg-BG"/>
           </a:p>
@@ -509,7 +509,7 @@
           <a:p>
             <a:fld id="{72D84649-876A-46C9-8472-14CB09C070D8}" type="datetimeFigureOut">
               <a:rPr lang="en-US" smtClean="0"/>
-              <a:t>3/3/2023</a:t>
+              <a:t>3/3/23</a:t>
             </a:fld>
             <a:endParaRPr lang="en-US"/>
           </a:p>
@@ -9785,8 +9785,11 @@
               <a:rPr lang="en-US" sz="4750" dirty="0" err="1">
                 <a:cs typeface="Calibri"/>
               </a:rPr>
-              <a:t>сложности</a:t>
-            </a:r>
+              <a:t>сложност</a:t>
+            </a:r>
+            <a:endParaRPr lang="en-US" sz="4750" dirty="0">
+              <a:cs typeface="Calibri"/>
+            </a:endParaRPr>
           </a:p>
         </p:txBody>
       </p:sp>
@@ -9824,7 +9827,7 @@
           <a:noFill/>
           <a:extLst>
             <a:ext uri="{909E8E84-426E-40dd-AFC4-6F175D3DCCD1}">
-              <a14:hiddenFill xmlns="" xmlns:a14="http://schemas.microsoft.com/office/drawing/2010/main">
+              <a14:hiddenFill xmlns:a14="http://schemas.microsoft.com/office/drawing/2010/main" xmlns="">
                 <a:solidFill>
                   <a:srgbClr val="FFFFFF"/>
                 </a:solidFill>
@@ -10458,7 +10461,7 @@
           <a:noFill/>
           <a:extLst>
             <a:ext uri="{909E8E84-426E-40dd-AFC4-6F175D3DCCD1}">
-              <a14:hiddenFill xmlns="" xmlns:a14="http://schemas.microsoft.com/office/drawing/2010/main">
+              <a14:hiddenFill xmlns:a14="http://schemas.microsoft.com/office/drawing/2010/main" xmlns="">
                 <a:solidFill>
                   <a:srgbClr val="FFFFFF"/>
                 </a:solidFill>
@@ -10960,7 +10963,12 @@
             <p:ph type="body" sz="quarter" idx="10"/>
           </p:nvPr>
         </p:nvSpPr>
-        <p:spPr/>
+        <p:spPr>
+          <a:xfrm>
+            <a:off x="190402" y="1196125"/>
+            <a:ext cx="11756619" cy="5528766"/>
+          </a:xfrm>
+        </p:spPr>
         <p:txBody>
           <a:bodyPr vert="horz" lIns="108000" tIns="36000" rIns="108000" bIns="36000" rtlCol="0" anchor="t">
             <a:normAutofit fontScale="92500" lnSpcReduction="20000"/>
@@ -11352,11 +11360,11 @@
             </a:r>
             <a:r>
               <a:rPr lang="en-US" sz="3150" dirty="0"/>
-              <a:t> е </a:t>
+              <a:t> </a:t>
             </a:r>
             <a:r>
               <a:rPr lang="en-US" sz="3150" dirty="0" err="1"/>
-              <a:t>средноаритметичено</a:t>
+              <a:t>е</a:t>
             </a:r>
             <a:r>
               <a:rPr lang="en-US" sz="3150" dirty="0"/>
@@ -11364,7 +11372,7 @@
             </a:r>
             <a:r>
               <a:rPr lang="en-US" sz="3150" dirty="0" err="1"/>
-              <a:t>за</a:t>
+              <a:t>средноаритметично</a:t>
             </a:r>
             <a:r>
               <a:rPr lang="en-US" sz="3150" dirty="0"/>
@@ -11372,7 +11380,7 @@
             </a:r>
             <a:r>
               <a:rPr lang="en-US" sz="3150" dirty="0" err="1"/>
-              <a:t>всеки</a:t>
+              <a:t>за</a:t>
             </a:r>
             <a:r>
               <a:rPr lang="en-US" sz="3150" dirty="0"/>
@@ -11380,9 +11388,17 @@
             </a:r>
             <a:r>
               <a:rPr lang="en-US" sz="3150" dirty="0" err="1"/>
+              <a:t>всеки</a:t>
+            </a:r>
+            <a:r>
+              <a:rPr lang="en-US" sz="3150" dirty="0"/>
+              <a:t> </a:t>
+            </a:r>
+            <a:r>
+              <a:rPr lang="en-US" sz="3150" dirty="0" err="1"/>
               <a:t>случай</a:t>
             </a:r>
-            <a:endParaRPr lang="en-US" sz="3150" dirty="0" err="1">
+            <a:endParaRPr lang="en-US" sz="3150" dirty="0">
               <a:cs typeface="Calibri"/>
             </a:endParaRPr>
           </a:p>
@@ -11548,7 +11564,16 @@
                 </a:solidFill>
                 <a:ea typeface="굴림"/>
               </a:rPr>
-              <a:t>На-добър</a:t>
+              <a:t>На</a:t>
+            </a:r>
+            <a:r>
+              <a:rPr lang="bg-BG" altLang="ko-KR" sz="3350" b="1" dirty="0">
+                <a:solidFill>
+                  <a:schemeClr val="bg1"/>
+                </a:solidFill>
+                <a:ea typeface="굴림"/>
+              </a:rPr>
+              <a:t>й</a:t>
             </a:r>
             <a:r>
               <a:rPr lang="en-US" altLang="ko-KR" sz="3350" b="1" dirty="0">
@@ -11557,6 +11582,24 @@
                 </a:solidFill>
                 <a:ea typeface="굴림"/>
               </a:rPr>
+              <a:t>-</a:t>
+            </a:r>
+            <a:r>
+              <a:rPr lang="en-US" altLang="ko-KR" sz="3350" b="1" dirty="0" err="1">
+                <a:solidFill>
+                  <a:schemeClr val="bg1"/>
+                </a:solidFill>
+                <a:ea typeface="굴림"/>
+              </a:rPr>
+              <a:t>добър</a:t>
+            </a:r>
+            <a:r>
+              <a:rPr lang="en-US" altLang="ko-KR" sz="3350" b="1" dirty="0">
+                <a:solidFill>
+                  <a:schemeClr val="bg1"/>
+                </a:solidFill>
+                <a:ea typeface="굴림"/>
+              </a:rPr>
               <a:t> </a:t>
             </a:r>
             <a:r>
@@ -11568,7 +11611,7 @@
               </a:rPr>
               <a:t>случай</a:t>
             </a:r>
-            <a:endParaRPr lang="en-US" altLang="ko-KR" sz="3350" b="1" dirty="0" err="1">
+            <a:endParaRPr lang="en-US" altLang="ko-KR" sz="3350" b="1" dirty="0">
               <a:solidFill>
                 <a:schemeClr val="bg1"/>
               </a:solidFill>
@@ -11659,17 +11702,24 @@
               </a:rPr>
               <a:t>изпълнение</a:t>
             </a:r>
+            <a:r>
+              <a:rPr lang="bg-BG" altLang="ko-KR" sz="3150" dirty="0">
+                <a:ea typeface="굴림"/>
+                <a:cs typeface="Calibri"/>
+              </a:rPr>
+              <a:t> </a:t>
+            </a:r>
             <a:br>
+              <a:rPr lang="bg-BG" altLang="ko-KR" sz="3150" dirty="0">
+                <a:ea typeface="굴림"/>
+                <a:cs typeface="Calibri"/>
+              </a:rPr>
+            </a:br>
+            <a:r>
               <a:rPr lang="en-US" altLang="ko-KR" sz="3150" dirty="0">
                 <a:ea typeface="굴림"/>
                 <a:cs typeface="Calibri"/>
               </a:rPr>
-            </a:br>
-            <a:r>
-              <a:rPr lang="en-US" altLang="ko-KR" sz="3150" dirty="0">
-                <a:ea typeface="굴림"/>
-                <a:cs typeface="Calibri"/>
-              </a:rPr>
               <a:t>(</a:t>
             </a:r>
             <a:r>
@@ -11678,6 +11728,13 @@
                 <a:cs typeface="Calibri"/>
               </a:rPr>
               <a:t>най-оптималния</a:t>
+            </a:r>
+            <a:r>
+              <a:rPr lang="bg-BG" altLang="ko-KR" sz="3150" dirty="0" err="1">
+                <a:ea typeface="굴림"/>
+                <a:cs typeface="Calibri"/>
+              </a:rPr>
+              <a:t>т</a:t>
             </a:r>
             <a:r>
               <a:rPr lang="en-US" altLang="ko-KR" sz="3150" dirty="0">
@@ -12307,7 +12364,7 @@
               <a:rPr lang="en-US" altLang="ko-KR" sz="3600" dirty="0">
                 <a:ea typeface="굴림"/>
               </a:rPr>
-              <a:t>  </a:t>
+              <a:t> </a:t>
             </a:r>
             <a:r>
               <a:rPr lang="en-US" altLang="ko-KR" sz="3600" dirty="0" err="1">
@@ -12633,7 +12690,15 @@
             </a:pPr>
             <a:r>
               <a:rPr lang="en-US" sz="3600" dirty="0" err="1"/>
-              <a:t>Алогоритамът</a:t>
+              <a:t>Алгорит</a:t>
+            </a:r>
+            <a:r>
+              <a:rPr lang="bg-BG" sz="3600" dirty="0" err="1"/>
+              <a:t>ъ</a:t>
+            </a:r>
+            <a:r>
+              <a:rPr lang="en-US" sz="3600" dirty="0" err="1"/>
+              <a:t>мът</a:t>
             </a:r>
             <a:r>
               <a:rPr lang="en-US" sz="3600" dirty="0"/>
@@ -12671,7 +12736,7 @@
               </a:rPr>
               <a:t>време</a:t>
             </a:r>
-            <a:endParaRPr lang="en-US" sz="3600" b="1" dirty="0" err="1">
+            <a:endParaRPr lang="en-US" sz="3600" b="1" dirty="0">
               <a:solidFill>
                 <a:schemeClr val="bg1"/>
               </a:solidFill>
@@ -12772,12 +12837,18 @@
               <a:t>: </a:t>
             </a:r>
             <a:r>
+              <a:rPr lang="bg-BG" altLang="ko-KR" sz="3950" dirty="0">
+                <a:ea typeface="굴림"/>
+              </a:rPr>
+              <a:t>п</a:t>
+            </a:r>
+            <a:r>
               <a:rPr lang="en-US" altLang="ko-KR" sz="3950" dirty="0" err="1">
                 <a:ea typeface="굴림"/>
               </a:rPr>
-              <a:t>Примери</a:t>
-            </a:r>
-            <a:endParaRPr lang="en-US" altLang="ko-KR" sz="3950" dirty="0" err="1">
+              <a:t>римери</a:t>
+            </a:r>
+            <a:endParaRPr lang="en-US" altLang="ko-KR" sz="3950" dirty="0">
               <a:ea typeface="굴림"/>
               <a:cs typeface="Calibri"/>
             </a:endParaRPr>
@@ -14452,7 +14523,7 @@
           <a:noFill/>
           <a:extLst>
             <a:ext uri="{909E8E84-426E-40dd-AFC4-6F175D3DCCD1}">
-              <a14:hiddenFill xmlns="" xmlns:a14="http://schemas.microsoft.com/office/drawing/2010/main">
+              <a14:hiddenFill xmlns:a14="http://schemas.microsoft.com/office/drawing/2010/main" xmlns="">
                 <a:solidFill>
                   <a:srgbClr val="FFFFFF"/>
                 </a:solidFill>
@@ -15093,6 +15164,10 @@
             <a:r>
               <a:rPr lang="en-US" sz="3400" dirty="0"/>
               <a:t>, </a:t>
+            </a:r>
+            <a:r>
+              <a:rPr lang="bg-BG" sz="3400" dirty="0"/>
+              <a:t>в </a:t>
             </a:r>
             <a:r>
               <a:rPr lang="en-US" sz="3400" dirty="0" err="1"/>
@@ -16429,7 +16504,19 @@
               <a:rPr lang="en-US" altLang="ko-KR" sz="3400" dirty="0" err="1">
                 <a:ea typeface="굴림"/>
               </a:rPr>
-              <a:t>който</a:t>
+              <a:t>ко</a:t>
+            </a:r>
+            <a:r>
+              <a:rPr lang="bg-BG" altLang="ko-KR" sz="3400" dirty="0">
+                <a:ea typeface="굴림"/>
+              </a:rPr>
+              <a:t>и</a:t>
+            </a:r>
+            <a:r>
+              <a:rPr lang="en-US" altLang="ko-KR" sz="3400" dirty="0" err="1">
+                <a:ea typeface="굴림"/>
+              </a:rPr>
+              <a:t>то</a:t>
             </a:r>
             <a:r>
               <a:rPr lang="en-US" altLang="ko-KR" sz="3400" dirty="0">
@@ -16447,10 +16534,10 @@
               <a:rPr lang="en-US" altLang="ko-KR" sz="3400" dirty="0">
                 <a:ea typeface="굴림"/>
               </a:rPr>
-              <a:t> с</a:t>
-            </a:r>
-            <a:r>
-              <a:rPr lang="en-US" altLang="ko-KR" sz="3400" dirty="0">
+              <a:t> </a:t>
+            </a:r>
+            <a:r>
+              <a:rPr lang="en-US" altLang="ko-KR" sz="3400" dirty="0" err="1">
                 <a:solidFill>
                   <a:srgbClr val="234465"/>
                 </a:solidFill>
@@ -16458,10 +16545,10 @@
                 <a:ea typeface="굴림"/>
                 <a:cs typeface="Calibri"/>
               </a:rPr>
-              <a:t> </a:t>
-            </a:r>
-            <a:r>
-              <a:rPr lang="en-US" altLang="ko-KR" sz="3400" dirty="0" err="1">
+              <a:t>различни</a:t>
+            </a:r>
+            <a:r>
+              <a:rPr lang="en-US" altLang="ko-KR" sz="3400" dirty="0">
                 <a:solidFill>
                   <a:srgbClr val="234465"/>
                 </a:solidFill>
@@ -16469,10 +16556,10 @@
                 <a:ea typeface="굴림"/>
                 <a:cs typeface="Calibri"/>
               </a:rPr>
-              <a:t>различни</a:t>
-            </a:r>
-            <a:r>
-              <a:rPr lang="en-US" altLang="ko-KR" sz="3400" dirty="0">
+              <a:t> </a:t>
+            </a:r>
+            <a:r>
+              <a:rPr lang="en-US" altLang="ko-KR" sz="3400" dirty="0" err="1">
                 <a:solidFill>
                   <a:srgbClr val="234465"/>
                 </a:solidFill>
@@ -16480,10 +16567,10 @@
                 <a:ea typeface="굴림"/>
                 <a:cs typeface="Calibri"/>
               </a:rPr>
-              <a:t> </a:t>
-            </a:r>
-            <a:r>
-              <a:rPr lang="en-US" altLang="ko-KR" sz="3400" dirty="0" err="1">
+              <a:t>от</a:t>
+            </a:r>
+            <a:r>
+              <a:rPr lang="en-US" altLang="ko-KR" sz="3400" dirty="0">
                 <a:solidFill>
                   <a:srgbClr val="234465"/>
                 </a:solidFill>
@@ -16491,17 +16578,6 @@
                 <a:ea typeface="굴림"/>
                 <a:cs typeface="Calibri"/>
               </a:rPr>
-              <a:t>от</a:t>
-            </a:r>
-            <a:r>
-              <a:rPr lang="en-US" altLang="ko-KR" sz="3400" dirty="0">
-                <a:solidFill>
-                  <a:srgbClr val="234465"/>
-                </a:solidFill>
-                <a:latin typeface="Calibri"/>
-                <a:ea typeface="굴림"/>
-                <a:cs typeface="Calibri"/>
-              </a:rPr>
               <a:t> </a:t>
             </a:r>
             <a:r>
@@ -16539,7 +16615,7 @@
               </a:rPr>
               <a:t>константа</a:t>
             </a:r>
-            <a:endParaRPr lang="en-US" altLang="ko-KR" sz="3400" dirty="0" err="1">
+            <a:endParaRPr lang="en-US" altLang="ko-KR" sz="3400" dirty="0">
               <a:ea typeface="굴림"/>
               <a:cs typeface="Calibri"/>
             </a:endParaRPr>
@@ -16550,7 +16626,7 @@
                 <a:spcPct val="90000"/>
               </a:lnSpc>
             </a:pPr>
-            <a:endParaRPr lang="en-US" altLang="ko-KR" sz="3200">
+            <a:endParaRPr lang="en-US" altLang="ko-KR" sz="3200" dirty="0">
               <a:ea typeface="굴림" pitchFamily="50" charset="-127"/>
               <a:cs typeface="Calibri"/>
             </a:endParaRPr>
@@ -16561,7 +16637,7 @@
                 <a:spcPct val="90000"/>
               </a:lnSpc>
             </a:pPr>
-            <a:endParaRPr lang="en-US" altLang="ko-KR" sz="3200">
+            <a:endParaRPr lang="en-US" altLang="ko-KR" sz="3200" dirty="0">
               <a:ea typeface="굴림" pitchFamily="50" charset="-127"/>
               <a:cs typeface="Calibri"/>
             </a:endParaRPr>
@@ -16927,7 +17003,31 @@
               <a:rPr lang="en-US" altLang="ko-KR" sz="3950" dirty="0">
                 <a:ea typeface="굴림"/>
               </a:rPr>
-              <a:t>: Дефениция</a:t>
+              <a:t>: </a:t>
+            </a:r>
+            <a:r>
+              <a:rPr lang="bg-BG" altLang="ko-KR" sz="3950" dirty="0" err="1">
+                <a:ea typeface="굴림"/>
+              </a:rPr>
+              <a:t>д</a:t>
+            </a:r>
+            <a:r>
+              <a:rPr lang="en-US" altLang="ko-KR" sz="3950" dirty="0" err="1">
+                <a:ea typeface="굴림"/>
+              </a:rPr>
+              <a:t>еф</a:t>
+            </a:r>
+            <a:r>
+              <a:rPr lang="bg-BG" altLang="ko-KR" sz="3950" dirty="0">
+                <a:ea typeface="굴림"/>
+              </a:rPr>
+              <a:t>и</a:t>
+            </a:r>
+            <a:r>
+              <a:rPr lang="en-US" altLang="ko-KR" sz="3950" dirty="0" err="1">
+                <a:ea typeface="굴림"/>
+              </a:rPr>
+              <a:t>ниция</a:t>
             </a:r>
             <a:endParaRPr lang="bg-BG" sz="3950" dirty="0">
               <a:ea typeface="굴림"/>
@@ -18003,10 +18103,15 @@
             <p:ph type="body" sz="quarter" idx="10"/>
           </p:nvPr>
         </p:nvSpPr>
-        <p:spPr/>
+        <p:spPr>
+          <a:xfrm>
+            <a:off x="180475" y="1310895"/>
+            <a:ext cx="6678244" cy="5528766"/>
+          </a:xfrm>
+        </p:spPr>
         <p:txBody>
           <a:bodyPr vert="horz" lIns="108000" tIns="36000" rIns="108000" bIns="36000" rtlCol="0" anchor="t">
-            <a:normAutofit lnSpcReduction="10000"/>
+            <a:normAutofit fontScale="92500" lnSpcReduction="10000"/>
           </a:bodyPr>
           <a:lstStyle/>
           <a:p>
@@ -18053,7 +18158,15 @@
             </a:r>
             <a:r>
               <a:rPr lang="en-US" sz="3350" dirty="0" err="1"/>
-              <a:t>функицята</a:t>
+              <a:t>функц</a:t>
+            </a:r>
+            <a:r>
+              <a:rPr lang="bg-BG" sz="3350" dirty="0"/>
+              <a:t>и</a:t>
+            </a:r>
+            <a:r>
+              <a:rPr lang="en-US" sz="3350" dirty="0" err="1"/>
+              <a:t>ята</a:t>
             </a:r>
             <a:r>
               <a:rPr lang="en-US" sz="3350" dirty="0"/>
@@ -18099,8 +18212,8 @@
               </a:buClr>
             </a:pPr>
             <a:r>
-              <a:rPr lang="en-US" sz="3150" dirty="0" err="1"/>
-              <a:t>Примерно</a:t>
+              <a:rPr lang="bg-BG" sz="3150" dirty="0"/>
+              <a:t>Пример:</a:t>
             </a:r>
             <a:r>
               <a:rPr lang="en-US" sz="3150" dirty="0"/>
@@ -18203,25 +18316,33 @@
               </a:rPr>
               <a:t>расте</a:t>
             </a:r>
-            <a:br>
+            <a:r>
+              <a:rPr lang="bg-BG" sz="3350" dirty="0">
+                <a:ea typeface="+mn-lt"/>
+                <a:cs typeface="+mn-lt"/>
+              </a:rPr>
+              <a:t> </a:t>
+            </a:r>
+            <a:r>
+              <a:rPr lang="en-US" sz="3350" dirty="0" err="1">
+                <a:ea typeface="+mn-lt"/>
+                <a:cs typeface="+mn-lt"/>
+              </a:rPr>
+              <a:t>експоненциално</a:t>
+            </a:r>
+            <a:r>
               <a:rPr lang="en-US" sz="3350" dirty="0">
                 <a:ea typeface="+mn-lt"/>
                 <a:cs typeface="+mn-lt"/>
               </a:rPr>
-            </a:br>
-            <a:r>
-              <a:rPr lang="en-US" sz="3350" dirty="0" err="1">
+              <a:t>,</a:t>
+            </a:r>
+            <a:r>
+              <a:rPr lang="bg-BG" sz="3350" dirty="0">
                 <a:ea typeface="+mn-lt"/>
                 <a:cs typeface="+mn-lt"/>
               </a:rPr>
-              <a:t>експоненциално</a:t>
-            </a:r>
-            <a:r>
-              <a:rPr lang="en-US" sz="3350" dirty="0">
-                <a:ea typeface="+mn-lt"/>
-                <a:cs typeface="+mn-lt"/>
-              </a:rPr>
-              <a:t>, </a:t>
+              <a:t> </a:t>
             </a:r>
             <a:r>
               <a:rPr lang="en-US" sz="3350" dirty="0" err="1">
@@ -18264,8 +18385,8 @@
               </a:buClr>
             </a:pPr>
             <a:r>
-              <a:rPr lang="en-US" sz="3150" dirty="0" err="1"/>
-              <a:t>Примерно</a:t>
+              <a:rPr lang="bg-BG" sz="3150" dirty="0"/>
+              <a:t>Пример: </a:t>
             </a:r>
             <a:r>
               <a:rPr lang="en-US" sz="3150" dirty="0"/>
@@ -18279,13 +18400,13 @@
             </a:endParaRPr>
           </a:p>
           <a:p>
-            <a:pPr lvl="1" indent="-360045">
+            <a:pPr indent="-360045">
               <a:buClr>
                 <a:schemeClr val="tx1"/>
               </a:buClr>
             </a:pPr>
             <a:r>
-              <a:rPr lang="en-US" sz="3350" b="1" dirty="0">
+              <a:rPr lang="en-US" sz="3550" b="1" dirty="0">
                 <a:solidFill>
                   <a:schemeClr val="bg1"/>
                 </a:solidFill>
@@ -18293,7 +18414,7 @@
               <a:t>O(1)</a:t>
             </a:r>
             <a:r>
-              <a:rPr lang="en-US" sz="3350" dirty="0">
+              <a:rPr lang="en-US" sz="3550" dirty="0">
                 <a:solidFill>
                   <a:schemeClr val="tx2">
                     <a:lumMod val="75000"/>
@@ -18303,77 +18424,77 @@
               <a:t> </a:t>
             </a:r>
             <a:r>
-              <a:rPr lang="en-US" sz="3350" dirty="0" err="1"/>
+              <a:rPr lang="en-US" sz="3550" dirty="0" err="1"/>
               <a:t>означава</a:t>
             </a:r>
             <a:r>
-              <a:rPr lang="en-US" sz="3350" dirty="0"/>
+              <a:rPr lang="en-US" sz="3550" dirty="0"/>
               <a:t>, </a:t>
             </a:r>
             <a:r>
-              <a:rPr lang="en-US" sz="3350" dirty="0" err="1"/>
+              <a:rPr lang="en-US" sz="3550" dirty="0" err="1"/>
               <a:t>че</a:t>
             </a:r>
             <a:r>
-              <a:rPr lang="en-US" sz="3350" dirty="0"/>
+              <a:rPr lang="en-US" sz="3550" dirty="0"/>
               <a:t> </a:t>
             </a:r>
             <a:r>
-              <a:rPr lang="en-US" sz="3350" dirty="0" err="1"/>
+              <a:rPr lang="en-US" sz="3550" dirty="0" err="1"/>
               <a:t>функцията</a:t>
             </a:r>
             <a:r>
-              <a:rPr lang="en-US" sz="3350" dirty="0"/>
+              <a:rPr lang="en-US" sz="3550" dirty="0"/>
               <a:t> </a:t>
             </a:r>
             <a:br>
-              <a:rPr lang="en-US" sz="3350" dirty="0"/>
+              <a:rPr lang="en-US" sz="3550" dirty="0"/>
             </a:br>
             <a:r>
-              <a:rPr lang="en-US" sz="3350" dirty="0" err="1"/>
+              <a:rPr lang="en-US" sz="3550" dirty="0" err="1"/>
               <a:t>не</a:t>
             </a:r>
             <a:r>
-              <a:rPr lang="en-US" sz="3350" dirty="0"/>
+              <a:rPr lang="en-US" sz="3550" dirty="0"/>
               <a:t> </a:t>
             </a:r>
             <a:r>
-              <a:rPr lang="en-US" sz="3350" dirty="0" err="1"/>
+              <a:rPr lang="en-US" sz="3550" dirty="0" err="1"/>
               <a:t>се</a:t>
             </a:r>
             <a:r>
-              <a:rPr lang="en-US" sz="3350" dirty="0"/>
+              <a:rPr lang="en-US" sz="3550" dirty="0"/>
               <a:t> </a:t>
             </a:r>
             <a:r>
-              <a:rPr lang="en-US" sz="3350" dirty="0" err="1"/>
+              <a:rPr lang="en-US" sz="3550" dirty="0" err="1"/>
               <a:t>променя</a:t>
             </a:r>
             <a:r>
-              <a:rPr lang="en-US" sz="3350" dirty="0"/>
+              <a:rPr lang="en-US" sz="3550" dirty="0"/>
               <a:t>, </a:t>
             </a:r>
             <a:r>
-              <a:rPr lang="en-US" sz="3350" dirty="0" err="1"/>
+              <a:rPr lang="en-US" sz="3550" dirty="0" err="1"/>
               <a:t>когато</a:t>
             </a:r>
             <a:r>
-              <a:rPr lang="en-US" sz="3350" dirty="0"/>
+              <a:rPr lang="en-US" sz="3550" dirty="0"/>
               <a:t> n </a:t>
             </a:r>
             <a:r>
-              <a:rPr lang="en-US" sz="3350" dirty="0" err="1"/>
+              <a:rPr lang="en-US" sz="3550" dirty="0" err="1"/>
               <a:t>нараства</a:t>
             </a:r>
-            <a:endParaRPr lang="en-US" sz="3350" dirty="0" err="1">
+            <a:endParaRPr lang="en-US" sz="3550" dirty="0" err="1">
               <a:cs typeface="Calibri"/>
             </a:endParaRPr>
           </a:p>
           <a:p>
             <a:pPr lvl="1" indent="-360045"/>
             <a:r>
-              <a:rPr lang="en-US" sz="3150" dirty="0" err="1"/>
-              <a:t>Примерно</a:t>
+              <a:rPr lang="bg-BG" sz="3150" dirty="0"/>
+              <a:t>Пример:</a:t>
             </a:r>
             <a:r>
               <a:rPr lang="en-US" sz="3150" dirty="0"/>
@@ -18479,13 +18600,13 @@
           <p:nvPr>
             <p:extLst>
               <p:ext uri="{D42A27DB-BD31-4B8C-83A1-F6EECF244321}">
-                <p14:modId xmlns:p14="http://schemas.microsoft.com/office/powerpoint/2010/main" val="2677404937"/>
+                <p14:modId xmlns:p14="http://schemas.microsoft.com/office/powerpoint/2010/main" val="972087628"/>
               </p:ext>
             </p:extLst>
           </p:nvPr>
         </p:nvGraphicFramePr>
         <p:xfrm>
-          <a:off x="7020827" y="1421154"/>
+          <a:off x="7182003" y="1419589"/>
           <a:ext cx="4387989" cy="5218393"/>
         </p:xfrm>
         <a:graphic>
@@ -18537,14 +18658,14 @@
                     </a:ext>
                   </a:extLst>
                 </a:gridCol>
-                <a:gridCol w="258117">
+                <a:gridCol w="308002">
                   <a:extLst>
                     <a:ext uri="{9D8B030D-6E8A-4147-A177-3AD203B41FA5}">
                       <a16:colId xmlns:a16="http://schemas.microsoft.com/office/drawing/2014/main" val="20006"/>
                     </a:ext>
                   </a:extLst>
                 </a:gridCol>
-                <a:gridCol w="258117">
+                <a:gridCol w="208232">
                   <a:extLst>
                     <a:ext uri="{9D8B030D-6E8A-4147-A177-3AD203B41FA5}">
                       <a16:colId xmlns:a16="http://schemas.microsoft.com/office/drawing/2014/main" val="20007"/>
@@ -22838,7 +22959,7 @@
                     <a:bodyPr/>
                     <a:lstStyle/>
                     <a:p>
-                      <a:endParaRPr lang="en-US" sz="1200"/>
+                      <a:endParaRPr lang="en-US" sz="1200" dirty="0"/>
                     </a:p>
                   </a:txBody>
                   <a:tcPr marL="91416" marR="91416" marT="45708" marB="45708">
@@ -22942,7 +23063,7 @@
         </p:nvSpPr>
         <p:spPr>
           <a:xfrm>
-            <a:off x="8238477" y="4893253"/>
+            <a:off x="8399653" y="4891688"/>
             <a:ext cx="152360" cy="152360"/>
           </a:xfrm>
           <a:prstGeom prst="ellipse">
@@ -22990,7 +23111,7 @@
         </p:nvSpPr>
         <p:spPr>
           <a:xfrm>
-            <a:off x="9262921" y="3824087"/>
+            <a:off x="9424097" y="3822522"/>
             <a:ext cx="152360" cy="152360"/>
           </a:xfrm>
           <a:prstGeom prst="ellipse">
@@ -23038,7 +23159,7 @@
         </p:nvSpPr>
         <p:spPr>
           <a:xfrm>
-            <a:off x="9780794" y="3259712"/>
+            <a:off x="9941970" y="3258147"/>
             <a:ext cx="152360" cy="152360"/>
           </a:xfrm>
           <a:prstGeom prst="ellipse">
@@ -23086,7 +23207,7 @@
         </p:nvSpPr>
         <p:spPr>
           <a:xfrm>
-            <a:off x="10305539" y="2702910"/>
+            <a:off x="10466715" y="2701345"/>
             <a:ext cx="152360" cy="152360"/>
           </a:xfrm>
           <a:prstGeom prst="ellipse">
@@ -23134,7 +23255,7 @@
         </p:nvCxnSpPr>
         <p:spPr>
           <a:xfrm>
-            <a:off x="7242329" y="6394256"/>
+            <a:off x="7403505" y="6392691"/>
             <a:ext cx="4646990" cy="4577"/>
           </a:xfrm>
           <a:prstGeom prst="straightConnector1">
@@ -23170,7 +23291,7 @@
         </p:nvSpPr>
         <p:spPr>
           <a:xfrm>
-            <a:off x="7174890" y="6000804"/>
+            <a:off x="7336066" y="5999239"/>
             <a:ext cx="152360" cy="152360"/>
           </a:xfrm>
           <a:prstGeom prst="ellipse">
@@ -23218,7 +23339,7 @@
         </p:nvSpPr>
         <p:spPr>
           <a:xfrm>
-            <a:off x="11495434" y="5929432"/>
+            <a:off x="11656610" y="5927867"/>
             <a:ext cx="463834" cy="523084"/>
           </a:xfrm>
           <a:prstGeom prst="rect">
@@ -23262,8 +23383,12 @@
           <a:lstStyle/>
           <a:p>
             <a:r>
-              <a:rPr lang="en-US" sz="2799"/>
-              <a:t>ƒ(n)</a:t>
+              <a:rPr lang="en-US" sz="2799" dirty="0" err="1"/>
+              <a:t>ƒ</a:t>
+            </a:r>
+            <a:r>
+              <a:rPr lang="en-US" sz="2799" dirty="0"/>
+              <a:t>(n)</a:t>
             </a:r>
           </a:p>
         </p:txBody>
@@ -23276,7 +23401,7 @@
         </p:nvSpPr>
         <p:spPr>
           <a:xfrm>
-            <a:off x="7447817" y="5174198"/>
+            <a:off x="7608993" y="5172633"/>
             <a:ext cx="152360" cy="152360"/>
           </a:xfrm>
           <a:prstGeom prst="ellipse">
@@ -23324,7 +23449,7 @@
         </p:nvSpPr>
         <p:spPr>
           <a:xfrm>
-            <a:off x="7715723" y="5175382"/>
+            <a:off x="7876899" y="5173817"/>
             <a:ext cx="153884" cy="152360"/>
           </a:xfrm>
           <a:prstGeom prst="ellipse">
@@ -23375,7 +23500,7 @@
         </p:nvCxnSpPr>
         <p:spPr>
           <a:xfrm>
-            <a:off x="7251072" y="5253787"/>
+            <a:off x="7412248" y="5252222"/>
             <a:ext cx="4238309" cy="10990"/>
           </a:xfrm>
           <a:prstGeom prst="line">
@@ -23410,7 +23535,7 @@
         </p:nvSpPr>
         <p:spPr>
           <a:xfrm>
-            <a:off x="7456240" y="4905350"/>
+            <a:off x="7617416" y="4903785"/>
             <a:ext cx="152360" cy="152360"/>
           </a:xfrm>
           <a:prstGeom prst="ellipse">
@@ -23458,7 +23583,7 @@
         </p:nvSpPr>
         <p:spPr>
           <a:xfrm>
-            <a:off x="7720142" y="3531547"/>
+            <a:off x="7881318" y="3529982"/>
             <a:ext cx="152360" cy="152360"/>
           </a:xfrm>
           <a:prstGeom prst="ellipse">
@@ -23506,7 +23631,7 @@
         </p:nvSpPr>
         <p:spPr>
           <a:xfrm>
-            <a:off x="7980762" y="1888673"/>
+            <a:off x="8141938" y="1887108"/>
             <a:ext cx="152360" cy="152360"/>
           </a:xfrm>
           <a:prstGeom prst="ellipse">
@@ -23556,7 +23681,7 @@
         </p:nvSpPr>
         <p:spPr>
           <a:xfrm>
-            <a:off x="3168763" y="2383890"/>
+            <a:off x="2761860" y="2298431"/>
             <a:ext cx="2413452" cy="637683"/>
           </a:xfrm>
           <a:prstGeom prst="rect">
@@ -23820,13 +23945,22 @@
           <a:p>
             <a:pPr latinLnBrk="1"/>
             <a:r>
-              <a:rPr lang="en-US" sz="3199">
+              <a:rPr lang="en-US" sz="3199" dirty="0" err="1">
                 <a:solidFill>
                   <a:schemeClr val="bg1"/>
                 </a:solidFill>
                 <a:effectLst/>
               </a:rPr>
-              <a:t>ƒ(n)=n+1</a:t>
+              <a:t>ƒ</a:t>
+            </a:r>
+            <a:r>
+              <a:rPr lang="en-US" sz="3199" dirty="0">
+                <a:solidFill>
+                  <a:schemeClr val="bg1"/>
+                </a:solidFill>
+                <a:effectLst/>
+              </a:rPr>
+              <a:t>(n)=n+1</a:t>
             </a:r>
             <a:endParaRPr lang="en-US" altLang="ko-KR" sz="3199" noProof="1">
               <a:solidFill>
@@ -23848,7 +23982,7 @@
         </p:nvSpPr>
         <p:spPr>
           <a:xfrm>
-            <a:off x="3168762" y="4153794"/>
+            <a:off x="2758918" y="4342282"/>
             <a:ext cx="3016680" cy="637683"/>
           </a:xfrm>
           <a:prstGeom prst="rect">
@@ -24112,25 +24246,34 @@
           <a:p>
             <a:pPr algn="ctr" latinLnBrk="1"/>
             <a:r>
-              <a:rPr lang="en-US" sz="3199">
+              <a:rPr lang="en-US" sz="3199" dirty="0" err="1">
                 <a:solidFill>
                   <a:srgbClr val="0070C0"/>
                 </a:solidFill>
                 <a:effectLst/>
               </a:rPr>
-              <a:t>ƒ(n)=n</a:t>
-            </a:r>
-            <a:r>
-              <a:rPr lang="en-US" sz="3199" baseline="30000">
+              <a:t>ƒ</a:t>
+            </a:r>
+            <a:r>
+              <a:rPr lang="en-US" sz="3199" dirty="0">
                 <a:solidFill>
                   <a:srgbClr val="0070C0"/>
                 </a:solidFill>
                 <a:effectLst/>
               </a:rPr>
+              <a:t>(n)=n</a:t>
+            </a:r>
+            <a:r>
+              <a:rPr lang="en-US" sz="3199" baseline="30000" dirty="0">
+                <a:solidFill>
+                  <a:srgbClr val="0070C0"/>
+                </a:solidFill>
+                <a:effectLst/>
+              </a:rPr>
               <a:t>2</a:t>
             </a:r>
             <a:r>
-              <a:rPr lang="en-US" sz="3199">
+              <a:rPr lang="en-US" sz="3199" dirty="0">
                 <a:solidFill>
                   <a:srgbClr val="0070C0"/>
                 </a:solidFill>
@@ -24158,7 +24301,7 @@
         </p:nvSpPr>
         <p:spPr>
           <a:xfrm>
-            <a:off x="3168764" y="5928006"/>
+            <a:off x="2758918" y="6075419"/>
             <a:ext cx="1766479" cy="637683"/>
           </a:xfrm>
           <a:prstGeom prst="rect">
@@ -24201,14 +24344,24 @@
               <a:buNone/>
             </a:pPr>
             <a:r>
-              <a:rPr lang="en-US" sz="3199" b="1">
+              <a:rPr lang="en-US" sz="3199" b="1" dirty="0" err="1">
                 <a:solidFill>
                   <a:srgbClr val="00B050"/>
                 </a:solidFill>
                 <a:latin typeface="Consolas" panose="020B0609020204030204" pitchFamily="49" charset="0"/>
                 <a:cs typeface="Consolas" panose="020B0609020204030204" pitchFamily="49" charset="0"/>
               </a:rPr>
-              <a:t>ƒ(n)=4</a:t>
+              <a:t>ƒ</a:t>
+            </a:r>
+            <a:r>
+              <a:rPr lang="en-US" sz="3199" b="1" dirty="0">
+                <a:solidFill>
+                  <a:srgbClr val="00B050"/>
+                </a:solidFill>
+                <a:latin typeface="Consolas" panose="020B0609020204030204" pitchFamily="49" charset="0"/>
+                <a:cs typeface="Consolas" panose="020B0609020204030204" pitchFamily="49" charset="0"/>
+              </a:rPr>
+              <a:t>(n)=4</a:t>
             </a:r>
             <a:endParaRPr lang="en-US" altLang="ko-KR" sz="3199" b="1" noProof="1">
               <a:solidFill>
@@ -24229,7 +24382,7 @@
         </p:nvSpPr>
         <p:spPr>
           <a:xfrm>
-            <a:off x="10810528" y="2147636"/>
+            <a:off x="10971704" y="2146071"/>
             <a:ext cx="152360" cy="152360"/>
           </a:xfrm>
           <a:prstGeom prst="ellipse">
@@ -24277,7 +24430,7 @@
         </p:nvSpPr>
         <p:spPr>
           <a:xfrm>
-            <a:off x="7972097" y="5170253"/>
+            <a:off x="8133273" y="5168688"/>
             <a:ext cx="152360" cy="152360"/>
           </a:xfrm>
           <a:prstGeom prst="ellipse">
@@ -24325,7 +24478,7 @@
         </p:nvSpPr>
         <p:spPr>
           <a:xfrm>
-            <a:off x="8240003" y="5171437"/>
+            <a:off x="8401179" y="5169872"/>
             <a:ext cx="153884" cy="152360"/>
           </a:xfrm>
           <a:prstGeom prst="ellipse">
@@ -24373,7 +24526,7 @@
         </p:nvSpPr>
         <p:spPr>
           <a:xfrm>
-            <a:off x="8483940" y="5170221"/>
+            <a:off x="8645116" y="5168656"/>
             <a:ext cx="152360" cy="152360"/>
           </a:xfrm>
           <a:prstGeom prst="ellipse">
@@ -24421,7 +24574,7 @@
         </p:nvSpPr>
         <p:spPr>
           <a:xfrm>
-            <a:off x="8751846" y="5171405"/>
+            <a:off x="8913022" y="5169840"/>
             <a:ext cx="153884" cy="152360"/>
           </a:xfrm>
           <a:prstGeom prst="ellipse">
@@ -24469,7 +24622,7 @@
         </p:nvSpPr>
         <p:spPr>
           <a:xfrm>
-            <a:off x="9262921" y="5181466"/>
+            <a:off x="9424097" y="5179901"/>
             <a:ext cx="152360" cy="152360"/>
           </a:xfrm>
           <a:prstGeom prst="ellipse">
@@ -24517,7 +24670,7 @@
         </p:nvSpPr>
         <p:spPr>
           <a:xfrm>
-            <a:off x="9530827" y="5182650"/>
+            <a:off x="9692003" y="5181085"/>
             <a:ext cx="153884" cy="152360"/>
           </a:xfrm>
           <a:prstGeom prst="ellipse">
@@ -24565,7 +24718,7 @@
         </p:nvSpPr>
         <p:spPr>
           <a:xfrm>
-            <a:off x="9781033" y="5180281"/>
+            <a:off x="9942209" y="5178716"/>
             <a:ext cx="152360" cy="152360"/>
           </a:xfrm>
           <a:prstGeom prst="ellipse">
@@ -24613,7 +24766,7 @@
         </p:nvSpPr>
         <p:spPr>
           <a:xfrm>
-            <a:off x="10048939" y="5181466"/>
+            <a:off x="10210115" y="5179901"/>
             <a:ext cx="153884" cy="152360"/>
           </a:xfrm>
           <a:prstGeom prst="ellipse">
@@ -24661,7 +24814,7 @@
         </p:nvSpPr>
         <p:spPr>
           <a:xfrm>
-            <a:off x="10299145" y="5181840"/>
+            <a:off x="10460321" y="5180275"/>
             <a:ext cx="152360" cy="152360"/>
           </a:xfrm>
           <a:prstGeom prst="ellipse">
@@ -24709,7 +24862,7 @@
         </p:nvSpPr>
         <p:spPr>
           <a:xfrm>
-            <a:off x="10567051" y="5183024"/>
+            <a:off x="10728227" y="5181459"/>
             <a:ext cx="153884" cy="152360"/>
           </a:xfrm>
           <a:prstGeom prst="ellipse">
@@ -24757,7 +24910,7 @@
         </p:nvSpPr>
         <p:spPr>
           <a:xfrm>
-            <a:off x="10810528" y="5191367"/>
+            <a:off x="10971704" y="5189802"/>
             <a:ext cx="152360" cy="152360"/>
           </a:xfrm>
           <a:prstGeom prst="ellipse">
@@ -24805,7 +24958,7 @@
         </p:nvSpPr>
         <p:spPr>
           <a:xfrm>
-            <a:off x="11078434" y="5192552"/>
+            <a:off x="11239610" y="5190987"/>
             <a:ext cx="153884" cy="152360"/>
           </a:xfrm>
           <a:prstGeom prst="ellipse">
@@ -24853,7 +25006,7 @@
         </p:nvSpPr>
         <p:spPr>
           <a:xfrm>
-            <a:off x="11335495" y="5188597"/>
+            <a:off x="11496671" y="5187032"/>
             <a:ext cx="153884" cy="152360"/>
           </a:xfrm>
           <a:prstGeom prst="ellipse">
@@ -24901,7 +25054,7 @@
         </p:nvSpPr>
         <p:spPr>
           <a:xfrm>
-            <a:off x="8751846" y="4353367"/>
+            <a:off x="8913022" y="4351802"/>
             <a:ext cx="152360" cy="152360"/>
           </a:xfrm>
           <a:prstGeom prst="ellipse">
@@ -24963,7 +25116,7 @@
         </p:nvCxnSpPr>
         <p:spPr>
           <a:xfrm flipV="1">
-            <a:off x="7203573" y="1838339"/>
+            <a:off x="7364749" y="1836774"/>
             <a:ext cx="4045300" cy="4323506"/>
           </a:xfrm>
           <a:prstGeom prst="line">
@@ -24998,7 +25151,7 @@
         </p:nvSpPr>
         <p:spPr>
           <a:xfrm>
-            <a:off x="7166149" y="5735882"/>
+            <a:off x="7327325" y="5734317"/>
             <a:ext cx="152360" cy="152360"/>
           </a:xfrm>
           <a:prstGeom prst="ellipse">
@@ -25046,7 +25199,7 @@
         </p:nvSpPr>
         <p:spPr>
           <a:xfrm>
-            <a:off x="7166168" y="6420349"/>
+            <a:off x="7327344" y="6418784"/>
             <a:ext cx="4298603" cy="338466"/>
           </a:xfrm>
           <a:prstGeom prst="rect">
@@ -25075,7 +25228,7 @@
         </p:nvSpPr>
         <p:spPr>
           <a:xfrm>
-            <a:off x="6739597" y="1554804"/>
+            <a:off x="6900773" y="1553239"/>
             <a:ext cx="412030" cy="5000067"/>
           </a:xfrm>
           <a:prstGeom prst="rect">
@@ -25095,7 +25248,7 @@
               </a:spcAft>
             </a:pPr>
             <a:r>
-              <a:rPr lang="en-US" sz="1600"/>
+              <a:rPr lang="en-US" sz="1600" dirty="0"/>
               <a:t>18</a:t>
             </a:r>
           </a:p>
@@ -25106,7 +25259,7 @@
               </a:spcAft>
             </a:pPr>
             <a:r>
-              <a:rPr lang="en-US" sz="1600"/>
+              <a:rPr lang="en-US" sz="1600" dirty="0"/>
               <a:t>17</a:t>
             </a:r>
           </a:p>
@@ -25117,7 +25270,7 @@
               </a:spcAft>
             </a:pPr>
             <a:r>
-              <a:rPr lang="en-US" sz="1600"/>
+              <a:rPr lang="en-US" sz="1600" dirty="0"/>
               <a:t>16</a:t>
             </a:r>
           </a:p>
@@ -25128,7 +25281,7 @@
               </a:spcAft>
             </a:pPr>
             <a:r>
-              <a:rPr lang="en-US" sz="1600"/>
+              <a:rPr lang="en-US" sz="1600" dirty="0"/>
               <a:t>15</a:t>
             </a:r>
           </a:p>
@@ -25139,7 +25292,7 @@
               </a:spcAft>
             </a:pPr>
             <a:r>
-              <a:rPr lang="en-US" sz="1600"/>
+              <a:rPr lang="en-US" sz="1600" dirty="0"/>
               <a:t>14</a:t>
             </a:r>
           </a:p>
@@ -25150,7 +25303,7 @@
               </a:spcAft>
             </a:pPr>
             <a:r>
-              <a:rPr lang="en-US" sz="1600"/>
+              <a:rPr lang="en-US" sz="1600" dirty="0"/>
               <a:t>13</a:t>
             </a:r>
           </a:p>
@@ -25161,7 +25314,7 @@
               </a:spcAft>
             </a:pPr>
             <a:r>
-              <a:rPr lang="en-US" sz="1600"/>
+              <a:rPr lang="en-US" sz="1600" dirty="0"/>
               <a:t>12</a:t>
             </a:r>
           </a:p>
@@ -25172,7 +25325,7 @@
               </a:spcAft>
             </a:pPr>
             <a:r>
-              <a:rPr lang="en-US" sz="1600"/>
+              <a:rPr lang="en-US" sz="1600" dirty="0"/>
               <a:t>11</a:t>
             </a:r>
           </a:p>
@@ -25183,7 +25336,7 @@
               </a:spcAft>
             </a:pPr>
             <a:r>
-              <a:rPr lang="en-US" sz="1600"/>
+              <a:rPr lang="en-US" sz="1600" dirty="0"/>
               <a:t>10</a:t>
             </a:r>
           </a:p>
@@ -25194,7 +25347,7 @@
               </a:spcAft>
             </a:pPr>
             <a:r>
-              <a:rPr lang="en-US" sz="1600"/>
+              <a:rPr lang="en-US" sz="1600" dirty="0"/>
               <a:t>9</a:t>
             </a:r>
           </a:p>
@@ -25205,7 +25358,7 @@
               </a:spcAft>
             </a:pPr>
             <a:r>
-              <a:rPr lang="en-US" sz="1600"/>
+              <a:rPr lang="en-US" sz="1600" dirty="0"/>
               <a:t>8</a:t>
             </a:r>
           </a:p>
@@ -25216,7 +25369,7 @@
               </a:spcAft>
             </a:pPr>
             <a:r>
-              <a:rPr lang="en-US" sz="1600"/>
+              <a:rPr lang="en-US" sz="1600" dirty="0"/>
               <a:t>7</a:t>
             </a:r>
           </a:p>
@@ -25227,7 +25380,7 @@
               </a:spcAft>
             </a:pPr>
             <a:r>
-              <a:rPr lang="en-US" sz="1600"/>
+              <a:rPr lang="en-US" sz="1600" dirty="0"/>
               <a:t>6</a:t>
             </a:r>
           </a:p>
@@ -25238,7 +25391,7 @@
               </a:spcAft>
             </a:pPr>
             <a:r>
-              <a:rPr lang="en-US" sz="1600"/>
+              <a:rPr lang="en-US" sz="1600" dirty="0"/>
               <a:t>5</a:t>
             </a:r>
           </a:p>
@@ -25249,7 +25402,7 @@
               </a:spcAft>
             </a:pPr>
             <a:r>
-              <a:rPr lang="en-US" sz="1600"/>
+              <a:rPr lang="en-US" sz="1600" dirty="0"/>
               <a:t>4</a:t>
             </a:r>
           </a:p>
@@ -25260,7 +25413,7 @@
               </a:spcAft>
             </a:pPr>
             <a:r>
-              <a:rPr lang="en-US" sz="1600"/>
+              <a:rPr lang="en-US" sz="1600" dirty="0"/>
               <a:t>3</a:t>
             </a:r>
           </a:p>
@@ -25271,7 +25424,7 @@
               </a:spcAft>
             </a:pPr>
             <a:r>
-              <a:rPr lang="en-US" sz="1600"/>
+              <a:rPr lang="en-US" sz="1600" dirty="0"/>
               <a:t>2</a:t>
             </a:r>
           </a:p>
@@ -25282,14 +25435,14 @@
               </a:spcAft>
             </a:pPr>
             <a:r>
-              <a:rPr lang="en-US" sz="1600"/>
+              <a:rPr lang="en-US" sz="1600" dirty="0"/>
               <a:t>1</a:t>
             </a:r>
           </a:p>
           <a:p>
             <a:pPr algn="r"/>
             <a:r>
-              <a:rPr lang="en-US" sz="1600"/>
+              <a:rPr lang="en-US" sz="1600" dirty="0"/>
               <a:t>0</a:t>
             </a:r>
           </a:p>
@@ -25303,7 +25456,7 @@
         </p:nvSpPr>
         <p:spPr>
           <a:xfrm>
-            <a:off x="7716485" y="5453033"/>
+            <a:off x="7877661" y="5451468"/>
             <a:ext cx="152360" cy="152360"/>
           </a:xfrm>
           <a:prstGeom prst="ellipse">
@@ -25351,7 +25504,7 @@
         </p:nvCxnSpPr>
         <p:spPr>
           <a:xfrm flipV="1">
-            <a:off x="7270968" y="1161925"/>
+            <a:off x="7432144" y="1160360"/>
             <a:ext cx="17559" cy="5247350"/>
           </a:xfrm>
           <a:prstGeom prst="straightConnector1">
@@ -25387,7 +25540,7 @@
         </p:nvSpPr>
         <p:spPr>
           <a:xfrm>
-            <a:off x="8999732" y="5169049"/>
+            <a:off x="9160908" y="5167484"/>
             <a:ext cx="152360" cy="152360"/>
           </a:xfrm>
           <a:prstGeom prst="ellipse">
@@ -25435,7 +25588,7 @@
         </p:nvSpPr>
         <p:spPr>
           <a:xfrm>
-            <a:off x="7247381" y="1395246"/>
+            <a:off x="7408557" y="1393681"/>
             <a:ext cx="879628" cy="4409038"/>
           </a:xfrm>
           <a:custGeom>
@@ -25894,12 +26047,16 @@
               <a:buNone/>
             </a:pPr>
             <a:r>
+              <a:rPr lang="bg-BG" sz="3350" dirty="0"/>
+              <a:t>        </a:t>
+            </a:r>
+            <a:r>
               <a:rPr lang="en-US" sz="3350" dirty="0"/>
-              <a:t>	</a:t>
+              <a:t>Примери </a:t>
             </a:r>
             <a:r>
               <a:rPr lang="en-US" sz="3350" dirty="0" err="1"/>
-              <a:t>Примери</a:t>
+              <a:t>за</a:t>
             </a:r>
             <a:r>
               <a:rPr lang="en-US" sz="3350" dirty="0"/>
@@ -25907,15 +26064,15 @@
             </a:r>
             <a:r>
               <a:rPr lang="en-US" sz="3350" dirty="0" err="1"/>
-              <a:t>за</a:t>
-            </a:r>
-            <a:r>
-              <a:rPr lang="en-US" sz="3350" dirty="0"/>
-              <a:t> </a:t>
+              <a:t>поз</a:t>
+            </a:r>
+            <a:r>
+              <a:rPr lang="bg-BG" sz="3350" dirty="0"/>
+              <a:t>и</a:t>
             </a:r>
             <a:r>
               <a:rPr lang="en-US" sz="3350" dirty="0" err="1"/>
-              <a:t>позетивни</a:t>
+              <a:t>тивни</a:t>
             </a:r>
             <a:r>
               <a:rPr lang="en-US" sz="3350" dirty="0"/>
@@ -25969,10 +26126,16 @@
               <a:t>: </a:t>
             </a:r>
             <a:r>
+              <a:rPr lang="bg-BG" altLang="ko-KR" sz="3950" dirty="0">
+                <a:ea typeface="굴림"/>
+              </a:rPr>
+              <a:t>п</a:t>
+            </a:r>
+            <a:r>
               <a:rPr lang="en-US" sz="3950" dirty="0" err="1"/>
-              <a:t>Примери</a:t>
-            </a:r>
-            <a:endParaRPr lang="en-US" sz="3950" b="0" dirty="0" err="1">
+              <a:t>римери</a:t>
+            </a:r>
+            <a:endParaRPr lang="en-US" sz="3950" b="0" dirty="0">
               <a:cs typeface="Calibri"/>
             </a:endParaRPr>
           </a:p>
@@ -25999,7 +26162,7 @@
         </p:blipFill>
         <p:spPr>
           <a:xfrm>
-            <a:off x="1147290" y="1809423"/>
+            <a:off x="1096015" y="1873174"/>
             <a:ext cx="4081333" cy="4710531"/>
           </a:xfrm>
           <a:prstGeom prst="rect">
@@ -26060,7 +26223,7 @@
         </p:nvSpPr>
         <p:spPr>
           <a:xfrm>
-            <a:off x="7152432" y="2404044"/>
+            <a:off x="6974996" y="2446779"/>
             <a:ext cx="3722890" cy="525142"/>
           </a:xfrm>
           <a:prstGeom prst="rect">
@@ -26485,7 +26648,7 @@
           </a:ln>
           <a:extLst>
             <a:ext uri="{909E8E84-426E-40dd-AFC4-6F175D3DCCD1}">
-              <a14:hiddenFill xmlns="" xmlns:a14="http://schemas.microsoft.com/office/drawing/2010/main">
+              <a14:hiddenFill xmlns:a14="http://schemas.microsoft.com/office/drawing/2010/main" xmlns="">
                 <a:solidFill>
                   <a:srgbClr val="FFFFFF"/>
                 </a:solidFill>
@@ -26631,14 +26794,14 @@
             <p:ph idx="4294967295"/>
             <p:extLst>
               <p:ext uri="{D42A27DB-BD31-4B8C-83A1-F6EECF244321}">
-                <p14:modId xmlns:p14="http://schemas.microsoft.com/office/powerpoint/2010/main" val="3872235845"/>
+                <p14:modId xmlns:p14="http://schemas.microsoft.com/office/powerpoint/2010/main" val="1856551464"/>
               </p:ext>
             </p:extLst>
           </p:nvPr>
         </p:nvGraphicFramePr>
         <p:xfrm>
-          <a:off x="657047" y="1101654"/>
-          <a:ext cx="11190739" cy="5559390"/>
+          <a:off x="657048" y="1372860"/>
+          <a:ext cx="11178877" cy="5259534"/>
         </p:xfrm>
         <a:graphic>
           <a:graphicData uri="http://schemas.openxmlformats.org/drawingml/2006/table">
@@ -26648,21 +26811,21 @@
                 <a:tableStyleId>{08FB837D-C827-4EFA-A057-4D05807E0F7C}</a:tableStyleId>
               </a:tblPr>
               <a:tblGrid>
-                <a:gridCol w="2857500">
+                <a:gridCol w="2854471">
                   <a:extLst>
                     <a:ext uri="{9D8B030D-6E8A-4147-A177-3AD203B41FA5}">
                       <a16:colId xmlns:a16="http://schemas.microsoft.com/office/drawing/2014/main" val="20000"/>
                     </a:ext>
                   </a:extLst>
                 </a:gridCol>
-                <a:gridCol w="1962149">
+                <a:gridCol w="1960069">
                   <a:extLst>
                     <a:ext uri="{9D8B030D-6E8A-4147-A177-3AD203B41FA5}">
                       <a16:colId xmlns:a16="http://schemas.microsoft.com/office/drawing/2014/main" val="20001"/>
                     </a:ext>
                   </a:extLst>
                 </a:gridCol>
-                <a:gridCol w="6371090">
+                <a:gridCol w="6364337">
                   <a:extLst>
                     <a:ext uri="{9D8B030D-6E8A-4147-A177-3AD203B41FA5}">
                       <a16:colId xmlns:a16="http://schemas.microsoft.com/office/drawing/2014/main" val="20002"/>
@@ -26670,7 +26833,7 @@
                   </a:extLst>
                 </a:gridCol>
               </a:tblGrid>
-              <a:tr h="657965">
+              <a:tr h="622476">
                 <a:tc>
                   <a:txBody>
                     <a:bodyPr/>
@@ -26695,7 +26858,7 @@
                         <a:tabLst/>
                       </a:pPr>
                       <a:r>
-                        <a:rPr lang="en-US" sz="3200" b="1" kern="1200" dirty="0" err="1">
+                        <a:rPr lang="en-US" sz="2300" b="1" kern="1200" dirty="0" err="1">
                           <a:solidFill>
                             <a:schemeClr val="tx2"/>
                           </a:solidFill>
@@ -26703,7 +26866,7 @@
                         </a:rPr>
                         <a:t>Сложност</a:t>
                       </a:r>
-                      <a:endParaRPr lang="en-US" sz="3200" b="1" kern="1200" dirty="0" err="1">
+                      <a:endParaRPr lang="en-US" sz="2300" b="1" kern="1200" dirty="0" err="1">
                         <a:solidFill>
                           <a:schemeClr val="tx2"/>
                         </a:solidFill>
@@ -26777,7 +26940,7 @@
                         <a:tabLst/>
                       </a:pPr>
                       <a:r>
-                        <a:rPr lang="en-US" sz="3200" b="1" kern="1200" dirty="0" err="1">
+                        <a:rPr lang="en-US" sz="2300" b="1" kern="1200" dirty="0" err="1">
                           <a:solidFill>
                             <a:schemeClr val="tx2"/>
                           </a:solidFill>
@@ -26785,7 +26948,7 @@
                         </a:rPr>
                         <a:t>Нотация</a:t>
                       </a:r>
-                      <a:endParaRPr lang="en-US" sz="3200" b="1" kern="1200" dirty="0" err="1">
+                      <a:endParaRPr lang="en-US" sz="2300" b="1" kern="1200" dirty="0" err="1">
                         <a:solidFill>
                           <a:schemeClr val="tx2"/>
                         </a:solidFill>
@@ -26859,7 +27022,7 @@
                         <a:tabLst/>
                       </a:pPr>
                       <a:r>
-                        <a:rPr lang="en-US" sz="3200" b="1" kern="1200" dirty="0" err="1">
+                        <a:rPr lang="en-US" sz="2300" b="1" kern="1200" dirty="0" err="1">
                           <a:solidFill>
                             <a:schemeClr val="tx2"/>
                           </a:solidFill>
@@ -26867,7 +27030,7 @@
                         </a:rPr>
                         <a:t>Описание</a:t>
                       </a:r>
-                      <a:endParaRPr lang="en-US" sz="3200" b="1" kern="1200" dirty="0" err="1">
+                      <a:endParaRPr lang="en-US" sz="2300" b="1" kern="1200" dirty="0" err="1">
                         <a:solidFill>
                           <a:schemeClr val="tx2"/>
                         </a:solidFill>
@@ -26923,7 +27086,7 @@
                   </a:ext>
                 </a:extLst>
               </a:tr>
-              <a:tr h="1380277">
+              <a:tr h="1305829">
                 <a:tc>
                   <a:txBody>
                     <a:bodyPr/>
@@ -26949,7 +27112,7 @@
                         <a:defRPr/>
                       </a:pPr>
                       <a:r>
-                        <a:rPr lang="en-US" sz="3000" b="1" u="none" strike="noStrike" kern="1200" cap="none" spc="0" normalizeH="0" baseline="0" noProof="0" dirty="0" err="1">
+                        <a:rPr lang="en-US" sz="2300" b="1" u="none" strike="noStrike" kern="1200" cap="none" spc="0" normalizeH="0" baseline="0" noProof="0" dirty="0" err="1">
                           <a:ln>
                             <a:noFill/>
                           </a:ln>
@@ -26962,7 +27125,7 @@
                         </a:rPr>
                         <a:t>константна</a:t>
                       </a:r>
-                      <a:endParaRPr kumimoji="0" lang="en-US" sz="3000" b="1" i="0" u="none" strike="noStrike" kern="1200" cap="none" spc="0" normalizeH="0" baseline="0" noProof="0" dirty="0" err="1">
+                      <a:endParaRPr kumimoji="0" lang="en-US" sz="2300" b="1" i="0" u="none" strike="noStrike" kern="1200" cap="none" spc="0" normalizeH="0" baseline="0" noProof="0" dirty="0" err="1">
                         <a:ln>
                           <a:noFill/>
                         </a:ln>
@@ -27042,7 +27205,7 @@
                         <a:defRPr/>
                       </a:pPr>
                       <a:r>
-                        <a:rPr kumimoji="0" lang="en-US" sz="3000" b="1" u="none" strike="noStrike" kern="1200" cap="none" spc="0" normalizeH="0" baseline="0" noProof="0" dirty="0">
+                        <a:rPr kumimoji="0" lang="en-US" sz="2300" b="1" u="none" strike="noStrike" kern="1200" cap="none" spc="0" normalizeH="0" baseline="0" noProof="0" dirty="0">
                           <a:ln>
                             <a:noFill/>
                           </a:ln>
@@ -27055,7 +27218,7 @@
                         </a:rPr>
                         <a:t>O(1)</a:t>
                       </a:r>
-                      <a:endParaRPr kumimoji="0" lang="en-US" sz="3000" b="1" i="0" u="none" strike="noStrike" kern="1200" cap="none" spc="0" normalizeH="0" baseline="0" noProof="0" dirty="0">
+                      <a:endParaRPr kumimoji="0" lang="en-US" sz="2300" b="1" i="0" u="none" strike="noStrike" kern="1200" cap="none" spc="0" normalizeH="0" baseline="0" noProof="0" dirty="0">
                         <a:ln>
                           <a:noFill/>
                         </a:ln>
@@ -27133,7 +27296,7 @@
                         <a:buNone/>
                       </a:pPr>
                       <a:r>
-                        <a:rPr lang="en-US" sz="2800" b="1" u="none" strike="noStrike" kern="1200" cap="none" spc="0" normalizeH="0" baseline="0" noProof="0" dirty="0" err="1">
+                        <a:rPr lang="en-US" sz="2300" b="1" u="none" strike="noStrike" kern="1200" cap="none" spc="0" normalizeH="0" baseline="0" noProof="0" dirty="0" err="1">
                           <a:ln>
                             <a:noFill/>
                           </a:ln>
@@ -27147,7 +27310,7 @@
                         <a:t>Константен</a:t>
                       </a:r>
                       <a:r>
-                        <a:rPr lang="en-US" sz="2800" b="1" u="none" strike="noStrike" kern="1200" cap="none" spc="0" normalizeH="0" baseline="0" noProof="0" dirty="0">
+                        <a:rPr lang="en-US" sz="2300" b="1" u="none" strike="noStrike" kern="1200" cap="none" spc="0" normalizeH="0" baseline="0" noProof="0" dirty="0">
                           <a:ln>
                             <a:noFill/>
                           </a:ln>
@@ -27161,7 +27324,7 @@
                         <a:t> </a:t>
                       </a:r>
                       <a:r>
-                        <a:rPr lang="en-US" sz="2800" b="1" u="none" strike="noStrike" kern="1200" cap="none" spc="0" normalizeH="0" baseline="0" noProof="0" dirty="0" err="1">
+                        <a:rPr lang="en-US" sz="2300" b="1" u="none" strike="noStrike" kern="1200" cap="none" spc="0" normalizeH="0" baseline="0" noProof="0" dirty="0" err="1">
                           <a:ln>
                             <a:noFill/>
                           </a:ln>
@@ -27175,7 +27338,7 @@
                         <a:t>брой</a:t>
                       </a:r>
                       <a:r>
-                        <a:rPr lang="en-US" sz="2800" b="1" u="none" strike="noStrike" kern="1200" cap="none" spc="0" normalizeH="0" baseline="0" noProof="0" dirty="0">
+                        <a:rPr lang="en-US" sz="2300" b="1" u="none" strike="noStrike" kern="1200" cap="none" spc="0" normalizeH="0" baseline="0" noProof="0" dirty="0">
                           <a:ln>
                             <a:noFill/>
                           </a:ln>
@@ -27189,7 +27352,7 @@
                         <a:t> </a:t>
                       </a:r>
                       <a:r>
-                        <a:rPr lang="en-US" sz="2800" b="1" u="none" strike="noStrike" kern="1200" cap="none" spc="0" normalizeH="0" baseline="0" noProof="0" dirty="0" err="1">
+                        <a:rPr lang="en-US" sz="2300" b="1" u="none" strike="noStrike" kern="1200" cap="none" spc="0" normalizeH="0" baseline="0" noProof="0" dirty="0" err="1">
                           <a:ln>
                             <a:noFill/>
                           </a:ln>
@@ -27203,7 +27366,7 @@
                         <a:t>операции</a:t>
                       </a:r>
                       <a:r>
-                        <a:rPr lang="en-US" sz="2800" b="1" u="none" strike="noStrike" kern="1200" cap="none" spc="0" normalizeH="0" baseline="0" noProof="0" dirty="0">
+                        <a:rPr lang="en-US" sz="2300" b="1" u="none" strike="noStrike" kern="1200" cap="none" spc="0" normalizeH="0" baseline="0" noProof="0" dirty="0">
                           <a:ln>
                             <a:noFill/>
                           </a:ln>
@@ -27217,7 +27380,7 @@
                         <a:t>, </a:t>
                       </a:r>
                       <a:r>
-                        <a:rPr lang="en-US" sz="2800" b="1" u="none" strike="noStrike" kern="1200" cap="none" spc="0" normalizeH="0" baseline="0" noProof="0" dirty="0" err="1">
+                        <a:rPr lang="en-US" sz="2300" b="1" u="none" strike="noStrike" kern="1200" cap="none" spc="0" normalizeH="0" baseline="0" noProof="0" dirty="0" err="1">
                           <a:ln>
                             <a:noFill/>
                           </a:ln>
@@ -27231,7 +27394,7 @@
                         <a:t>независимо</a:t>
                       </a:r>
                       <a:r>
-                        <a:rPr lang="en-US" sz="2800" b="1" u="none" strike="noStrike" kern="1200" cap="none" spc="0" normalizeH="0" baseline="0" noProof="0" dirty="0">
+                        <a:rPr lang="en-US" sz="2300" b="1" u="none" strike="noStrike" kern="1200" cap="none" spc="0" normalizeH="0" baseline="0" noProof="0" dirty="0">
                           <a:ln>
                             <a:noFill/>
                           </a:ln>
@@ -27245,7 +27408,7 @@
                         <a:t> </a:t>
                       </a:r>
                       <a:r>
-                        <a:rPr lang="en-US" sz="2800" b="1" u="none" strike="noStrike" kern="1200" cap="none" spc="0" normalizeH="0" baseline="0" noProof="0" dirty="0" err="1">
+                        <a:rPr lang="en-US" sz="2300" b="1" u="none" strike="noStrike" kern="1200" cap="none" spc="0" normalizeH="0" baseline="0" noProof="0" dirty="0" err="1">
                           <a:ln>
                             <a:noFill/>
                           </a:ln>
@@ -27259,7 +27422,7 @@
                         <a:t>от</a:t>
                       </a:r>
                       <a:r>
-                        <a:rPr lang="en-US" sz="2800" b="1" u="none" strike="noStrike" kern="1200" cap="none" spc="0" normalizeH="0" baseline="0" noProof="0" dirty="0">
+                        <a:rPr lang="en-US" sz="2300" b="1" u="none" strike="noStrike" kern="1200" cap="none" spc="0" normalizeH="0" baseline="0" noProof="0" dirty="0">
                           <a:ln>
                             <a:noFill/>
                           </a:ln>
@@ -27273,7 +27436,7 @@
                         <a:t> </a:t>
                       </a:r>
                       <a:r>
-                        <a:rPr lang="en-US" sz="2800" b="1" u="none" strike="noStrike" kern="1200" cap="none" spc="0" normalizeH="0" baseline="0" noProof="0" dirty="0" err="1">
+                        <a:rPr lang="en-US" sz="2300" b="1" u="none" strike="noStrike" kern="1200" cap="none" spc="0" normalizeH="0" baseline="0" noProof="0" dirty="0" err="1">
                           <a:ln>
                             <a:noFill/>
                           </a:ln>
@@ -27287,7 +27450,7 @@
                         <a:t>входа</a:t>
                       </a:r>
                       <a:r>
-                        <a:rPr lang="en-US" sz="2800" b="1" u="none" strike="noStrike" kern="1200" cap="none" spc="0" normalizeH="0" baseline="0" noProof="0" dirty="0">
+                        <a:rPr lang="en-US" sz="2300" b="1" u="none" strike="noStrike" kern="1200" cap="none" spc="0" normalizeH="0" baseline="0" noProof="0" dirty="0">
                           <a:ln>
                             <a:noFill/>
                           </a:ln>
@@ -27300,8 +27463,8 @@
                         </a:rPr>
                         <a:t>. </a:t>
                       </a:r>
-                      <a:r>
-                        <a:rPr lang="en-US" sz="2800" b="1" u="none" strike="noStrike" kern="1200" cap="none" spc="0" normalizeH="0" baseline="0" noProof="0" dirty="0" err="1">
+                      <a:br>
+                        <a:rPr lang="bg-BG" sz="2300" b="1" u="none" strike="noStrike" kern="1200" cap="none" spc="0" normalizeH="0" baseline="0" noProof="0" dirty="0">
                           <a:ln>
                             <a:noFill/>
                           </a:ln>
@@ -27312,31 +27475,37 @@
                           <a:uLnTx/>
                           <a:uFillTx/>
                         </a:rPr>
-                        <a:t>Примерно</a:t>
+                      </a:br>
+                      <a:r>
+                        <a:rPr lang="bg-BG" sz="2300" b="1" u="none" strike="noStrike" kern="1200" cap="none" spc="0" normalizeH="0" baseline="0" noProof="0" dirty="0">
+                          <a:ln>
+                            <a:noFill/>
+                          </a:ln>
+                          <a:solidFill>
+                            <a:schemeClr val="tx1"/>
+                          </a:solidFill>
+                          <a:effectLst/>
+                          <a:uLnTx/>
+                          <a:uFillTx/>
+                        </a:rPr>
+                        <a:t>Пример:</a:t>
                       </a:r>
-                    </a:p>
-                    <a:p>
-                      <a:pPr marL="0" marR="0" lvl="0" indent="0" algn="l" defTabSz="914400" rtl="0" eaLnBrk="0" fontAlgn="base" latinLnBrk="0" hangingPunct="0">
-                        <a:lnSpc>
-                          <a:spcPct val="95000"/>
-                        </a:lnSpc>
-                        <a:spcBef>
-                          <a:spcPts val="0"/>
-                        </a:spcBef>
-                        <a:spcAft>
-                          <a:spcPct val="0"/>
-                        </a:spcAft>
-                        <a:buClr>
-                          <a:schemeClr val="tx1"/>
-                        </a:buClr>
-                        <a:buSzTx/>
-                        <a:buFontTx/>
-                        <a:buNone/>
-                        <a:tabLst/>
-                        <a:defRPr/>
-                      </a:pPr>
                       <a:r>
-                        <a:rPr kumimoji="0" lang="en-US" sz="2800" b="1" u="none" strike="noStrike" kern="1200" cap="none" spc="0" normalizeH="0" baseline="0" noProof="0" dirty="0">
+                        <a:rPr kumimoji="0" lang="bg-BG" sz="2300" b="1" u="none" strike="noStrike" kern="1200" cap="none" spc="0" normalizeH="0" baseline="0" noProof="0" dirty="0">
+                          <a:ln>
+                            <a:noFill/>
+                          </a:ln>
+                          <a:solidFill>
+                            <a:schemeClr val="tx1"/>
+                          </a:solidFill>
+                          <a:effectLst/>
+                          <a:uLnTx/>
+                          <a:uFillTx/>
+                        </a:rPr>
+                        <a:t> </a:t>
+                      </a:r>
+                      <a:r>
+                        <a:rPr kumimoji="0" lang="en-US" sz="2300" b="1" u="none" strike="noStrike" kern="1200" cap="none" spc="0" normalizeH="0" baseline="0" noProof="0" dirty="0">
                           <a:ln>
                             <a:noFill/>
                           </a:ln>
@@ -27350,7 +27519,7 @@
                         <a:t>n = 1 000 000 </a:t>
                       </a:r>
                       <a:r>
-                        <a:rPr kumimoji="0" lang="en-US" sz="2800" b="1" u="none" strike="noStrike" kern="1200" cap="none" spc="0" normalizeH="0" baseline="0" noProof="0" dirty="0">
+                        <a:rPr kumimoji="0" lang="en-US" sz="2300" b="1" u="none" strike="noStrike" kern="1200" cap="none" spc="0" normalizeH="0" baseline="0" noProof="0" dirty="0">
                           <a:ln>
                             <a:noFill/>
                           </a:ln>
@@ -27365,7 +27534,7 @@
                         <a:t> 1-2 </a:t>
                       </a:r>
                       <a:r>
-                        <a:rPr lang="en-US" sz="2800" b="1" u="none" strike="noStrike" kern="1200" cap="none" spc="0" normalizeH="0" baseline="0" noProof="0" dirty="0" err="1">
+                        <a:rPr lang="en-US" sz="2300" b="1" u="none" strike="noStrike" kern="1200" cap="none" spc="0" normalizeH="0" baseline="0" noProof="0" dirty="0" err="1">
                           <a:ln>
                             <a:noFill/>
                           </a:ln>
@@ -27378,7 +27547,7 @@
                         </a:rPr>
                         <a:t>операции</a:t>
                       </a:r>
-                      <a:endParaRPr kumimoji="0" lang="en-US" sz="2800" b="1" i="0" u="none" strike="noStrike" kern="1200" cap="none" spc="0" normalizeH="0" baseline="0" noProof="0" dirty="0" err="1">
+                      <a:endParaRPr kumimoji="0" lang="en-US" sz="2300" b="1" i="0" u="none" strike="noStrike" kern="1200" cap="none" spc="0" normalizeH="0" baseline="0" noProof="0" dirty="0">
                         <a:ln>
                           <a:noFill/>
                         </a:ln>
@@ -27439,7 +27608,7 @@
                   </a:ext>
                 </a:extLst>
               </a:tr>
-              <a:tr h="1808196">
+              <a:tr h="1710668">
                 <a:tc>
                   <a:txBody>
                     <a:bodyPr/>
@@ -27460,7 +27629,7 @@
                         <a:defRPr/>
                       </a:pPr>
                       <a:r>
-                        <a:rPr lang="en-US" sz="3000" b="1" i="0" u="none" strike="noStrike" kern="1200" cap="none" spc="0" normalizeH="0" baseline="0" noProof="0" dirty="0" err="1">
+                        <a:rPr lang="en-US" sz="2300" b="1" i="0" u="none" strike="noStrike" kern="1200" cap="none" spc="0" normalizeH="0" baseline="0" noProof="0" dirty="0" err="1">
                           <a:ln>
                             <a:noFill/>
                           </a:ln>
@@ -27471,7 +27640,7 @@
                         </a:rPr>
                         <a:t>логаритмична</a:t>
                       </a:r>
-                      <a:endParaRPr kumimoji="0" lang="bg-BG" b="1" dirty="0" err="1"/>
+                      <a:endParaRPr kumimoji="0" lang="bg-BG" sz="2300" b="1" dirty="0" err="1"/>
                     </a:p>
                   </a:txBody>
                   <a:tcPr marL="136173" marR="136173" marT="45708" marB="45708" anchor="ctr" horzOverflow="overflow">
@@ -27538,7 +27707,7 @@
                         <a:defRPr/>
                       </a:pPr>
                       <a:r>
-                        <a:rPr kumimoji="0" lang="en-US" sz="3000" b="1" u="none" strike="noStrike" kern="1200" cap="none" spc="0" normalizeH="0" baseline="0" noProof="0" dirty="0">
+                        <a:rPr kumimoji="0" lang="en-US" sz="2300" b="1" u="none" strike="noStrike" kern="1200" cap="none" spc="0" normalizeH="0" baseline="0" noProof="0" dirty="0">
                           <a:ln>
                             <a:noFill/>
                           </a:ln>
@@ -27551,7 +27720,7 @@
                         </a:rPr>
                         <a:t>O(log n)</a:t>
                       </a:r>
-                      <a:endParaRPr kumimoji="0" lang="en-US" sz="3000" b="1" i="0" u="none" strike="noStrike" kern="1200" cap="none" spc="0" normalizeH="0" baseline="0" noProof="0" dirty="0">
+                      <a:endParaRPr kumimoji="0" lang="en-US" sz="2300" b="1" i="0" u="none" strike="noStrike" kern="1200" cap="none" spc="0" normalizeH="0" baseline="0" noProof="0" dirty="0">
                         <a:ln>
                           <a:noFill/>
                         </a:ln>
@@ -27629,7 +27798,7 @@
                         <a:buNone/>
                       </a:pPr>
                       <a:r>
-                        <a:rPr lang="en-US" sz="2800" b="1" u="none" strike="noStrike" kern="1200" cap="none" spc="0" normalizeH="0" baseline="0" noProof="0" dirty="0" err="1">
+                        <a:rPr lang="en-US" sz="2300" b="1" u="none" strike="noStrike" kern="1200" cap="none" spc="0" normalizeH="0" baseline="0" noProof="0" dirty="0" err="1">
                           <a:ln>
                             <a:noFill/>
                           </a:ln>
@@ -27643,7 +27812,7 @@
                         <a:t>Бро</a:t>
                       </a:r>
                       <a:r>
-                        <a:rPr lang="en-US" sz="2800" b="1" u="none" strike="noStrike" kern="1200" cap="none" spc="0" normalizeH="0" baseline="0" noProof="0" dirty="0" err="1">
+                        <a:rPr lang="en-US" sz="2300" b="1" u="none" strike="noStrike" kern="1200" cap="none" spc="0" normalizeH="0" baseline="0" noProof="0" dirty="0" err="1">
                           <a:ln>
                             <a:noFill/>
                           </a:ln>
@@ -27658,7 +27827,7 @@
                         <a:t>я</a:t>
                       </a:r>
                       <a:r>
-                        <a:rPr lang="en-US" sz="2800" b="1" u="none" strike="noStrike" kern="1200" cap="none" spc="0" normalizeH="0" baseline="0" noProof="0" dirty="0">
+                        <a:rPr lang="en-US" sz="2300" b="1" u="none" strike="noStrike" kern="1200" cap="none" spc="0" normalizeH="0" baseline="0" noProof="0" dirty="0">
                           <a:ln>
                             <a:noFill/>
                           </a:ln>
@@ -27673,7 +27842,7 @@
                         <a:t> </a:t>
                       </a:r>
                       <a:r>
-                        <a:rPr lang="en-US" sz="2800" b="1" u="none" strike="noStrike" kern="1200" cap="none" spc="0" normalizeH="0" baseline="0" noProof="0" dirty="0" err="1">
+                        <a:rPr lang="en-US" sz="2300" b="1" u="none" strike="noStrike" kern="1200" cap="none" spc="0" normalizeH="0" baseline="0" noProof="0" dirty="0" err="1">
                           <a:ln>
                             <a:noFill/>
                           </a:ln>
@@ -27688,7 +27857,7 @@
                         <a:t>операции</a:t>
                       </a:r>
                       <a:r>
-                        <a:rPr lang="en-US" sz="2800" b="1" u="none" strike="noStrike" kern="1200" cap="none" spc="0" normalizeH="0" baseline="0" noProof="0" dirty="0">
+                        <a:rPr lang="en-US" sz="2300" b="1" u="none" strike="noStrike" kern="1200" cap="none" spc="0" normalizeH="0" baseline="0" noProof="0" dirty="0">
                           <a:ln>
                             <a:noFill/>
                           </a:ln>
@@ -27703,7 +27872,7 @@
                         <a:t>, </a:t>
                       </a:r>
                       <a:r>
-                        <a:rPr lang="bg" sz="2800" b="1" i="0" u="none" strike="noStrike" kern="1200" cap="none" spc="0" normalizeH="0" baseline="0" noProof="0" dirty="0">
+                        <a:rPr lang="bg" sz="2300" b="1" i="0" u="none" strike="noStrike" kern="1200" cap="none" spc="0" normalizeH="0" baseline="0" noProof="0" dirty="0">
                           <a:ln>
                             <a:noFill/>
                           </a:ln>
@@ -27715,7 +27884,7 @@
                         <a:t>пропорционални на </a:t>
                       </a:r>
                       <a:r>
-                        <a:rPr lang="en-US" sz="2800" b="1" i="0" u="none" strike="noStrike" kern="1200" cap="none" spc="0" normalizeH="0" baseline="0" noProof="0" dirty="0">
+                        <a:rPr lang="en-US" sz="2300" b="1" i="0" u="none" strike="noStrike" kern="1200" cap="none" spc="0" normalizeH="0" baseline="0" noProof="0" dirty="0">
                           <a:ln>
                             <a:noFill/>
                           </a:ln>
@@ -27729,7 +27898,7 @@
                         <a:t>log2(n), </a:t>
                       </a:r>
                       <a:r>
-                        <a:rPr lang="en-US" sz="2800" b="1" i="0" u="none" strike="noStrike" kern="1200" cap="none" spc="0" normalizeH="0" baseline="0" noProof="0" dirty="0" err="1">
+                        <a:rPr lang="en-US" sz="2300" b="1" i="0" u="none" strike="noStrike" kern="1200" cap="none" spc="0" normalizeH="0" baseline="0" noProof="0" dirty="0" err="1">
                           <a:ln>
                             <a:noFill/>
                           </a:ln>
@@ -27743,7 +27912,7 @@
                         <a:t>където</a:t>
                       </a:r>
                       <a:r>
-                        <a:rPr lang="en-US" sz="2800" b="1" i="0" u="none" strike="noStrike" kern="1200" cap="none" spc="0" normalizeH="0" baseline="0" noProof="0" dirty="0">
+                        <a:rPr lang="en-US" sz="2300" b="1" i="0" u="none" strike="noStrike" kern="1200" cap="none" spc="0" normalizeH="0" baseline="0" noProof="0" dirty="0">
                           <a:ln>
                             <a:noFill/>
                           </a:ln>
@@ -27757,7 +27926,7 @@
                         <a:t> n e </a:t>
                       </a:r>
                       <a:r>
-                        <a:rPr lang="en-US" sz="2800" b="1" i="0" u="none" strike="noStrike" kern="1200" cap="none" spc="0" normalizeH="0" baseline="0" noProof="0" dirty="0" err="1">
+                        <a:rPr lang="en-US" sz="2300" b="1" i="0" u="none" strike="noStrike" kern="1200" cap="none" spc="0" normalizeH="0" baseline="0" noProof="0" dirty="0" err="1">
                           <a:ln>
                             <a:noFill/>
                           </a:ln>
@@ -27768,10 +27937,24 @@
                           <a:uLnTx/>
                           <a:uFillTx/>
                         </a:rPr>
-                        <a:t>размера</a:t>
+                        <a:t>размер</a:t>
                       </a:r>
                       <a:r>
-                        <a:rPr lang="en-US" sz="2800" b="1" i="0" u="none" strike="noStrike" kern="1200" cap="none" spc="0" normalizeH="0" baseline="0" noProof="0" dirty="0">
+                        <a:rPr lang="bg-BG" sz="2300" b="1" i="0" u="none" strike="noStrike" kern="1200" cap="none" spc="0" normalizeH="0" baseline="0" noProof="0" dirty="0" err="1">
+                          <a:ln>
+                            <a:noFill/>
+                          </a:ln>
+                          <a:solidFill>
+                            <a:schemeClr val="tx1"/>
+                          </a:solidFill>
+                          <a:effectLst/>
+                          <a:uLnTx/>
+                          <a:uFillTx/>
+                        </a:rPr>
+                        <a:t>ът</a:t>
+                      </a:r>
+                      <a:r>
+                        <a:rPr lang="en-US" sz="2300" b="1" i="0" u="none" strike="noStrike" kern="1200" cap="none" spc="0" normalizeH="0" baseline="0" noProof="0" dirty="0">
                           <a:ln>
                             <a:noFill/>
                           </a:ln>
@@ -27785,7 +27968,7 @@
                         <a:t> </a:t>
                       </a:r>
                       <a:r>
-                        <a:rPr lang="en-US" sz="2800" b="1" i="0" u="none" strike="noStrike" kern="1200" cap="none" spc="0" normalizeH="0" baseline="0" noProof="0" dirty="0" err="1">
+                        <a:rPr lang="en-US" sz="2300" b="1" i="0" u="none" strike="noStrike" kern="1200" cap="none" spc="0" normalizeH="0" baseline="0" noProof="0" dirty="0" err="1">
                           <a:ln>
                             <a:noFill/>
                           </a:ln>
@@ -27799,7 +27982,7 @@
                         <a:t>на</a:t>
                       </a:r>
                       <a:r>
-                        <a:rPr lang="en-US" sz="2800" b="1" i="0" u="none" strike="noStrike" kern="1200" cap="none" spc="0" normalizeH="0" baseline="0" noProof="0" dirty="0">
+                        <a:rPr lang="en-US" sz="2300" b="1" i="0" u="none" strike="noStrike" kern="1200" cap="none" spc="0" normalizeH="0" baseline="0" noProof="0" dirty="0">
                           <a:ln>
                             <a:noFill/>
                           </a:ln>
@@ -27813,7 +27996,7 @@
                         <a:t> </a:t>
                       </a:r>
                       <a:r>
-                        <a:rPr lang="en-US" sz="2800" b="1" i="0" u="none" strike="noStrike" kern="1200" cap="none" spc="0" normalizeH="0" baseline="0" noProof="0" dirty="0" err="1">
+                        <a:rPr lang="en-US" sz="2300" b="1" i="0" u="none" strike="noStrike" kern="1200" cap="none" spc="0" normalizeH="0" baseline="0" noProof="0" dirty="0" err="1">
                           <a:ln>
                             <a:noFill/>
                           </a:ln>
@@ -27827,7 +28010,7 @@
                         <a:t>входа</a:t>
                       </a:r>
                       <a:r>
-                        <a:rPr lang="en-US" sz="2800" b="1" i="0" u="none" strike="noStrike" kern="1200" cap="none" spc="0" normalizeH="0" baseline="0" noProof="0" dirty="0">
+                        <a:rPr lang="en-US" sz="2300" b="1" i="0" u="none" strike="noStrike" kern="1200" cap="none" spc="0" normalizeH="0" baseline="0" noProof="0" dirty="0">
                           <a:ln>
                             <a:noFill/>
                           </a:ln>
@@ -27840,8 +28023,8 @@
                         </a:rPr>
                         <a:t>. </a:t>
                       </a:r>
-                      <a:r>
-                        <a:rPr lang="en-US" sz="2800" b="1" i="0" u="none" strike="noStrike" kern="1200" cap="none" spc="0" normalizeH="0" baseline="0" noProof="0" dirty="0" err="1">
+                      <a:br>
+                        <a:rPr lang="bg-BG" sz="2300" b="1" i="0" u="none" strike="noStrike" kern="1200" cap="none" spc="0" normalizeH="0" baseline="0" noProof="0" dirty="0">
                           <a:ln>
                             <a:noFill/>
                           </a:ln>
@@ -27852,40 +28035,40 @@
                           <a:uLnTx/>
                           <a:uFillTx/>
                         </a:rPr>
-                        <a:t>Примерно</a:t>
+                      </a:br>
+                      <a:r>
+                        <a:rPr lang="bg-BG" sz="2300" b="1" i="0" u="none" strike="noStrike" kern="1200" cap="none" spc="0" normalizeH="0" baseline="0" noProof="0" dirty="0">
+                          <a:ln>
+                            <a:noFill/>
+                          </a:ln>
+                          <a:solidFill>
+                            <a:schemeClr val="tx1"/>
+                          </a:solidFill>
+                          <a:effectLst/>
+                          <a:uLnTx/>
+                          <a:uFillTx/>
+                        </a:rPr>
+                        <a:t>Пример:</a:t>
                       </a:r>
-                      <a:endParaRPr lang="en-US" sz="2800" b="1" i="0" u="none" strike="noStrike" kern="1200" cap="none" spc="0" normalizeH="0" baseline="0" noProof="0" dirty="0" err="1">
-                        <a:ln>
-                          <a:noFill/>
-                        </a:ln>
-                        <a:solidFill>
-                          <a:schemeClr val="tx1"/>
-                        </a:solidFill>
-                        <a:effectLst/>
-                        <a:uLnTx/>
-                        <a:uFillTx/>
-                        <a:latin typeface="+mn-lt"/>
-                        <a:ea typeface="+mn-ea"/>
-                        <a:cs typeface="+mn-cs"/>
-                      </a:endParaRPr>
-                    </a:p>
-                    <a:p>
-                      <a:pPr marL="0" marR="0" lvl="0" indent="0" algn="l">
-                        <a:lnSpc>
-                          <a:spcPct val="95000"/>
-                        </a:lnSpc>
-                        <a:spcBef>
-                          <a:spcPts val="0"/>
-                        </a:spcBef>
-                        <a:spcAft>
-                          <a:spcPct val="0"/>
-                        </a:spcAft>
-                        <a:buSzTx/>
-                        <a:buFontTx/>
-                        <a:buNone/>
-                      </a:pPr>
                       <a:r>
-                        <a:rPr lang="en-US" sz="2800" b="1" u="none" strike="noStrike" kern="1200" cap="none" spc="0" normalizeH="0" baseline="0" noProof="0" dirty="0">
+                        <a:rPr lang="bg-BG" sz="2300" b="1" i="0" u="none" strike="noStrike" kern="1200" cap="none" spc="0" normalizeH="0" baseline="0" noProof="0" dirty="0">
+                          <a:ln>
+                            <a:noFill/>
+                          </a:ln>
+                          <a:solidFill>
+                            <a:schemeClr val="tx1"/>
+                          </a:solidFill>
+                          <a:effectLst/>
+                          <a:uLnTx/>
+                          <a:uFillTx/>
+                          <a:latin typeface="+mn-lt"/>
+                          <a:ea typeface="+mn-ea"/>
+                          <a:cs typeface="+mn-cs"/>
+                        </a:rPr>
+                        <a:t> </a:t>
+                      </a:r>
+                      <a:r>
+                        <a:rPr lang="en-US" sz="2300" b="1" u="none" strike="noStrike" kern="1200" cap="none" spc="0" normalizeH="0" baseline="0" noProof="0" dirty="0">
                           <a:ln>
                             <a:noFill/>
                           </a:ln>
@@ -27899,7 +28082,7 @@
                         <a:t>n</a:t>
                       </a:r>
                       <a:r>
-                        <a:rPr kumimoji="0" lang="en-US" sz="2800" b="1" u="none" strike="noStrike" kern="1200" cap="none" spc="0" normalizeH="0" baseline="0" noProof="0" dirty="0">
+                        <a:rPr kumimoji="0" lang="en-US" sz="2300" b="1" u="none" strike="noStrike" kern="1200" cap="none" spc="0" normalizeH="0" baseline="0" noProof="0" dirty="0">
                           <a:ln>
                             <a:noFill/>
                           </a:ln>
@@ -27913,7 +28096,7 @@
                         <a:t> = 1 000 000 000 </a:t>
                       </a:r>
                       <a:r>
-                        <a:rPr kumimoji="0" lang="en-US" sz="2800" b="1" u="none" strike="noStrike" kern="1200" cap="none" spc="0" normalizeH="0" baseline="0" noProof="0" dirty="0">
+                        <a:rPr kumimoji="0" lang="en-US" sz="2300" b="1" u="none" strike="noStrike" kern="1200" cap="none" spc="0" normalizeH="0" baseline="0" noProof="0" dirty="0">
                           <a:ln>
                             <a:noFill/>
                           </a:ln>
@@ -27928,7 +28111,7 @@
                         <a:t> 30 </a:t>
                       </a:r>
                       <a:r>
-                        <a:rPr lang="en-US" sz="2800" b="1" u="none" strike="noStrike" kern="1200" cap="none" spc="0" normalizeH="0" baseline="0" noProof="0" dirty="0" err="1">
+                        <a:rPr lang="en-US" sz="2300" b="1" u="none" strike="noStrike" kern="1200" cap="none" spc="0" normalizeH="0" baseline="0" noProof="0" dirty="0" err="1">
                           <a:ln>
                             <a:noFill/>
                           </a:ln>
@@ -27941,7 +28124,7 @@
                         </a:rPr>
                         <a:t>операции</a:t>
                       </a:r>
-                      <a:endParaRPr kumimoji="0" lang="en-US" sz="2800" b="1" i="0" u="none" strike="noStrike" kern="1200" cap="none" spc="0" normalizeH="0" baseline="0" noProof="0" dirty="0" err="1">
+                      <a:endParaRPr kumimoji="0" lang="en-US" sz="2300" b="1" i="0" u="none" strike="noStrike" kern="1200" cap="none" spc="0" normalizeH="0" baseline="0" noProof="0" dirty="0">
                         <a:ln>
                           <a:noFill/>
                         </a:ln>
@@ -28002,7 +28185,7 @@
                   </a:ext>
                 </a:extLst>
               </a:tr>
-              <a:tr h="1380277">
+              <a:tr h="1620561">
                 <a:tc>
                   <a:txBody>
                     <a:bodyPr/>
@@ -28028,7 +28211,7 @@
                         <a:defRPr/>
                       </a:pPr>
                       <a:r>
-                        <a:rPr lang="en-US" sz="3000" b="1" u="none" strike="noStrike" kern="1200" cap="none" spc="0" normalizeH="0" baseline="0" noProof="0" dirty="0" err="1">
+                        <a:rPr lang="en-US" sz="2300" b="1" u="none" strike="noStrike" kern="1200" cap="none" spc="0" normalizeH="0" baseline="0" noProof="0" dirty="0" err="1">
                           <a:ln>
                             <a:noFill/>
                           </a:ln>
@@ -28041,7 +28224,7 @@
                         </a:rPr>
                         <a:t>линейна</a:t>
                       </a:r>
-                      <a:endParaRPr kumimoji="0" lang="bg-BG" sz="3000" b="1" i="0" u="none" strike="noStrike" kern="1200" cap="none" spc="0" normalizeH="0" baseline="0" noProof="0" dirty="0" err="1">
+                      <a:endParaRPr kumimoji="0" lang="bg-BG" sz="2300" b="1" i="0" u="none" strike="noStrike" kern="1200" cap="none" spc="0" normalizeH="0" baseline="0" noProof="0" dirty="0" err="1">
                         <a:ln>
                           <a:noFill/>
                         </a:ln>
@@ -28121,7 +28304,7 @@
                         <a:defRPr/>
                       </a:pPr>
                       <a:r>
-                        <a:rPr kumimoji="0" lang="en-US" sz="3000" b="1" u="none" strike="noStrike" kern="1200" cap="none" spc="0" normalizeH="0" baseline="0" noProof="0" dirty="0">
+                        <a:rPr kumimoji="0" lang="en-US" sz="2300" b="1" u="none" strike="noStrike" kern="1200" cap="none" spc="0" normalizeH="0" baseline="0" noProof="0" dirty="0">
                           <a:ln>
                             <a:noFill/>
                           </a:ln>
@@ -28134,7 +28317,7 @@
                         </a:rPr>
                         <a:t>O(n)</a:t>
                       </a:r>
-                      <a:endParaRPr kumimoji="0" lang="bg-BG" sz="3000" b="1" i="0" u="none" strike="noStrike" kern="1200" cap="none" spc="0" normalizeH="0" baseline="0" noProof="0" dirty="0">
+                      <a:endParaRPr kumimoji="0" lang="bg-BG" sz="2300" b="1" i="0" u="none" strike="noStrike" kern="1200" cap="none" spc="0" normalizeH="0" baseline="0" noProof="0" dirty="0">
                         <a:ln>
                           <a:noFill/>
                         </a:ln>
@@ -28207,7 +28390,7 @@
                         <a:buNone/>
                       </a:pPr>
                       <a:r>
-                        <a:rPr lang="en-US" sz="2800" b="1" i="0" u="none" strike="noStrike" kern="1200" cap="none" spc="0" normalizeH="0" baseline="0" noProof="0" dirty="0" err="1">
+                        <a:rPr lang="en-US" sz="2300" b="1" i="0" u="none" strike="noStrike" kern="1200" cap="none" spc="0" normalizeH="0" baseline="0" noProof="0" dirty="0" err="1">
                           <a:ln>
                             <a:noFill/>
                           </a:ln>
@@ -28219,7 +28402,7 @@
                         <a:t>Броят</a:t>
                       </a:r>
                       <a:r>
-                        <a:rPr lang="en-US" sz="2800" b="1" i="0" u="none" strike="noStrike" kern="1200" cap="none" spc="0" normalizeH="0" baseline="0" noProof="0" dirty="0">
+                        <a:rPr lang="en-US" sz="2300" b="1" i="0" u="none" strike="noStrike" kern="1200" cap="none" spc="0" normalizeH="0" baseline="0" noProof="0" dirty="0">
                           <a:ln>
                             <a:noFill/>
                           </a:ln>
@@ -28231,7 +28414,7 @@
                         <a:t> </a:t>
                       </a:r>
                       <a:r>
-                        <a:rPr lang="en-US" sz="2800" b="1" i="0" u="none" strike="noStrike" kern="1200" cap="none" spc="0" normalizeH="0" baseline="0" noProof="0" dirty="0" err="1">
+                        <a:rPr lang="en-US" sz="2300" b="1" i="0" u="none" strike="noStrike" kern="1200" cap="none" spc="0" normalizeH="0" baseline="0" noProof="0" dirty="0" err="1">
                           <a:ln>
                             <a:noFill/>
                           </a:ln>
@@ -28243,7 +28426,7 @@
                         <a:t>на</a:t>
                       </a:r>
                       <a:r>
-                        <a:rPr lang="en-US" sz="2800" b="1" i="0" u="none" strike="noStrike" kern="1200" cap="none" spc="0" normalizeH="0" baseline="0" noProof="0" dirty="0">
+                        <a:rPr lang="en-US" sz="2300" b="1" i="0" u="none" strike="noStrike" kern="1200" cap="none" spc="0" normalizeH="0" baseline="0" noProof="0" dirty="0">
                           <a:ln>
                             <a:noFill/>
                           </a:ln>
@@ -28255,7 +28438,7 @@
                         <a:t> </a:t>
                       </a:r>
                       <a:r>
-                        <a:rPr lang="en-US" sz="2800" b="1" i="0" u="none" strike="noStrike" kern="1200" cap="none" spc="0" normalizeH="0" baseline="0" noProof="0" dirty="0" err="1">
+                        <a:rPr lang="en-US" sz="2300" b="1" i="0" u="none" strike="noStrike" kern="1200" cap="none" spc="0" normalizeH="0" baseline="0" noProof="0" dirty="0" err="1">
                           <a:ln>
                             <a:noFill/>
                           </a:ln>
@@ -28267,7 +28450,7 @@
                         <a:t>операциите</a:t>
                       </a:r>
                       <a:r>
-                        <a:rPr lang="en-US" sz="2800" b="1" i="0" u="none" strike="noStrike" kern="1200" cap="none" spc="0" normalizeH="0" baseline="0" noProof="0" dirty="0">
+                        <a:rPr lang="en-US" sz="2300" b="1" i="0" u="none" strike="noStrike" kern="1200" cap="none" spc="0" normalizeH="0" baseline="0" noProof="0" dirty="0">
                           <a:ln>
                             <a:noFill/>
                           </a:ln>
@@ -28276,10 +28459,10 @@
                           <a:uFillTx/>
                           <a:latin typeface="Calibri"/>
                         </a:rPr>
-                        <a:t> е </a:t>
+                        <a:t> </a:t>
                       </a:r>
-                      <a:br>
-                        <a:rPr lang="en-US" sz="2800" b="1" i="0" u="none" strike="noStrike" kern="1200" cap="none" spc="0" normalizeH="0" baseline="0" noProof="0" dirty="0">
+                      <a:r>
+                        <a:rPr lang="en-US" sz="2300" b="1" i="0" u="none" strike="noStrike" kern="1200" cap="none" spc="0" normalizeH="0" baseline="0" noProof="0" dirty="0" err="1">
                           <a:ln>
                             <a:noFill/>
                           </a:ln>
@@ -28288,9 +28471,22 @@
                           <a:uFillTx/>
                           <a:latin typeface="Calibri"/>
                         </a:rPr>
-                      </a:br>
+                        <a:t>е</a:t>
+                      </a:r>
                       <a:r>
-                        <a:rPr lang="en-US" sz="2800" b="1" i="0" u="none" strike="noStrike" kern="1200" cap="none" spc="0" normalizeH="0" baseline="0" noProof="0" dirty="0" err="1">
+                        <a:rPr lang="en-US" sz="2300" b="1" i="0" u="none" strike="noStrike" kern="1200" cap="none" spc="0" normalizeH="0" baseline="0" noProof="0" dirty="0">
+                          <a:ln>
+                            <a:noFill/>
+                          </a:ln>
+                          <a:effectLst/>
+                          <a:uLnTx/>
+                          <a:uFillTx/>
+                          <a:latin typeface="Calibri"/>
+                        </a:rPr>
+                        <a:t> </a:t>
+                      </a:r>
+                      <a:r>
+                        <a:rPr lang="en-US" sz="2300" b="1" i="0" u="none" strike="noStrike" kern="1200" cap="none" spc="0" normalizeH="0" baseline="0" noProof="0" dirty="0" err="1">
                           <a:ln>
                             <a:noFill/>
                           </a:ln>
@@ -28302,7 +28498,7 @@
                         <a:t>пропорционален</a:t>
                       </a:r>
                       <a:r>
-                        <a:rPr lang="en-US" sz="2800" b="1" i="0" u="none" strike="noStrike" kern="1200" cap="none" spc="0" normalizeH="0" baseline="0" noProof="0" dirty="0">
+                        <a:rPr lang="en-US" sz="2300" b="1" i="0" u="none" strike="noStrike" kern="1200" cap="none" spc="0" normalizeH="0" baseline="0" noProof="0" dirty="0">
                           <a:ln>
                             <a:noFill/>
                           </a:ln>
@@ -28314,7 +28510,7 @@
                         <a:t> </a:t>
                       </a:r>
                       <a:r>
-                        <a:rPr lang="en-US" sz="2800" b="1" i="0" u="none" strike="noStrike" kern="1200" cap="none" spc="0" normalizeH="0" baseline="0" noProof="0" dirty="0" err="1">
+                        <a:rPr lang="en-US" sz="2300" b="1" i="0" u="none" strike="noStrike" kern="1200" cap="none" spc="0" normalizeH="0" baseline="0" noProof="0" dirty="0" err="1">
                           <a:ln>
                             <a:noFill/>
                           </a:ln>
@@ -28326,7 +28522,7 @@
                         <a:t>на</a:t>
                       </a:r>
                       <a:r>
-                        <a:rPr lang="en-US" sz="2800" b="1" i="0" u="none" strike="noStrike" kern="1200" cap="none" spc="0" normalizeH="0" baseline="0" noProof="0" dirty="0">
+                        <a:rPr lang="en-US" sz="2300" b="1" i="0" u="none" strike="noStrike" kern="1200" cap="none" spc="0" normalizeH="0" baseline="0" noProof="0" dirty="0">
                           <a:ln>
                             <a:noFill/>
                           </a:ln>
@@ -28338,7 +28534,7 @@
                         <a:t> </a:t>
                       </a:r>
                       <a:r>
-                        <a:rPr lang="en-US" sz="2800" b="1" i="0" u="none" strike="noStrike" kern="1200" cap="none" spc="0" normalizeH="0" baseline="0" noProof="0" dirty="0" err="1">
+                        <a:rPr lang="en-US" sz="2300" b="1" i="0" u="none" strike="noStrike" kern="1200" cap="none" spc="0" normalizeH="0" baseline="0" noProof="0" dirty="0" err="1">
                           <a:ln>
                             <a:noFill/>
                           </a:ln>
@@ -28350,7 +28546,7 @@
                         <a:t>размера</a:t>
                       </a:r>
                       <a:r>
-                        <a:rPr lang="en-US" sz="2800" b="1" i="0" u="none" strike="noStrike" kern="1200" cap="none" spc="0" normalizeH="0" baseline="0" noProof="0" dirty="0">
+                        <a:rPr lang="en-US" sz="2300" b="1" i="0" u="none" strike="noStrike" kern="1200" cap="none" spc="0" normalizeH="0" baseline="0" noProof="0" dirty="0">
                           <a:ln>
                             <a:noFill/>
                           </a:ln>
@@ -28362,7 +28558,7 @@
                         <a:t> </a:t>
                       </a:r>
                       <a:r>
-                        <a:rPr lang="en-US" sz="2800" b="1" i="0" u="none" strike="noStrike" kern="1200" cap="none" spc="0" normalizeH="0" baseline="0" noProof="0" dirty="0" err="1">
+                        <a:rPr lang="en-US" sz="2300" b="1" i="0" u="none" strike="noStrike" kern="1200" cap="none" spc="0" normalizeH="0" baseline="0" noProof="0" dirty="0" err="1">
                           <a:ln>
                             <a:noFill/>
                           </a:ln>
@@ -28374,7 +28570,7 @@
                         <a:t>на</a:t>
                       </a:r>
                       <a:r>
-                        <a:rPr lang="en-US" sz="2800" b="1" i="0" u="none" strike="noStrike" kern="1200" cap="none" spc="0" normalizeH="0" baseline="0" noProof="0" dirty="0">
+                        <a:rPr lang="en-US" sz="2300" b="1" i="0" u="none" strike="noStrike" kern="1200" cap="none" spc="0" normalizeH="0" baseline="0" noProof="0" dirty="0">
                           <a:ln>
                             <a:noFill/>
                           </a:ln>
@@ -28386,7 +28582,7 @@
                         <a:t> </a:t>
                       </a:r>
                       <a:r>
-                        <a:rPr lang="en-US" sz="2800" b="1" i="0" u="none" strike="noStrike" kern="1200" cap="none" spc="0" normalizeH="0" baseline="0" noProof="0" dirty="0" err="1">
+                        <a:rPr lang="en-US" sz="2300" b="1" i="0" u="none" strike="noStrike" kern="1200" cap="none" spc="0" normalizeH="0" baseline="0" noProof="0" dirty="0" err="1">
                           <a:ln>
                             <a:noFill/>
                           </a:ln>
@@ -28398,7 +28594,7 @@
                         <a:t>входните</a:t>
                       </a:r>
                       <a:r>
-                        <a:rPr lang="en-US" sz="2800" b="1" i="0" u="none" strike="noStrike" kern="1200" cap="none" spc="0" normalizeH="0" baseline="0" noProof="0" dirty="0">
+                        <a:rPr lang="en-US" sz="2300" b="1" i="0" u="none" strike="noStrike" kern="1200" cap="none" spc="0" normalizeH="0" baseline="0" noProof="0" dirty="0">
                           <a:ln>
                             <a:noFill/>
                           </a:ln>
@@ -28410,7 +28606,7 @@
                         <a:t> </a:t>
                       </a:r>
                       <a:r>
-                        <a:rPr lang="en-US" sz="2800" b="1" i="0" u="none" strike="noStrike" kern="1200" cap="none" spc="0" normalizeH="0" baseline="0" noProof="0" dirty="0" err="1">
+                        <a:rPr lang="en-US" sz="2300" b="1" i="0" u="none" strike="noStrike" kern="1200" cap="none" spc="0" normalizeH="0" baseline="0" noProof="0" dirty="0" err="1">
                           <a:ln>
                             <a:noFill/>
                           </a:ln>
@@ -28422,7 +28618,7 @@
                         <a:t>данни</a:t>
                       </a:r>
                       <a:r>
-                        <a:rPr lang="en-US" sz="2800" b="1" i="0" u="none" strike="noStrike" kern="1200" cap="none" spc="0" normalizeH="0" baseline="0" noProof="0" dirty="0">
+                        <a:rPr lang="en-US" sz="2300" b="1" i="0" u="none" strike="noStrike" kern="1200" cap="none" spc="0" normalizeH="0" baseline="0" noProof="0" dirty="0">
                           <a:ln>
                             <a:noFill/>
                           </a:ln>
@@ -28433,8 +28629,19 @@
                         </a:rPr>
                         <a:t>. </a:t>
                       </a:r>
+                      <a:br>
+                        <a:rPr lang="bg-BG" sz="2300" b="1" i="0" u="none" strike="noStrike" kern="1200" cap="none" spc="0" normalizeH="0" baseline="0" noProof="0" dirty="0">
+                          <a:ln>
+                            <a:noFill/>
+                          </a:ln>
+                          <a:effectLst/>
+                          <a:uLnTx/>
+                          <a:uFillTx/>
+                          <a:latin typeface="Calibri"/>
+                        </a:rPr>
+                      </a:br>
                       <a:r>
-                        <a:rPr lang="en-US" sz="2800" b="1" u="none" strike="noStrike" kern="1200" cap="none" spc="0" normalizeH="0" baseline="0" noProof="0" dirty="0" err="1">
+                        <a:rPr lang="bg-BG" sz="2300" b="1" u="none" strike="noStrike" kern="1200" cap="none" spc="0" normalizeH="0" baseline="0" noProof="0" dirty="0">
                           <a:ln>
                             <a:noFill/>
                           </a:ln>
@@ -28445,10 +28652,10 @@
                           <a:uLnTx/>
                           <a:uFillTx/>
                         </a:rPr>
-                        <a:t>Примерно</a:t>
+                        <a:t>Пример</a:t>
                       </a:r>
                       <a:r>
-                        <a:rPr lang="en-US" sz="2800" b="1" u="none" strike="noStrike" kern="1200" cap="none" spc="0" normalizeH="0" baseline="0" noProof="0" dirty="0">
+                        <a:rPr lang="en-US" sz="2300" b="1" u="none" strike="noStrike" kern="1200" cap="none" spc="0" normalizeH="0" baseline="0" noProof="0" dirty="0">
                           <a:ln>
                             <a:noFill/>
                           </a:ln>
@@ -28461,8 +28668,8 @@
                         </a:rPr>
                         <a:t>:</a:t>
                       </a:r>
-                      <a:br>
-                        <a:rPr lang="en-US" sz="2800" b="1" u="none" strike="noStrike" kern="1200" cap="none" spc="0" normalizeH="0" baseline="0" noProof="0" dirty="0">
+                      <a:r>
+                        <a:rPr lang="bg-BG" sz="2300" b="1" u="none" strike="noStrike" kern="1200" cap="none" spc="0" normalizeH="0" baseline="0" noProof="0" dirty="0">
                           <a:ln>
                             <a:noFill/>
                           </a:ln>
@@ -28473,23 +28680,10 @@
                           <a:uLnTx/>
                           <a:uFillTx/>
                         </a:rPr>
-                      </a:br>
-                      <a:r>
-                        <a:rPr lang="en-US" sz="2800" b="1" u="none" strike="noStrike" kern="1200" cap="none" spc="0" normalizeH="0" baseline="0" noProof="0" dirty="0">
-                          <a:ln>
-                            <a:noFill/>
-                          </a:ln>
-                          <a:solidFill>
-                            <a:schemeClr val="tx1"/>
-                          </a:solidFill>
-                          <a:effectLst/>
-                          <a:uLnTx/>
-                          <a:uFillTx/>
-                        </a:rPr>
-                        <a:t> </a:t>
+                        <a:t> </a:t>
                       </a:r>
                       <a:r>
-                        <a:rPr kumimoji="0" lang="en-US" sz="2800" b="1" u="none" strike="noStrike" kern="1200" cap="none" spc="0" normalizeH="0" baseline="0" noProof="0" dirty="0">
+                        <a:rPr kumimoji="0" lang="en-US" sz="2300" b="1" u="none" strike="noStrike" kern="1200" cap="none" spc="0" normalizeH="0" baseline="0" noProof="0" dirty="0">
                           <a:ln>
                             <a:noFill/>
                           </a:ln>
@@ -28503,7 +28697,7 @@
                         <a:t>n = 10 000 </a:t>
                       </a:r>
                       <a:r>
-                        <a:rPr kumimoji="0" lang="en-US" sz="2800" b="1" u="none" strike="noStrike" kern="1200" cap="none" spc="0" normalizeH="0" baseline="0" noProof="0" dirty="0">
+                        <a:rPr kumimoji="0" lang="en-US" sz="2300" b="1" u="none" strike="noStrike" kern="1200" cap="none" spc="0" normalizeH="0" baseline="0" noProof="0" dirty="0">
                           <a:ln>
                             <a:noFill/>
                           </a:ln>
@@ -28515,9 +28709,24 @@
                           <a:uFillTx/>
                           <a:sym typeface="Wingdings" pitchFamily="2" charset="2"/>
                         </a:rPr>
-                        <a:t> 5 000 operations</a:t>
+                        <a:t> 5 000 </a:t>
                       </a:r>
-                      <a:endParaRPr kumimoji="0" lang="en-US" sz="2800" b="1" i="0" u="none" strike="noStrike" kern="1200" cap="none" spc="0" normalizeH="0" baseline="0" noProof="0">
+                      <a:r>
+                        <a:rPr kumimoji="0" lang="bg-BG" sz="2300" b="1" u="none" strike="noStrike" kern="1200" cap="none" spc="0" normalizeH="0" baseline="0" noProof="0" dirty="0">
+                          <a:ln>
+                            <a:noFill/>
+                          </a:ln>
+                          <a:solidFill>
+                            <a:schemeClr val="tx1"/>
+                          </a:solidFill>
+                          <a:effectLst/>
+                          <a:uLnTx/>
+                          <a:uFillTx/>
+                          <a:sym typeface="Wingdings" pitchFamily="2" charset="2"/>
+                        </a:rPr>
+                        <a:t>операции</a:t>
+                      </a:r>
+                      <a:endParaRPr kumimoji="0" lang="en-US" sz="2300" b="1" i="0" u="none" strike="noStrike" kern="1200" cap="none" spc="0" normalizeH="0" baseline="0" noProof="0" dirty="0">
                         <a:ln>
                           <a:noFill/>
                         </a:ln>
@@ -28711,14 +28920,14 @@
             <p:ph idx="4294967295"/>
             <p:extLst>
               <p:ext uri="{D42A27DB-BD31-4B8C-83A1-F6EECF244321}">
-                <p14:modId xmlns:p14="http://schemas.microsoft.com/office/powerpoint/2010/main" val="4029117056"/>
+                <p14:modId xmlns:p14="http://schemas.microsoft.com/office/powerpoint/2010/main" val="1128050385"/>
               </p:ext>
             </p:extLst>
           </p:nvPr>
         </p:nvGraphicFramePr>
         <p:xfrm>
-          <a:off x="74963" y="1062266"/>
-          <a:ext cx="11995507" cy="5828880"/>
+          <a:off x="356524" y="1244116"/>
+          <a:ext cx="11581950" cy="5148183"/>
         </p:xfrm>
         <a:graphic>
           <a:graphicData uri="http://schemas.openxmlformats.org/drawingml/2006/table">
@@ -28728,21 +28937,21 @@
                 <a:tableStyleId>{08FB837D-C827-4EFA-A057-4D05807E0F7C}</a:tableStyleId>
               </a:tblPr>
               <a:tblGrid>
-                <a:gridCol w="3530009">
+                <a:gridCol w="3408308">
                   <a:extLst>
                     <a:ext uri="{9D8B030D-6E8A-4147-A177-3AD203B41FA5}">
                       <a16:colId xmlns:a16="http://schemas.microsoft.com/office/drawing/2014/main" val="20000"/>
                     </a:ext>
                   </a:extLst>
                 </a:gridCol>
-                <a:gridCol w="2638424">
+                <a:gridCol w="2547462">
                   <a:extLst>
                     <a:ext uri="{9D8B030D-6E8A-4147-A177-3AD203B41FA5}">
                       <a16:colId xmlns:a16="http://schemas.microsoft.com/office/drawing/2014/main" val="20001"/>
                     </a:ext>
                   </a:extLst>
                 </a:gridCol>
-                <a:gridCol w="5827074">
+                <a:gridCol w="5626180">
                   <a:extLst>
                     <a:ext uri="{9D8B030D-6E8A-4147-A177-3AD203B41FA5}">
                       <a16:colId xmlns:a16="http://schemas.microsoft.com/office/drawing/2014/main" val="20002"/>
@@ -28750,7 +28959,7 @@
                   </a:extLst>
                 </a:gridCol>
               </a:tblGrid>
-              <a:tr h="646186">
+              <a:tr h="585911">
                 <a:tc>
                   <a:txBody>
                     <a:bodyPr/>
@@ -28770,7 +28979,7 @@
                         <a:tabLst/>
                       </a:pPr>
                       <a:r>
-                        <a:rPr lang="en-US" sz="3200" b="1" i="0" u="none" strike="noStrike" kern="1200" noProof="0" dirty="0" err="1">
+                        <a:rPr lang="en-US" sz="2300" b="1" i="0" u="none" strike="noStrike" kern="1200" noProof="0" dirty="0" err="1">
                           <a:solidFill>
                             <a:schemeClr val="tx2"/>
                           </a:solidFill>
@@ -28779,7 +28988,7 @@
                         </a:rPr>
                         <a:t>Сложност</a:t>
                       </a:r>
-                      <a:endParaRPr lang="bg-BG" dirty="0" err="1"/>
+                      <a:endParaRPr lang="bg-BG" sz="2300" dirty="0" err="1"/>
                     </a:p>
                   </a:txBody>
                   <a:tcPr marL="134875" marR="134875" marT="45708" marB="45708" anchor="ctr" horzOverflow="overflow">
@@ -28840,7 +29049,7 @@
                         <a:tabLst/>
                       </a:pPr>
                       <a:r>
-                        <a:rPr lang="en-US" sz="3200" b="1" i="0" u="none" strike="noStrike" kern="1200" noProof="0" dirty="0" err="1">
+                        <a:rPr lang="en-US" sz="2300" b="1" i="0" u="none" strike="noStrike" kern="1200" noProof="0" dirty="0" err="1">
                           <a:solidFill>
                             <a:schemeClr val="tx2"/>
                           </a:solidFill>
@@ -28909,7 +29118,7 @@
                         <a:tabLst/>
                       </a:pPr>
                       <a:r>
-                        <a:rPr lang="en-US" sz="3200" b="1" i="0" u="none" strike="noStrike" kern="1200" noProof="0" dirty="0" err="1">
+                        <a:rPr lang="en-US" sz="2300" b="1" i="0" u="none" strike="noStrike" kern="1200" noProof="0" dirty="0" err="1">
                           <a:solidFill>
                             <a:schemeClr val="tx2"/>
                           </a:solidFill>
@@ -28918,7 +29127,7 @@
                         </a:rPr>
                         <a:t>Описание</a:t>
                       </a:r>
-                      <a:endParaRPr lang="bg-BG" dirty="0" err="1"/>
+                      <a:endParaRPr lang="bg-BG" sz="2300" dirty="0" err="1"/>
                     </a:p>
                   </a:txBody>
                   <a:tcPr marL="134875" marR="134875" marT="45708" marB="45708" anchor="ctr" horzOverflow="overflow">
@@ -28966,7 +29175,7 @@
                   </a:ext>
                 </a:extLst>
               </a:tr>
-              <a:tr h="2162174">
+              <a:tr h="1960491">
                 <a:tc>
                   <a:txBody>
                     <a:bodyPr/>
@@ -28992,7 +29201,7 @@
                         <a:defRPr/>
                       </a:pPr>
                       <a:r>
-                        <a:rPr lang="en-US" sz="3000" b="1" u="none" strike="noStrike" kern="1200" cap="none" spc="0" normalizeH="0" baseline="0" noProof="0" dirty="0" err="1">
+                        <a:rPr lang="en-US" sz="2300" b="1" u="none" strike="noStrike" kern="1200" cap="none" spc="0" normalizeH="0" baseline="0" noProof="0" dirty="0" err="1">
                           <a:ln>
                             <a:noFill/>
                           </a:ln>
@@ -29005,7 +29214,7 @@
                         </a:rPr>
                         <a:t>квадратна</a:t>
                       </a:r>
-                      <a:endParaRPr kumimoji="0" lang="bg-BG" sz="3000" b="1" i="0" u="none" strike="noStrike" kern="1200" cap="none" spc="0" normalizeH="0" baseline="0" noProof="0" dirty="0" err="1">
+                      <a:endParaRPr kumimoji="0" lang="bg-BG" sz="2300" b="1" i="0" u="none" strike="noStrike" kern="1200" cap="none" spc="0" normalizeH="0" baseline="0" noProof="0" dirty="0" err="1">
                         <a:ln>
                           <a:noFill/>
                         </a:ln>
@@ -29085,7 +29294,7 @@
                         <a:defRPr/>
                       </a:pPr>
                       <a:r>
-                        <a:rPr kumimoji="0" lang="en-US" sz="3000" b="1" u="none" strike="noStrike" kern="1200" cap="none" spc="0" normalizeH="0" baseline="0" noProof="0" dirty="0">
+                        <a:rPr kumimoji="0" lang="en-US" sz="2300" b="1" u="none" strike="noStrike" kern="1200" cap="none" spc="0" normalizeH="0" baseline="0" noProof="0" dirty="0">
                           <a:ln>
                             <a:noFill/>
                           </a:ln>
@@ -29099,7 +29308,7 @@
                         <a:t>O(n</a:t>
                       </a:r>
                       <a:r>
-                        <a:rPr kumimoji="0" lang="en-US" sz="3000" b="1" u="none" strike="noStrike" kern="1200" cap="none" spc="0" normalizeH="0" baseline="30000" noProof="0" dirty="0">
+                        <a:rPr kumimoji="0" lang="en-US" sz="2300" b="1" u="none" strike="noStrike" kern="1200" cap="none" spc="0" normalizeH="0" baseline="30000" noProof="0" dirty="0">
                           <a:ln>
                             <a:noFill/>
                           </a:ln>
@@ -29113,7 +29322,7 @@
                         <a:t>2</a:t>
                       </a:r>
                       <a:r>
-                        <a:rPr kumimoji="0" lang="en-US" sz="3000" b="1" u="none" strike="noStrike" kern="1200" cap="none" spc="0" normalizeH="0" baseline="0" noProof="0" dirty="0">
+                        <a:rPr kumimoji="0" lang="en-US" sz="2300" b="1" u="none" strike="noStrike" kern="1200" cap="none" spc="0" normalizeH="0" baseline="0" noProof="0" dirty="0">
                           <a:ln>
                             <a:noFill/>
                           </a:ln>
@@ -29126,7 +29335,7 @@
                         </a:rPr>
                         <a:t>)</a:t>
                       </a:r>
-                      <a:endParaRPr kumimoji="0" lang="bg-BG" sz="3000" b="1" i="0" u="none" strike="noStrike" kern="1200" cap="none" spc="0" normalizeH="0" baseline="0" noProof="0" dirty="0">
+                      <a:endParaRPr kumimoji="0" lang="bg-BG" sz="2300" b="1" i="0" u="none" strike="noStrike" kern="1200" cap="none" spc="0" normalizeH="0" baseline="0" noProof="0" dirty="0">
                         <a:ln>
                           <a:noFill/>
                         </a:ln>
@@ -29204,7 +29413,7 @@
                         <a:buNone/>
                       </a:pPr>
                       <a:r>
-                        <a:rPr lang="en-US" sz="2800" b="1" u="none" strike="noStrike" kern="1200" cap="none" spc="0" normalizeH="0" baseline="0" noProof="0" dirty="0" err="1">
+                        <a:rPr lang="en-US" sz="2300" b="1" u="none" strike="noStrike" kern="1200" cap="none" spc="0" normalizeH="0" baseline="0" noProof="0" dirty="0" err="1">
                           <a:ln>
                             <a:noFill/>
                           </a:ln>
@@ -29218,7 +29427,21 @@
                         <a:t>Броя</a:t>
                       </a:r>
                       <a:r>
-                        <a:rPr lang="en-US" sz="2800" b="1" u="none" strike="noStrike" kern="1200" cap="none" spc="0" normalizeH="0" baseline="0" noProof="0" dirty="0">
+                        <a:rPr lang="bg-BG" sz="2300" b="1" u="none" strike="noStrike" kern="1200" cap="none" spc="0" normalizeH="0" baseline="0" noProof="0" dirty="0" err="1">
+                          <a:ln>
+                            <a:noFill/>
+                          </a:ln>
+                          <a:solidFill>
+                            <a:schemeClr val="tx1"/>
+                          </a:solidFill>
+                          <a:effectLst/>
+                          <a:uLnTx/>
+                          <a:uFillTx/>
+                        </a:rPr>
+                        <a:t>т</a:t>
+                      </a:r>
+                      <a:r>
+                        <a:rPr lang="en-US" sz="2300" b="1" u="none" strike="noStrike" kern="1200" cap="none" spc="0" normalizeH="0" baseline="0" noProof="0" dirty="0">
                           <a:ln>
                             <a:noFill/>
                           </a:ln>
@@ -29232,7 +29455,7 @@
                         <a:t> </a:t>
                       </a:r>
                       <a:r>
-                        <a:rPr lang="en-US" sz="2800" b="1" u="none" strike="noStrike" kern="1200" cap="none" spc="0" normalizeH="0" baseline="0" noProof="0" dirty="0" err="1">
+                        <a:rPr lang="en-US" sz="2300" b="1" u="none" strike="noStrike" kern="1200" cap="none" spc="0" normalizeH="0" baseline="0" noProof="0" dirty="0" err="1">
                           <a:ln>
                             <a:noFill/>
                           </a:ln>
@@ -29246,7 +29469,7 @@
                         <a:t>на</a:t>
                       </a:r>
                       <a:r>
-                        <a:rPr lang="en-US" sz="2800" b="1" u="none" strike="noStrike" kern="1200" cap="none" spc="0" normalizeH="0" baseline="0" noProof="0" dirty="0">
+                        <a:rPr lang="en-US" sz="2300" b="1" u="none" strike="noStrike" kern="1200" cap="none" spc="0" normalizeH="0" baseline="0" noProof="0" dirty="0">
                           <a:ln>
                             <a:noFill/>
                           </a:ln>
@@ -29260,7 +29483,7 @@
                         <a:t> </a:t>
                       </a:r>
                       <a:r>
-                        <a:rPr lang="en-US" sz="2800" b="1" u="none" strike="noStrike" kern="1200" cap="none" spc="0" normalizeH="0" baseline="0" noProof="0" dirty="0" err="1">
+                        <a:rPr lang="en-US" sz="2300" b="1" u="none" strike="noStrike" kern="1200" cap="none" spc="0" normalizeH="0" baseline="0" noProof="0" dirty="0" err="1">
                           <a:ln>
                             <a:noFill/>
                           </a:ln>
@@ -29274,7 +29497,7 @@
                         <a:t>операциите</a:t>
                       </a:r>
                       <a:r>
-                        <a:rPr lang="en-US" sz="2800" b="1" u="none" strike="noStrike" kern="1200" cap="none" spc="0" normalizeH="0" baseline="0" noProof="0" dirty="0">
+                        <a:rPr lang="en-US" sz="2300" b="1" u="none" strike="noStrike" kern="1200" cap="none" spc="0" normalizeH="0" baseline="0" noProof="0" dirty="0">
                           <a:ln>
                             <a:noFill/>
                           </a:ln>
@@ -29288,7 +29511,7 @@
                         <a:t> </a:t>
                       </a:r>
                       <a:r>
-                        <a:rPr lang="en-US" sz="2800" b="1" u="none" strike="noStrike" kern="1200" cap="none" spc="0" normalizeH="0" baseline="0" noProof="0" dirty="0" err="1">
+                        <a:rPr lang="bg-BG" sz="2300" b="1" u="none" strike="noStrike" kern="1200" cap="none" spc="0" normalizeH="0" baseline="0" noProof="0" dirty="0">
                           <a:ln>
                             <a:noFill/>
                           </a:ln>
@@ -29299,10 +29522,10 @@
                           <a:uLnTx/>
                           <a:uFillTx/>
                         </a:rPr>
-                        <a:t>са</a:t>
+                        <a:t>е</a:t>
                       </a:r>
                       <a:r>
-                        <a:rPr lang="en-US" sz="2800" b="1" u="none" strike="noStrike" kern="1200" cap="none" spc="0" normalizeH="0" baseline="0" noProof="0" dirty="0">
+                        <a:rPr lang="en-US" sz="2300" b="1" u="none" strike="noStrike" kern="1200" cap="none" spc="0" normalizeH="0" baseline="0" noProof="0" dirty="0">
                           <a:ln>
                             <a:noFill/>
                           </a:ln>
@@ -29316,7 +29539,7 @@
                         <a:t> </a:t>
                       </a:r>
                       <a:r>
-                        <a:rPr lang="en-US" sz="2800" b="1" u="none" strike="noStrike" kern="1200" cap="none" spc="0" normalizeH="0" baseline="0" noProof="0" dirty="0" err="1">
+                        <a:rPr lang="en-US" sz="2300" b="1" u="none" strike="noStrike" kern="1200" cap="none" spc="0" normalizeH="0" baseline="0" noProof="0" dirty="0" err="1">
                           <a:ln>
                             <a:noFill/>
                           </a:ln>
@@ -29327,10 +29550,24 @@
                           <a:uLnTx/>
                           <a:uFillTx/>
                         </a:rPr>
-                        <a:t>пропорционални</a:t>
+                        <a:t>пропорционал</a:t>
                       </a:r>
                       <a:r>
-                        <a:rPr lang="en-US" sz="2800" b="1" u="none" strike="noStrike" kern="1200" cap="none" spc="0" normalizeH="0" baseline="0" noProof="0" dirty="0">
+                        <a:rPr lang="bg-BG" sz="2300" b="1" u="none" strike="noStrike" kern="1200" cap="none" spc="0" normalizeH="0" baseline="0" noProof="0" dirty="0" err="1">
+                          <a:ln>
+                            <a:noFill/>
+                          </a:ln>
+                          <a:solidFill>
+                            <a:schemeClr val="tx1"/>
+                          </a:solidFill>
+                          <a:effectLst/>
+                          <a:uLnTx/>
+                          <a:uFillTx/>
+                        </a:rPr>
+                        <a:t>ен</a:t>
+                      </a:r>
+                      <a:r>
+                        <a:rPr lang="en-US" sz="2300" b="1" u="none" strike="noStrike" kern="1200" cap="none" spc="0" normalizeH="0" baseline="0" noProof="0" dirty="0">
                           <a:ln>
                             <a:noFill/>
                           </a:ln>
@@ -29344,7 +29581,7 @@
                         <a:t> </a:t>
                       </a:r>
                       <a:r>
-                        <a:rPr lang="en-US" sz="2800" b="1" u="none" strike="noStrike" kern="1200" cap="none" spc="0" normalizeH="0" baseline="0" noProof="0" dirty="0" err="1">
+                        <a:rPr lang="en-US" sz="2300" b="1" u="none" strike="noStrike" kern="1200" cap="none" spc="0" normalizeH="0" baseline="0" noProof="0" dirty="0" err="1">
                           <a:ln>
                             <a:noFill/>
                           </a:ln>
@@ -29358,7 +29595,7 @@
                         <a:t>на</a:t>
                       </a:r>
                       <a:r>
-                        <a:rPr lang="en-US" sz="2800" b="1" u="none" strike="noStrike" kern="1200" cap="none" spc="0" normalizeH="0" baseline="0" noProof="0" dirty="0">
+                        <a:rPr lang="en-US" sz="2300" b="1" u="none" strike="noStrike" kern="1200" cap="none" spc="0" normalizeH="0" baseline="0" noProof="0" dirty="0">
                           <a:ln>
                             <a:noFill/>
                           </a:ln>
@@ -29372,7 +29609,7 @@
                         <a:t> </a:t>
                       </a:r>
                       <a:r>
-                        <a:rPr lang="en-US" sz="2800" b="1" u="none" strike="noStrike" kern="1200" cap="none" spc="0" normalizeH="0" baseline="0" noProof="0" dirty="0" err="1">
+                        <a:rPr lang="en-US" sz="2300" b="1" u="none" strike="noStrike" kern="1200" cap="none" spc="0" normalizeH="0" baseline="0" noProof="0" dirty="0" err="1">
                           <a:ln>
                             <a:noFill/>
                           </a:ln>
@@ -29386,7 +29623,21 @@
                         <a:t>квадрат</a:t>
                       </a:r>
                       <a:r>
-                        <a:rPr lang="en-US" sz="2800" b="1" u="none" strike="noStrike" kern="1200" cap="none" spc="0" normalizeH="0" baseline="0" noProof="0" dirty="0">
+                        <a:rPr lang="bg-BG" sz="2300" b="1" u="none" strike="noStrike" kern="1200" cap="none" spc="0" normalizeH="0" baseline="0" noProof="0" dirty="0">
+                          <a:ln>
+                            <a:noFill/>
+                          </a:ln>
+                          <a:solidFill>
+                            <a:schemeClr val="tx1"/>
+                          </a:solidFill>
+                          <a:effectLst/>
+                          <a:uLnTx/>
+                          <a:uFillTx/>
+                        </a:rPr>
+                        <a:t>а</a:t>
+                      </a:r>
+                      <a:r>
+                        <a:rPr lang="en-US" sz="2300" b="1" u="none" strike="noStrike" kern="1200" cap="none" spc="0" normalizeH="0" baseline="0" noProof="0" dirty="0">
                           <a:ln>
                             <a:noFill/>
                           </a:ln>
@@ -29400,7 +29651,7 @@
                         <a:t> </a:t>
                       </a:r>
                       <a:r>
-                        <a:rPr lang="en-US" sz="2800" b="1" u="none" strike="noStrike" kern="1200" cap="none" spc="0" normalizeH="0" baseline="0" noProof="0" dirty="0" err="1">
+                        <a:rPr lang="en-US" sz="2300" b="1" u="none" strike="noStrike" kern="1200" cap="none" spc="0" normalizeH="0" baseline="0" noProof="0" dirty="0" err="1">
                           <a:ln>
                             <a:noFill/>
                           </a:ln>
@@ -29414,7 +29665,7 @@
                         <a:t>на</a:t>
                       </a:r>
                       <a:r>
-                        <a:rPr lang="en-US" sz="2800" b="1" u="none" strike="noStrike" kern="1200" cap="none" spc="0" normalizeH="0" baseline="0" noProof="0" dirty="0">
+                        <a:rPr lang="en-US" sz="2300" b="1" u="none" strike="noStrike" kern="1200" cap="none" spc="0" normalizeH="0" baseline="0" noProof="0" dirty="0">
                           <a:ln>
                             <a:noFill/>
                           </a:ln>
@@ -29428,7 +29679,7 @@
                         <a:t> </a:t>
                       </a:r>
                       <a:r>
-                        <a:rPr lang="en-US" sz="2800" b="1" u="none" strike="noStrike" kern="1200" cap="none" spc="0" normalizeH="0" baseline="0" noProof="0" dirty="0" err="1">
+                        <a:rPr lang="en-US" sz="2300" b="1" u="none" strike="noStrike" kern="1200" cap="none" spc="0" normalizeH="0" baseline="0" noProof="0" dirty="0" err="1">
                           <a:ln>
                             <a:noFill/>
                           </a:ln>
@@ -29442,7 +29693,7 @@
                         <a:t>размера</a:t>
                       </a:r>
                       <a:r>
-                        <a:rPr lang="en-US" sz="2800" b="1" u="none" strike="noStrike" kern="1200" cap="none" spc="0" normalizeH="0" baseline="0" noProof="0" dirty="0">
+                        <a:rPr lang="en-US" sz="2300" b="1" u="none" strike="noStrike" kern="1200" cap="none" spc="0" normalizeH="0" baseline="0" noProof="0" dirty="0">
                           <a:ln>
                             <a:noFill/>
                           </a:ln>
@@ -29456,7 +29707,7 @@
                         <a:t> </a:t>
                       </a:r>
                       <a:r>
-                        <a:rPr lang="en-US" sz="2800" b="1" u="none" strike="noStrike" kern="1200" cap="none" spc="0" normalizeH="0" baseline="0" noProof="0" dirty="0" err="1">
+                        <a:rPr lang="en-US" sz="2300" b="1" u="none" strike="noStrike" kern="1200" cap="none" spc="0" normalizeH="0" baseline="0" noProof="0" dirty="0" err="1">
                           <a:ln>
                             <a:noFill/>
                           </a:ln>
@@ -29470,7 +29721,7 @@
                         <a:t>на</a:t>
                       </a:r>
                       <a:r>
-                        <a:rPr lang="en-US" sz="2800" b="1" u="none" strike="noStrike" kern="1200" cap="none" spc="0" normalizeH="0" baseline="0" noProof="0" dirty="0">
+                        <a:rPr lang="en-US" sz="2300" b="1" u="none" strike="noStrike" kern="1200" cap="none" spc="0" normalizeH="0" baseline="0" noProof="0" dirty="0">
                           <a:ln>
                             <a:noFill/>
                           </a:ln>
@@ -29484,7 +29735,7 @@
                         <a:t> </a:t>
                       </a:r>
                       <a:r>
-                        <a:rPr lang="en-US" sz="2800" b="1" u="none" strike="noStrike" kern="1200" cap="none" spc="0" normalizeH="0" baseline="0" noProof="0" dirty="0" err="1">
+                        <a:rPr lang="en-US" sz="2300" b="1" u="none" strike="noStrike" kern="1200" cap="none" spc="0" normalizeH="0" baseline="0" noProof="0" dirty="0" err="1">
                           <a:ln>
                             <a:noFill/>
                           </a:ln>
@@ -29498,7 +29749,7 @@
                         <a:t>входните</a:t>
                       </a:r>
                       <a:r>
-                        <a:rPr lang="en-US" sz="2800" b="1" u="none" strike="noStrike" kern="1200" cap="none" spc="0" normalizeH="0" baseline="0" noProof="0" dirty="0">
+                        <a:rPr lang="en-US" sz="2300" b="1" u="none" strike="noStrike" kern="1200" cap="none" spc="0" normalizeH="0" baseline="0" noProof="0" dirty="0">
                           <a:ln>
                             <a:noFill/>
                           </a:ln>
@@ -29512,7 +29763,7 @@
                         <a:t> </a:t>
                       </a:r>
                       <a:r>
-                        <a:rPr lang="en-US" sz="2800" b="1" u="none" strike="noStrike" kern="1200" cap="none" spc="0" normalizeH="0" baseline="0" noProof="0" dirty="0" err="1">
+                        <a:rPr lang="en-US" sz="2300" b="1" u="none" strike="noStrike" kern="1200" cap="none" spc="0" normalizeH="0" baseline="0" noProof="0" dirty="0" err="1">
                           <a:ln>
                             <a:noFill/>
                           </a:ln>
@@ -29526,7 +29777,7 @@
                         <a:t>данни</a:t>
                       </a:r>
                       <a:r>
-                        <a:rPr lang="en-US" sz="2800" b="1" u="none" strike="noStrike" kern="1200" cap="none" spc="0" normalizeH="0" baseline="0" noProof="0" dirty="0">
+                        <a:rPr lang="en-US" sz="2300" b="1" u="none" strike="noStrike" kern="1200" cap="none" spc="0" normalizeH="0" baseline="0" noProof="0" dirty="0">
                           <a:ln>
                             <a:noFill/>
                           </a:ln>
@@ -29539,8 +29790,8 @@
                         </a:rPr>
                         <a:t>. </a:t>
                       </a:r>
-                      <a:r>
-                        <a:rPr lang="en-US" sz="2800" b="1" u="none" strike="noStrike" kern="1200" cap="none" spc="0" normalizeH="0" baseline="0" noProof="0" dirty="0" err="1">
+                      <a:br>
+                        <a:rPr lang="bg-BG" sz="2300" b="1" u="none" strike="noStrike" kern="1200" cap="none" spc="0" normalizeH="0" baseline="0" noProof="0" dirty="0">
                           <a:ln>
                             <a:noFill/>
                           </a:ln>
@@ -29551,10 +29802,23 @@
                           <a:uLnTx/>
                           <a:uFillTx/>
                         </a:rPr>
-                        <a:t>Примерно</a:t>
+                      </a:br>
+                      <a:r>
+                        <a:rPr lang="bg-BG" sz="2300" b="1" u="none" strike="noStrike" kern="1200" cap="none" spc="0" normalizeH="0" baseline="0" noProof="0" dirty="0">
+                          <a:ln>
+                            <a:noFill/>
+                          </a:ln>
+                          <a:solidFill>
+                            <a:schemeClr val="tx1"/>
+                          </a:solidFill>
+                          <a:effectLst/>
+                          <a:uLnTx/>
+                          <a:uFillTx/>
+                        </a:rPr>
+                        <a:t>Пример:</a:t>
                       </a:r>
-                      <a:br>
-                        <a:rPr kumimoji="0" lang="en-US" sz="2800" b="1" u="none" strike="noStrike" kern="1200" cap="none" spc="0" normalizeH="0" baseline="0" noProof="0" dirty="0">
+                      <a:r>
+                        <a:rPr kumimoji="0" lang="bg-BG" sz="2300" b="1" u="none" strike="noStrike" kern="1200" cap="none" spc="0" normalizeH="0" baseline="0" noProof="0" dirty="0">
                           <a:ln>
                             <a:noFill/>
                           </a:ln>
@@ -29565,9 +29829,10 @@
                           <a:uLnTx/>
                           <a:uFillTx/>
                         </a:rPr>
-                      </a:br>
+                        <a:t> </a:t>
+                      </a:r>
                       <a:r>
-                        <a:rPr kumimoji="0" lang="en-US" sz="2800" b="1" u="none" strike="noStrike" kern="1200" cap="none" spc="0" normalizeH="0" baseline="0" noProof="0" dirty="0">
+                        <a:rPr kumimoji="0" lang="en-US" sz="2300" b="1" u="none" strike="noStrike" kern="1200" cap="none" spc="0" normalizeH="0" baseline="0" noProof="0" dirty="0">
                           <a:ln>
                             <a:noFill/>
                           </a:ln>
@@ -29581,7 +29846,7 @@
                         <a:t>n = 500 </a:t>
                       </a:r>
                       <a:r>
-                        <a:rPr kumimoji="0" lang="en-US" sz="2800" b="1" u="none" strike="noStrike" kern="1200" cap="none" spc="0" normalizeH="0" baseline="0" noProof="0" dirty="0">
+                        <a:rPr kumimoji="0" lang="en-US" sz="2300" b="1" u="none" strike="noStrike" kern="1200" cap="none" spc="0" normalizeH="0" baseline="0" noProof="0" dirty="0">
                           <a:ln>
                             <a:noFill/>
                           </a:ln>
@@ -29596,7 +29861,7 @@
                         <a:t> 250 000 </a:t>
                       </a:r>
                       <a:r>
-                        <a:rPr lang="en-US" sz="2800" b="1" u="none" strike="noStrike" kern="1200" cap="none" spc="0" normalizeH="0" baseline="0" noProof="0" dirty="0" err="1">
+                        <a:rPr lang="en-US" sz="2300" b="1" u="none" strike="noStrike" kern="1200" cap="none" spc="0" normalizeH="0" baseline="0" noProof="0" dirty="0" err="1">
                           <a:ln>
                             <a:noFill/>
                           </a:ln>
@@ -29609,7 +29874,7 @@
                         </a:rPr>
                         <a:t>операции</a:t>
                       </a:r>
-                      <a:endParaRPr kumimoji="0" lang="en-US" sz="2800" b="1" i="0" u="none" strike="noStrike" kern="1200" cap="none" spc="0" normalizeH="0" baseline="0" noProof="0" dirty="0" err="1">
+                      <a:endParaRPr kumimoji="0" lang="en-US" sz="2300" b="1" i="0" u="none" strike="noStrike" kern="1200" cap="none" spc="0" normalizeH="0" baseline="0" noProof="0" dirty="0">
                         <a:ln>
                           <a:noFill/>
                         </a:ln>
@@ -29670,7 +29935,7 @@
                   </a:ext>
                 </a:extLst>
               </a:tr>
-              <a:tr h="1666865">
+              <a:tr h="1511383">
                 <a:tc>
                   <a:txBody>
                     <a:bodyPr/>
@@ -29694,7 +29959,7 @@
                         <a:buNone/>
                       </a:pPr>
                       <a:r>
-                        <a:rPr lang="en-US" sz="3000" b="1" u="none" strike="noStrike" kern="1200" cap="none" spc="0" normalizeH="0" baseline="0" noProof="0" dirty="0" err="1">
+                        <a:rPr lang="en-US" sz="2300" b="1" u="none" strike="noStrike" kern="1200" cap="none" spc="0" normalizeH="0" baseline="0" noProof="0" dirty="0" err="1">
                           <a:ln>
                             <a:noFill/>
                           </a:ln>
@@ -29707,7 +29972,7 @@
                         </a:rPr>
                         <a:t>кубична</a:t>
                       </a:r>
-                      <a:endParaRPr kumimoji="0" lang="en-US" sz="3000" b="1" i="0" u="none" strike="noStrike" kern="1200" cap="none" spc="0" normalizeH="0" baseline="0" noProof="0" dirty="0" err="1">
+                      <a:endParaRPr kumimoji="0" lang="en-US" sz="2300" b="1" i="0" u="none" strike="noStrike" kern="1200" cap="none" spc="0" normalizeH="0" baseline="0" noProof="0" dirty="0" err="1">
                         <a:ln>
                           <a:noFill/>
                         </a:ln>
@@ -29787,7 +30052,7 @@
                         <a:defRPr/>
                       </a:pPr>
                       <a:r>
-                        <a:rPr kumimoji="0" lang="en-US" sz="3000" b="1" u="none" strike="noStrike" kern="1200" cap="none" spc="0" normalizeH="0" baseline="0" noProof="0" dirty="0">
+                        <a:rPr kumimoji="0" lang="en-US" sz="2300" b="1" u="none" strike="noStrike" kern="1200" cap="none" spc="0" normalizeH="0" baseline="0" noProof="0" dirty="0">
                           <a:ln>
                             <a:noFill/>
                           </a:ln>
@@ -29801,7 +30066,7 @@
                         <a:t>O(n</a:t>
                       </a:r>
                       <a:r>
-                        <a:rPr kumimoji="0" lang="en-US" sz="3000" b="1" u="none" strike="noStrike" kern="1200" cap="none" spc="0" normalizeH="0" baseline="30000" noProof="0" dirty="0">
+                        <a:rPr kumimoji="0" lang="en-US" sz="2300" b="1" u="none" strike="noStrike" kern="1200" cap="none" spc="0" normalizeH="0" baseline="30000" noProof="0" dirty="0">
                           <a:ln>
                             <a:noFill/>
                           </a:ln>
@@ -29815,7 +30080,7 @@
                         <a:t>3</a:t>
                       </a:r>
                       <a:r>
-                        <a:rPr kumimoji="0" lang="en-US" sz="3000" b="1" u="none" strike="noStrike" kern="1200" cap="none" spc="0" normalizeH="0" baseline="0" noProof="0" dirty="0">
+                        <a:rPr kumimoji="0" lang="en-US" sz="2300" b="1" u="none" strike="noStrike" kern="1200" cap="none" spc="0" normalizeH="0" baseline="0" noProof="0" dirty="0">
                           <a:ln>
                             <a:noFill/>
                           </a:ln>
@@ -29828,7 +30093,7 @@
                         </a:rPr>
                         <a:t>)</a:t>
                       </a:r>
-                      <a:endParaRPr kumimoji="0" lang="en-US" sz="3000" b="1" i="0" u="none" strike="noStrike" kern="1200" cap="none" spc="0" normalizeH="0" baseline="0" noProof="0" dirty="0">
+                      <a:endParaRPr kumimoji="0" lang="en-US" sz="2300" b="1" i="0" u="none" strike="noStrike" kern="1200" cap="none" spc="0" normalizeH="0" baseline="0" noProof="0" dirty="0">
                         <a:ln>
                           <a:noFill/>
                         </a:ln>
@@ -29901,7 +30166,7 @@
                         <a:buNone/>
                       </a:pPr>
                       <a:r>
-                        <a:rPr lang="en-US" sz="2800" b="1" i="0" u="none" strike="noStrike" kern="1200" cap="none" spc="0" normalizeH="0" baseline="0" noProof="0" dirty="0" err="1">
+                        <a:rPr lang="en-US" sz="2300" b="1" i="0" u="none" strike="noStrike" kern="1200" cap="none" spc="0" normalizeH="0" baseline="0" noProof="0" dirty="0" err="1">
                           <a:ln>
                             <a:noFill/>
                           </a:ln>
@@ -29916,7 +30181,22 @@
                         <a:t>Броя</a:t>
                       </a:r>
                       <a:r>
-                        <a:rPr lang="en-US" sz="2800" b="1" i="0" u="none" strike="noStrike" kern="1200" cap="none" spc="0" normalizeH="0" baseline="0" noProof="0" dirty="0">
+                        <a:rPr lang="bg-BG" sz="2300" b="1" i="0" u="none" strike="noStrike" kern="1200" cap="none" spc="0" normalizeH="0" baseline="0" noProof="0" dirty="0" err="1">
+                          <a:ln>
+                            <a:noFill/>
+                          </a:ln>
+                          <a:solidFill>
+                            <a:schemeClr val="tx1"/>
+                          </a:solidFill>
+                          <a:effectLst/>
+                          <a:uLnTx/>
+                          <a:uFillTx/>
+                          <a:latin typeface="Calibri"/>
+                        </a:rPr>
+                        <a:t>т</a:t>
+                      </a:r>
+                      <a:r>
+                        <a:rPr lang="en-US" sz="2300" b="1" i="0" u="none" strike="noStrike" kern="1200" cap="none" spc="0" normalizeH="0" baseline="0" noProof="0" dirty="0">
                           <a:ln>
                             <a:noFill/>
                           </a:ln>
@@ -29931,7 +30211,7 @@
                         <a:t> </a:t>
                       </a:r>
                       <a:r>
-                        <a:rPr lang="en-US" sz="2800" b="1" i="0" u="none" strike="noStrike" kern="1200" cap="none" spc="0" normalizeH="0" baseline="0" noProof="0" dirty="0" err="1">
+                        <a:rPr lang="en-US" sz="2300" b="1" i="0" u="none" strike="noStrike" kern="1200" cap="none" spc="0" normalizeH="0" baseline="0" noProof="0" dirty="0" err="1">
                           <a:ln>
                             <a:noFill/>
                           </a:ln>
@@ -29946,7 +30226,7 @@
                         <a:t>на</a:t>
                       </a:r>
                       <a:r>
-                        <a:rPr lang="en-US" sz="2800" b="1" i="0" u="none" strike="noStrike" kern="1200" cap="none" spc="0" normalizeH="0" baseline="0" noProof="0" dirty="0">
+                        <a:rPr lang="en-US" sz="2300" b="1" i="0" u="none" strike="noStrike" kern="1200" cap="none" spc="0" normalizeH="0" baseline="0" noProof="0" dirty="0">
                           <a:ln>
                             <a:noFill/>
                           </a:ln>
@@ -29961,7 +30241,7 @@
                         <a:t> </a:t>
                       </a:r>
                       <a:r>
-                        <a:rPr lang="en-US" sz="2800" b="1" i="0" u="none" strike="noStrike" kern="1200" cap="none" spc="0" normalizeH="0" baseline="0" noProof="0" dirty="0" err="1">
+                        <a:rPr lang="en-US" sz="2300" b="1" i="0" u="none" strike="noStrike" kern="1200" cap="none" spc="0" normalizeH="0" baseline="0" noProof="0" dirty="0" err="1">
                           <a:ln>
                             <a:noFill/>
                           </a:ln>
@@ -29976,7 +30256,7 @@
                         <a:t>операциите</a:t>
                       </a:r>
                       <a:r>
-                        <a:rPr lang="en-US" sz="2800" b="1" i="0" u="none" strike="noStrike" kern="1200" cap="none" spc="0" normalizeH="0" baseline="0" noProof="0" dirty="0">
+                        <a:rPr lang="en-US" sz="2300" b="1" i="0" u="none" strike="noStrike" kern="1200" cap="none" spc="0" normalizeH="0" baseline="0" noProof="0" dirty="0">
                           <a:ln>
                             <a:noFill/>
                           </a:ln>
@@ -29991,7 +30271,7 @@
                         <a:t> </a:t>
                       </a:r>
                       <a:r>
-                        <a:rPr lang="en-US" sz="2800" b="1" i="0" u="none" strike="noStrike" kern="1200" cap="none" spc="0" normalizeH="0" baseline="0" noProof="0" dirty="0" err="1">
+                        <a:rPr lang="bg-BG" sz="2300" b="1" i="0" u="none" strike="noStrike" kern="1200" cap="none" spc="0" normalizeH="0" baseline="0" noProof="0" dirty="0">
                           <a:ln>
                             <a:noFill/>
                           </a:ln>
@@ -30003,10 +30283,10 @@
                           <a:uFillTx/>
                           <a:latin typeface="Calibri"/>
                         </a:rPr>
-                        <a:t>са</a:t>
+                        <a:t>е</a:t>
                       </a:r>
                       <a:r>
-                        <a:rPr lang="en-US" sz="2800" b="1" i="0" u="none" strike="noStrike" kern="1200" cap="none" spc="0" normalizeH="0" baseline="0" noProof="0" dirty="0">
+                        <a:rPr lang="en-US" sz="2300" b="1" i="0" u="none" strike="noStrike" kern="1200" cap="none" spc="0" normalizeH="0" baseline="0" noProof="0" dirty="0">
                           <a:ln>
                             <a:noFill/>
                           </a:ln>
@@ -30021,7 +30301,7 @@
                         <a:t> </a:t>
                       </a:r>
                       <a:r>
-                        <a:rPr lang="en-US" sz="2800" b="1" i="0" u="none" strike="noStrike" kern="1200" cap="none" spc="0" normalizeH="0" baseline="0" noProof="0" dirty="0" err="1">
+                        <a:rPr lang="en-US" sz="2300" b="1" i="0" u="none" strike="noStrike" kern="1200" cap="none" spc="0" normalizeH="0" baseline="0" noProof="0" dirty="0" err="1">
                           <a:ln>
                             <a:noFill/>
                           </a:ln>
@@ -30033,10 +30313,54 @@
                           <a:uFillTx/>
                           <a:latin typeface="Calibri"/>
                         </a:rPr>
-                        <a:t>пропорционални</a:t>
+                        <a:t>пропорционалн</a:t>
                       </a:r>
                       <a:r>
-                        <a:rPr lang="en-US" sz="2800" b="1" i="0" u="none" strike="noStrike" kern="1200" cap="none" spc="0" normalizeH="0" baseline="0" noProof="0" dirty="0">
+                        <a:rPr lang="en-US" sz="2300" b="1" i="0" u="none" strike="noStrike" kern="1200" cap="none" spc="0" normalizeH="0" baseline="0" noProof="0" dirty="0">
+                          <a:ln>
+                            <a:noFill/>
+                          </a:ln>
+                          <a:solidFill>
+                            <a:schemeClr val="tx1"/>
+                          </a:solidFill>
+                          <a:effectLst/>
+                          <a:uLnTx/>
+                          <a:uFillTx/>
+                          <a:latin typeface="Calibri"/>
+                        </a:rPr>
+                        <a:t> </a:t>
+                      </a:r>
+                      <a:br>
+                        <a:rPr lang="bg-BG" sz="2300" b="1" i="0" u="none" strike="noStrike" kern="1200" cap="none" spc="0" normalizeH="0" baseline="0" noProof="0" dirty="0">
+                          <a:ln>
+                            <a:noFill/>
+                          </a:ln>
+                          <a:solidFill>
+                            <a:schemeClr val="tx1"/>
+                          </a:solidFill>
+                          <a:effectLst/>
+                          <a:uLnTx/>
+                          <a:uFillTx/>
+                          <a:latin typeface="Calibri"/>
+                        </a:rPr>
+                      </a:br>
+                      <a:r>
+                        <a:rPr lang="en-US" sz="2300" b="1" i="0" u="none" strike="noStrike" kern="1200" cap="none" spc="0" normalizeH="0" baseline="0" noProof="0" dirty="0" err="1">
+                          <a:ln>
+                            <a:noFill/>
+                          </a:ln>
+                          <a:solidFill>
+                            <a:schemeClr val="tx1"/>
+                          </a:solidFill>
+                          <a:effectLst/>
+                          <a:uLnTx/>
+                          <a:uFillTx/>
+                          <a:latin typeface="Calibri"/>
+                        </a:rPr>
+                        <a:t>на</a:t>
+                      </a:r>
+                      <a:r>
+                        <a:rPr lang="en-US" sz="2300" b="1" i="0" u="none" strike="noStrike" kern="1200" cap="none" spc="0" normalizeH="0" baseline="0" noProof="0" dirty="0">
                           <a:ln>
                             <a:noFill/>
                           </a:ln>
@@ -30051,7 +30375,52 @@
                         <a:t> </a:t>
                       </a:r>
                       <a:r>
-                        <a:rPr lang="en-US" sz="2800" b="1" i="0" u="none" strike="noStrike" kern="1200" cap="none" spc="0" normalizeH="0" baseline="0" noProof="0" dirty="0" err="1">
+                        <a:rPr lang="en-US" sz="2300" b="1" i="0" u="none" strike="noStrike" kern="1200" cap="none" spc="0" normalizeH="0" baseline="0" noProof="0" dirty="0" err="1">
+                          <a:ln>
+                            <a:noFill/>
+                          </a:ln>
+                          <a:solidFill>
+                            <a:schemeClr val="tx1"/>
+                          </a:solidFill>
+                          <a:effectLst/>
+                          <a:uLnTx/>
+                          <a:uFillTx/>
+                          <a:latin typeface="Calibri"/>
+                        </a:rPr>
+                        <a:t>куб</a:t>
+                      </a:r>
+                      <a:r>
+                        <a:rPr lang="bg-BG" sz="2300" b="1" i="0" u="none" strike="noStrike" kern="1200" cap="none" spc="0" normalizeH="0" baseline="0" noProof="0" dirty="0">
+                          <a:ln>
+                            <a:noFill/>
+                          </a:ln>
+                          <a:solidFill>
+                            <a:schemeClr val="tx1"/>
+                          </a:solidFill>
+                          <a:effectLst/>
+                          <a:uLnTx/>
+                          <a:uFillTx/>
+                          <a:latin typeface="Calibri"/>
+                        </a:rPr>
+                        <a:t>а</a:t>
+                      </a:r>
+                      <a:r>
+                        <a:rPr lang="en-US" sz="2300" b="1" i="0" u="none" strike="noStrike" kern="1200" cap="none" spc="0" normalizeH="0" baseline="0" noProof="0" dirty="0">
+                          <a:ln>
+                            <a:noFill/>
+                          </a:ln>
+                          <a:solidFill>
+                            <a:schemeClr val="tx1"/>
+                          </a:solidFill>
+                          <a:effectLst/>
+                          <a:uLnTx/>
+                          <a:uFillTx/>
+                          <a:latin typeface="Calibri"/>
+                        </a:rPr>
+                        <a:t> </a:t>
+                      </a:r>
+                      <a:r>
+                        <a:rPr lang="en-US" sz="2300" b="1" i="0" u="none" strike="noStrike" kern="1200" cap="none" spc="0" normalizeH="0" baseline="0" noProof="0" dirty="0" err="1">
                           <a:ln>
                             <a:noFill/>
                           </a:ln>
@@ -30066,7 +30435,7 @@
                         <a:t>на</a:t>
                       </a:r>
                       <a:r>
-                        <a:rPr lang="en-US" sz="2800" b="1" i="0" u="none" strike="noStrike" kern="1200" cap="none" spc="0" normalizeH="0" baseline="0" noProof="0" dirty="0">
+                        <a:rPr lang="en-US" sz="2300" b="1" i="0" u="none" strike="noStrike" kern="1200" cap="none" spc="0" normalizeH="0" baseline="0" noProof="0" dirty="0">
                           <a:ln>
                             <a:noFill/>
                           </a:ln>
@@ -30081,7 +30450,7 @@
                         <a:t> </a:t>
                       </a:r>
                       <a:r>
-                        <a:rPr lang="en-US" sz="2800" b="1" i="0" u="none" strike="noStrike" kern="1200" cap="none" spc="0" normalizeH="0" baseline="0" noProof="0" dirty="0" err="1">
+                        <a:rPr lang="en-US" sz="2300" b="1" i="0" u="none" strike="noStrike" kern="1200" cap="none" spc="0" normalizeH="0" baseline="0" noProof="0" dirty="0" err="1">
                           <a:ln>
                             <a:noFill/>
                           </a:ln>
@@ -30093,10 +30462,10 @@
                           <a:uFillTx/>
                           <a:latin typeface="Calibri"/>
                         </a:rPr>
-                        <a:t>куб</a:t>
+                        <a:t>размера</a:t>
                       </a:r>
                       <a:r>
-                        <a:rPr lang="en-US" sz="2800" b="1" i="0" u="none" strike="noStrike" kern="1200" cap="none" spc="0" normalizeH="0" baseline="0" noProof="0" dirty="0">
+                        <a:rPr lang="en-US" sz="2300" b="1" i="0" u="none" strike="noStrike" kern="1200" cap="none" spc="0" normalizeH="0" baseline="0" noProof="0" dirty="0">
                           <a:ln>
                             <a:noFill/>
                           </a:ln>
@@ -30111,7 +30480,7 @@
                         <a:t> </a:t>
                       </a:r>
                       <a:r>
-                        <a:rPr lang="en-US" sz="2800" b="1" i="0" u="none" strike="noStrike" kern="1200" cap="none" spc="0" normalizeH="0" baseline="0" noProof="0" dirty="0" err="1">
+                        <a:rPr lang="en-US" sz="2300" b="1" i="0" u="none" strike="noStrike" kern="1200" cap="none" spc="0" normalizeH="0" baseline="0" noProof="0" dirty="0" err="1">
                           <a:ln>
                             <a:noFill/>
                           </a:ln>
@@ -30126,7 +30495,7 @@
                         <a:t>на</a:t>
                       </a:r>
                       <a:r>
-                        <a:rPr lang="en-US" sz="2800" b="1" i="0" u="none" strike="noStrike" kern="1200" cap="none" spc="0" normalizeH="0" baseline="0" noProof="0" dirty="0">
+                        <a:rPr lang="en-US" sz="2300" b="1" i="0" u="none" strike="noStrike" kern="1200" cap="none" spc="0" normalizeH="0" baseline="0" noProof="0" dirty="0">
                           <a:ln>
                             <a:noFill/>
                           </a:ln>
@@ -30141,7 +30510,7 @@
                         <a:t> </a:t>
                       </a:r>
                       <a:r>
-                        <a:rPr lang="en-US" sz="2800" b="1" i="0" u="none" strike="noStrike" kern="1200" cap="none" spc="0" normalizeH="0" baseline="0" noProof="0" dirty="0" err="1">
+                        <a:rPr lang="en-US" sz="2300" b="1" i="0" u="none" strike="noStrike" kern="1200" cap="none" spc="0" normalizeH="0" baseline="0" noProof="0" dirty="0" err="1">
                           <a:ln>
                             <a:noFill/>
                           </a:ln>
@@ -30153,10 +30522,10 @@
                           <a:uFillTx/>
                           <a:latin typeface="Calibri"/>
                         </a:rPr>
-                        <a:t>размера</a:t>
+                        <a:t>входните</a:t>
                       </a:r>
                       <a:r>
-                        <a:rPr lang="en-US" sz="2800" b="1" i="0" u="none" strike="noStrike" kern="1200" cap="none" spc="0" normalizeH="0" baseline="0" noProof="0" dirty="0">
+                        <a:rPr lang="en-US" sz="2300" b="1" i="0" u="none" strike="noStrike" kern="1200" cap="none" spc="0" normalizeH="0" baseline="0" noProof="0" dirty="0">
                           <a:ln>
                             <a:noFill/>
                           </a:ln>
@@ -30171,7 +30540,7 @@
                         <a:t> </a:t>
                       </a:r>
                       <a:r>
-                        <a:rPr lang="en-US" sz="2800" b="1" i="0" u="none" strike="noStrike" kern="1200" cap="none" spc="0" normalizeH="0" baseline="0" noProof="0" dirty="0" err="1">
+                        <a:rPr lang="en-US" sz="2300" b="1" i="0" u="none" strike="noStrike" kern="1200" cap="none" spc="0" normalizeH="0" baseline="0" noProof="0" dirty="0" err="1">
                           <a:ln>
                             <a:noFill/>
                           </a:ln>
@@ -30183,10 +30552,10 @@
                           <a:uFillTx/>
                           <a:latin typeface="Calibri"/>
                         </a:rPr>
-                        <a:t>на</a:t>
+                        <a:t>данни</a:t>
                       </a:r>
                       <a:r>
-                        <a:rPr lang="en-US" sz="2800" b="1" i="0" u="none" strike="noStrike" kern="1200" cap="none" spc="0" normalizeH="0" baseline="0" noProof="0" dirty="0">
+                        <a:rPr lang="en-US" sz="2300" b="1" i="0" u="none" strike="noStrike" kern="1200" cap="none" spc="0" normalizeH="0" baseline="0" noProof="0" dirty="0">
                           <a:ln>
                             <a:noFill/>
                           </a:ln>
@@ -30198,10 +30567,10 @@
                           <a:uFillTx/>
                           <a:latin typeface="Calibri"/>
                         </a:rPr>
-                        <a:t> </a:t>
+                        <a:t>.</a:t>
                       </a:r>
-                      <a:r>
-                        <a:rPr lang="en-US" sz="2800" b="1" i="0" u="none" strike="noStrike" kern="1200" cap="none" spc="0" normalizeH="0" baseline="0" noProof="0" dirty="0" err="1">
+                      <a:br>
+                        <a:rPr lang="bg-BG" sz="2300" b="1" i="0" u="none" strike="noStrike" kern="1200" cap="none" spc="0" normalizeH="0" baseline="0" noProof="0" dirty="0">
                           <a:ln>
                             <a:noFill/>
                           </a:ln>
@@ -30213,10 +30582,9 @@
                           <a:uFillTx/>
                           <a:latin typeface="Calibri"/>
                         </a:rPr>
-                        <a:t>входните</a:t>
-                      </a:r>
+                      </a:br>
                       <a:r>
-                        <a:rPr lang="en-US" sz="2800" b="1" i="0" u="none" strike="noStrike" kern="1200" cap="none" spc="0" normalizeH="0" baseline="0" noProof="0" dirty="0">
+                        <a:rPr lang="bg-BG" sz="2300" b="1" i="0" u="none" strike="noStrike" kern="1200" cap="none" spc="0" normalizeH="0" baseline="0" noProof="0" dirty="0">
                           <a:ln>
                             <a:noFill/>
                           </a:ln>
@@ -30228,10 +30596,10 @@
                           <a:uFillTx/>
                           <a:latin typeface="Calibri"/>
                         </a:rPr>
-                        <a:t> </a:t>
+                        <a:t>Пример:</a:t>
                       </a:r>
                       <a:r>
-                        <a:rPr lang="en-US" sz="2800" b="1" i="0" u="none" strike="noStrike" kern="1200" cap="none" spc="0" normalizeH="0" baseline="0" noProof="0" dirty="0" err="1">
+                        <a:rPr lang="bg-BG" sz="2300" b="1" i="0" u="none" strike="noStrike" kern="1200" cap="none" spc="0" normalizeH="0" baseline="0" noProof="0" dirty="0">
                           <a:ln>
                             <a:noFill/>
                           </a:ln>
@@ -30241,40 +30609,14 @@
                           <a:effectLst/>
                           <a:uLnTx/>
                           <a:uFillTx/>
-                          <a:latin typeface="Calibri"/>
+                          <a:latin typeface="+mn-lt"/>
+                          <a:ea typeface="+mn-ea"/>
+                          <a:cs typeface="+mn-cs"/>
                         </a:rPr>
-                        <a:t>данни.Примерно</a:t>
+                        <a:t> </a:t>
                       </a:r>
-                      <a:endParaRPr lang="en-US" sz="2800" b="1" i="0" u="none" strike="noStrike" kern="1200" cap="none" spc="0" normalizeH="0" baseline="0" noProof="0" dirty="0" err="1">
-                        <a:ln>
-                          <a:noFill/>
-                        </a:ln>
-                        <a:solidFill>
-                          <a:schemeClr val="tx1"/>
-                        </a:solidFill>
-                        <a:effectLst/>
-                        <a:uLnTx/>
-                        <a:uFillTx/>
-                        <a:latin typeface="+mn-lt"/>
-                        <a:ea typeface="+mn-ea"/>
-                        <a:cs typeface="+mn-cs"/>
-                      </a:endParaRPr>
-                    </a:p>
-                    <a:p>
-                      <a:pPr marL="0" marR="0" lvl="0" indent="0" algn="l">
-                        <a:lnSpc>
-                          <a:spcPct val="95000"/>
-                        </a:lnSpc>
-                        <a:spcBef>
-                          <a:spcPts val="0"/>
-                        </a:spcBef>
-                        <a:spcAft>
-                          <a:spcPct val="0"/>
-                        </a:spcAft>
-                        <a:buNone/>
-                      </a:pPr>
                       <a:r>
-                        <a:rPr lang="en-US" sz="2800" b="1" u="none" strike="noStrike" kern="1200" cap="none" spc="0" normalizeH="0" baseline="0" noProof="0" dirty="0">
+                        <a:rPr lang="en-US" sz="2300" b="1" u="none" strike="noStrike" kern="1200" cap="none" spc="0" normalizeH="0" baseline="0" noProof="0" dirty="0">
                           <a:ln>
                             <a:noFill/>
                           </a:ln>
@@ -30288,7 +30630,7 @@
                         <a:t> </a:t>
                       </a:r>
                       <a:r>
-                        <a:rPr kumimoji="0" lang="en-US" sz="2800" b="1" u="none" strike="noStrike" kern="1200" cap="none" spc="0" normalizeH="0" baseline="0" noProof="0" dirty="0">
+                        <a:rPr kumimoji="0" lang="en-US" sz="2300" b="1" u="none" strike="noStrike" kern="1200" cap="none" spc="0" normalizeH="0" baseline="0" noProof="0" dirty="0">
                           <a:ln>
                             <a:noFill/>
                           </a:ln>
@@ -30302,7 +30644,7 @@
                         <a:t>n = 200 </a:t>
                       </a:r>
                       <a:r>
-                        <a:rPr kumimoji="0" lang="en-US" sz="2800" b="1" u="none" strike="noStrike" kern="1200" cap="none" spc="0" normalizeH="0" baseline="0" noProof="0" dirty="0">
+                        <a:rPr kumimoji="0" lang="en-US" sz="2300" b="1" u="none" strike="noStrike" kern="1200" cap="none" spc="0" normalizeH="0" baseline="0" noProof="0" dirty="0">
                           <a:ln>
                             <a:noFill/>
                           </a:ln>
@@ -30317,7 +30659,7 @@
                         <a:t> 8 000 000 </a:t>
                       </a:r>
                       <a:r>
-                        <a:rPr lang="en-US" sz="2800" b="1" i="0" u="none" strike="noStrike" kern="1200" cap="none" spc="0" normalizeH="0" baseline="0" noProof="0" dirty="0" err="1">
+                        <a:rPr lang="en-US" sz="2300" b="1" i="0" u="none" strike="noStrike" kern="1200" cap="none" spc="0" normalizeH="0" baseline="0" noProof="0" dirty="0" err="1">
                           <a:ln>
                             <a:noFill/>
                           </a:ln>
@@ -30330,7 +30672,7 @@
                         </a:rPr>
                         <a:t>операции</a:t>
                       </a:r>
-                      <a:endParaRPr kumimoji="0" lang="en-US" sz="2800" b="1" i="0" u="none" strike="noStrike" kern="1200" cap="none" spc="0" normalizeH="0" baseline="0" noProof="0" dirty="0" err="1">
+                      <a:endParaRPr kumimoji="0" lang="en-US" sz="2300" b="1" i="0" u="none" strike="noStrike" kern="1200" cap="none" spc="0" normalizeH="0" baseline="0" noProof="0" dirty="0">
                         <a:ln>
                           <a:noFill/>
                         </a:ln>
@@ -30391,7 +30733,7 @@
                   </a:ext>
                 </a:extLst>
               </a:tr>
-              <a:tr h="1028023">
+              <a:tr h="1067453">
                 <a:tc>
                   <a:txBody>
                     <a:bodyPr/>
@@ -30410,7 +30752,7 @@
                         <a:buNone/>
                       </a:pPr>
                       <a:r>
-                        <a:rPr lang="en-US" sz="3000" b="1" i="0" u="none" strike="noStrike" kern="1200" cap="none" spc="0" normalizeH="0" baseline="0" noProof="0" dirty="0" err="1">
+                        <a:rPr lang="en-US" sz="2300" b="1" i="0" u="none" strike="noStrike" kern="1200" cap="none" spc="0" normalizeH="0" baseline="0" noProof="0" dirty="0" err="1">
                           <a:ln>
                             <a:noFill/>
                           </a:ln>
@@ -30421,7 +30763,7 @@
                         </a:rPr>
                         <a:t>Експоненциална</a:t>
                       </a:r>
-                      <a:endParaRPr kumimoji="0" lang="en-US" sz="3000" b="1" i="0" u="none" strike="noStrike" kern="1200" cap="none" spc="0" normalizeH="0" baseline="0" noProof="0" dirty="0" err="1">
+                      <a:endParaRPr kumimoji="0" lang="en-US" sz="2300" b="1" i="0" u="none" strike="noStrike" kern="1200" cap="none" spc="0" normalizeH="0" baseline="0" noProof="0" dirty="0" err="1">
                         <a:ln>
                           <a:noFill/>
                         </a:ln>
@@ -30496,7 +30838,7 @@
                         <a:defRPr/>
                       </a:pPr>
                       <a:r>
-                        <a:rPr kumimoji="0" lang="en-US" sz="3000" b="1" u="none" strike="noStrike" kern="1200" cap="none" spc="0" normalizeH="0" baseline="0" noProof="0" dirty="0">
+                        <a:rPr kumimoji="0" lang="en-US" sz="2300" b="1" u="none" strike="noStrike" kern="1200" cap="none" spc="0" normalizeH="0" baseline="0" noProof="0" dirty="0">
                           <a:ln>
                             <a:noFill/>
                           </a:ln>
@@ -30510,7 +30852,7 @@
                         <a:t>O(2</a:t>
                       </a:r>
                       <a:r>
-                        <a:rPr kumimoji="0" lang="en-US" sz="3000" b="1" u="none" strike="noStrike" kern="1200" cap="none" spc="0" normalizeH="0" baseline="30000" noProof="0" dirty="0">
+                        <a:rPr kumimoji="0" lang="en-US" sz="2300" b="1" u="none" strike="noStrike" kern="1200" cap="none" spc="0" normalizeH="0" baseline="30000" noProof="0" dirty="0">
                           <a:ln>
                             <a:noFill/>
                           </a:ln>
@@ -30524,7 +30866,7 @@
                         <a:t>n</a:t>
                       </a:r>
                       <a:r>
-                        <a:rPr kumimoji="0" lang="en-US" sz="3000" b="1" u="none" strike="noStrike" kern="1200" cap="none" spc="0" normalizeH="0" baseline="0" noProof="0" dirty="0">
+                        <a:rPr kumimoji="0" lang="en-US" sz="2300" b="1" u="none" strike="noStrike" kern="1200" cap="none" spc="0" normalizeH="0" baseline="0" noProof="0" dirty="0">
                           <a:ln>
                             <a:noFill/>
                           </a:ln>
@@ -30538,7 +30880,7 @@
                         <a:t>),O(</a:t>
                       </a:r>
                       <a:r>
-                        <a:rPr kumimoji="0" lang="en-US" sz="3000" b="1" u="none" strike="noStrike" kern="1200" cap="none" spc="0" normalizeH="0" baseline="0" noProof="1">
+                        <a:rPr kumimoji="0" lang="en-US" sz="2300" b="1" u="none" strike="noStrike" kern="1200" cap="none" spc="0" normalizeH="0" baseline="0" noProof="1">
                           <a:ln>
                             <a:noFill/>
                           </a:ln>
@@ -30552,7 +30894,7 @@
                         <a:t>k</a:t>
                       </a:r>
                       <a:r>
-                        <a:rPr kumimoji="0" lang="en-US" sz="3000" b="1" u="none" strike="noStrike" kern="1200" cap="none" spc="0" normalizeH="0" baseline="30000" noProof="1">
+                        <a:rPr kumimoji="0" lang="en-US" sz="2300" b="1" u="none" strike="noStrike" kern="1200" cap="none" spc="0" normalizeH="0" baseline="30000" noProof="1">
                           <a:ln>
                             <a:noFill/>
                           </a:ln>
@@ -30566,7 +30908,7 @@
                         <a:t>n</a:t>
                       </a:r>
                       <a:r>
-                        <a:rPr kumimoji="0" lang="en-US" sz="3000" b="1" u="none" strike="noStrike" kern="1200" cap="none" spc="0" normalizeH="0" baseline="0" noProof="0" dirty="0">
+                        <a:rPr kumimoji="0" lang="en-US" sz="2300" b="1" u="none" strike="noStrike" kern="1200" cap="none" spc="0" normalizeH="0" baseline="0" noProof="0" dirty="0">
                           <a:ln>
                             <a:noFill/>
                           </a:ln>
@@ -30579,7 +30921,7 @@
                         </a:rPr>
                         <a:t>),</a:t>
                       </a:r>
-                      <a:endParaRPr kumimoji="0" lang="bg-BG" dirty="0"/>
+                      <a:endParaRPr kumimoji="0" lang="bg-BG" sz="2300" dirty="0"/>
                     </a:p>
                     <a:p>
                       <a:pPr marL="0" marR="0" lvl="0" indent="0" algn="ctr" defTabSz="914400" rtl="0" eaLnBrk="0" fontAlgn="base" latinLnBrk="0" hangingPunct="0">
@@ -30602,7 +30944,7 @@
                         <a:defRPr/>
                       </a:pPr>
                       <a:r>
-                        <a:rPr kumimoji="0" lang="en-US" sz="3000" b="1" u="none" strike="noStrike" kern="1200" cap="none" spc="0" normalizeH="0" baseline="0" noProof="0" dirty="0">
+                        <a:rPr kumimoji="0" lang="en-US" sz="2300" b="1" u="none" strike="noStrike" kern="1200" cap="none" spc="0" normalizeH="0" baseline="0" noProof="0" dirty="0">
                           <a:ln>
                             <a:noFill/>
                           </a:ln>
@@ -30615,7 +30957,7 @@
                         </a:rPr>
                         <a:t>O(n!)</a:t>
                       </a:r>
-                      <a:endParaRPr kumimoji="0" lang="bg-BG" sz="3000" b="1" i="0" u="none" strike="noStrike" kern="1200" cap="none" spc="0" normalizeH="0" baseline="0" noProof="0" dirty="0">
+                      <a:endParaRPr kumimoji="0" lang="bg-BG" sz="2300" b="1" i="0" u="none" strike="noStrike" kern="1200" cap="none" spc="0" normalizeH="0" baseline="0" noProof="0" dirty="0">
                         <a:ln>
                           <a:noFill/>
                         </a:ln>
@@ -30688,7 +31030,7 @@
                         <a:buNone/>
                       </a:pPr>
                       <a:r>
-                        <a:rPr lang="en-US" sz="2800" b="1" i="0" u="none" strike="noStrike" kern="1200" cap="none" spc="0" normalizeH="0" baseline="0" noProof="0" dirty="0" err="1">
+                        <a:rPr lang="en-US" sz="2300" b="1" i="0" u="none" strike="noStrike" kern="1200" cap="none" spc="0" normalizeH="0" baseline="0" noProof="0" dirty="0" err="1">
                           <a:ln>
                             <a:noFill/>
                           </a:ln>
@@ -30700,7 +31042,7 @@
                         <a:t>Експоненциален</a:t>
                       </a:r>
                       <a:r>
-                        <a:rPr lang="en-US" sz="2800" b="1" i="0" u="none" strike="noStrike" kern="1200" cap="none" spc="0" normalizeH="0" baseline="0" noProof="0" dirty="0">
+                        <a:rPr lang="en-US" sz="2300" b="1" i="0" u="none" strike="noStrike" kern="1200" cap="none" spc="0" normalizeH="0" baseline="0" noProof="0" dirty="0">
                           <a:ln>
                             <a:noFill/>
                           </a:ln>
@@ -30712,7 +31054,7 @@
                         <a:t> </a:t>
                       </a:r>
                       <a:r>
-                        <a:rPr lang="en-US" sz="2800" b="1" i="0" u="none" strike="noStrike" kern="1200" cap="none" spc="0" normalizeH="0" baseline="0" noProof="0" dirty="0" err="1">
+                        <a:rPr lang="en-US" sz="2300" b="1" i="0" u="none" strike="noStrike" kern="1200" cap="none" spc="0" normalizeH="0" baseline="0" noProof="0" dirty="0" err="1">
                           <a:ln>
                             <a:noFill/>
                           </a:ln>
@@ -30724,7 +31066,7 @@
                         <a:t>брой</a:t>
                       </a:r>
                       <a:r>
-                        <a:rPr lang="en-US" sz="2800" b="1" i="0" u="none" strike="noStrike" kern="1200" cap="none" spc="0" normalizeH="0" baseline="0" noProof="0" dirty="0">
+                        <a:rPr lang="en-US" sz="2300" b="1" i="0" u="none" strike="noStrike" kern="1200" cap="none" spc="0" normalizeH="0" baseline="0" noProof="0" dirty="0">
                           <a:ln>
                             <a:noFill/>
                           </a:ln>
@@ -30736,7 +31078,7 @@
                         <a:t> </a:t>
                       </a:r>
                       <a:r>
-                        <a:rPr lang="en-US" sz="2800" b="1" i="0" u="none" strike="noStrike" kern="1200" cap="none" spc="0" normalizeH="0" baseline="0" noProof="0" dirty="0" err="1">
+                        <a:rPr lang="en-US" sz="2300" b="1" i="0" u="none" strike="noStrike" kern="1200" cap="none" spc="0" normalizeH="0" baseline="0" noProof="0" dirty="0" err="1">
                           <a:ln>
                             <a:noFill/>
                           </a:ln>
@@ -30748,7 +31090,7 @@
                         <a:t>операции</a:t>
                       </a:r>
                       <a:r>
-                        <a:rPr kumimoji="0" lang="en-US" sz="2800" b="1" i="0" u="none" strike="noStrike" kern="1200" cap="none" spc="0" normalizeH="0" baseline="0" noProof="0" dirty="0">
+                        <a:rPr kumimoji="0" lang="en-US" sz="2300" b="1" i="0" u="none" strike="noStrike" kern="1200" cap="none" spc="0" normalizeH="0" baseline="0" noProof="0" dirty="0">
                           <a:ln>
                             <a:noFill/>
                           </a:ln>
@@ -30760,7 +31102,7 @@
                         <a:t>, </a:t>
                       </a:r>
                       <a:r>
-                        <a:rPr lang="en-US" sz="2800" b="1" i="0" u="none" strike="noStrike" kern="1200" cap="none" spc="0" normalizeH="0" baseline="0" noProof="0" dirty="0" err="1">
+                        <a:rPr lang="en-US" sz="2300" b="1" i="0" u="none" strike="noStrike" kern="1200" cap="none" spc="0" normalizeH="0" baseline="0" noProof="0" dirty="0" err="1">
                           <a:ln>
                             <a:noFill/>
                           </a:ln>
@@ -30772,7 +31114,7 @@
                         <a:t>бързо</a:t>
                       </a:r>
                       <a:r>
-                        <a:rPr lang="en-US" sz="2800" b="1" i="0" u="none" strike="noStrike" kern="1200" cap="none" spc="0" normalizeH="0" baseline="0" noProof="0" dirty="0">
+                        <a:rPr lang="en-US" sz="2300" b="1" i="0" u="none" strike="noStrike" kern="1200" cap="none" spc="0" normalizeH="0" baseline="0" noProof="0" dirty="0">
                           <a:ln>
                             <a:noFill/>
                           </a:ln>
@@ -30783,8 +31125,19 @@
                         </a:rPr>
                         <a:t> </a:t>
                       </a:r>
+                      <a:br>
+                        <a:rPr lang="bg-BG" sz="2300" b="1" i="0" u="none" strike="noStrike" kern="1200" cap="none" spc="0" normalizeH="0" baseline="0" noProof="0" dirty="0">
+                          <a:ln>
+                            <a:noFill/>
+                          </a:ln>
+                          <a:effectLst/>
+                          <a:uLnTx/>
+                          <a:uFillTx/>
+                          <a:latin typeface="Calibri"/>
+                        </a:rPr>
+                      </a:br>
                       <a:r>
-                        <a:rPr lang="en-US" sz="2800" b="1" i="0" u="none" strike="noStrike" kern="1200" cap="none" spc="0" normalizeH="0" baseline="0" noProof="0" dirty="0" err="1">
+                        <a:rPr lang="en-US" sz="2300" b="1" i="0" u="none" strike="noStrike" kern="1200" cap="none" spc="0" normalizeH="0" baseline="0" noProof="0" dirty="0" err="1">
                           <a:ln>
                             <a:noFill/>
                           </a:ln>
@@ -30796,7 +31149,7 @@
                         <a:t>нарастващи</a:t>
                       </a:r>
                       <a:r>
-                        <a:rPr lang="en-US" sz="2800" b="1" i="0" u="none" strike="noStrike" kern="1200" cap="none" spc="0" normalizeH="0" baseline="0" noProof="0" dirty="0">
+                        <a:rPr lang="en-US" sz="2300" b="1" i="0" u="none" strike="noStrike" kern="1200" cap="none" spc="0" normalizeH="0" baseline="0" noProof="0" dirty="0">
                           <a:ln>
                             <a:noFill/>
                           </a:ln>
@@ -30807,8 +31160,8 @@
                         </a:rPr>
                         <a:t>. </a:t>
                       </a:r>
-                      <a:r>
-                        <a:rPr lang="en-US" sz="2800" b="1" i="0" u="none" strike="noStrike" kern="1200" cap="none" spc="0" normalizeH="0" baseline="0" noProof="0" dirty="0" err="1">
+                      <a:br>
+                        <a:rPr lang="bg-BG" sz="2300" b="1" i="0" u="none" strike="noStrike" kern="1200" cap="none" spc="0" normalizeH="0" baseline="0" noProof="0" dirty="0">
                           <a:ln>
                             <a:noFill/>
                           </a:ln>
@@ -30817,38 +31170,21 @@
                           <a:uFillTx/>
                           <a:latin typeface="Calibri"/>
                         </a:rPr>
-                        <a:t>Примерно</a:t>
+                      </a:br>
+                      <a:r>
+                        <a:rPr lang="bg-BG" sz="2300" b="1" i="0" u="none" strike="noStrike" kern="1200" cap="none" spc="0" normalizeH="0" baseline="0" noProof="0" dirty="0">
+                          <a:ln>
+                            <a:noFill/>
+                          </a:ln>
+                          <a:effectLst/>
+                          <a:uLnTx/>
+                          <a:uFillTx/>
+                          <a:latin typeface="Calibri"/>
+                        </a:rPr>
+                        <a:t>Пример</a:t>
                       </a:r>
-                      <a:endParaRPr lang="en-US" sz="2800" b="1" i="0" u="none" strike="noStrike" kern="1200" cap="none" spc="0" normalizeH="0" baseline="0" noProof="0" dirty="0" err="1">
-                        <a:ln>
-                          <a:noFill/>
-                        </a:ln>
-                        <a:solidFill>
-                          <a:schemeClr val="tx1"/>
-                        </a:solidFill>
-                        <a:effectLst/>
-                        <a:uLnTx/>
-                        <a:uFillTx/>
-                        <a:latin typeface="+mn-lt"/>
-                        <a:ea typeface="+mn-ea"/>
-                        <a:cs typeface="+mn-cs"/>
-                      </a:endParaRPr>
-                    </a:p>
-                    <a:p>
-                      <a:pPr marL="0" marR="0" lvl="0" indent="0" algn="l">
-                        <a:lnSpc>
-                          <a:spcPct val="95000"/>
-                        </a:lnSpc>
-                        <a:spcBef>
-                          <a:spcPts val="0"/>
-                        </a:spcBef>
-                        <a:spcAft>
-                          <a:spcPct val="0"/>
-                        </a:spcAft>
-                        <a:buNone/>
-                      </a:pPr>
                       <a:r>
-                        <a:rPr lang="en-US" sz="2800" b="1" u="none" strike="noStrike" kern="1200" cap="none" spc="0" normalizeH="0" baseline="0" noProof="0" dirty="0">
+                        <a:rPr kumimoji="0" lang="bg-BG" sz="2300" b="1" i="0" u="none" strike="noStrike" kern="1200" cap="none" spc="0" normalizeH="0" baseline="0" noProof="0" dirty="0">
                           <a:ln>
                             <a:noFill/>
                           </a:ln>
@@ -30858,11 +31194,14 @@
                           <a:effectLst/>
                           <a:uLnTx/>
                           <a:uFillTx/>
+                          <a:latin typeface="+mn-lt"/>
+                          <a:ea typeface="+mn-ea"/>
+                          <a:cs typeface="+mn-cs"/>
                         </a:rPr>
-                        <a:t> </a:t>
+                        <a:t>: </a:t>
                       </a:r>
                       <a:r>
-                        <a:rPr kumimoji="0" lang="en-US" sz="2800" b="1" u="none" strike="noStrike" kern="1200" cap="none" spc="0" normalizeH="0" baseline="0" noProof="0" dirty="0">
+                        <a:rPr kumimoji="0" lang="en-US" sz="2300" b="1" u="none" strike="noStrike" kern="1200" cap="none" spc="0" normalizeH="0" baseline="0" noProof="0" dirty="0">
                           <a:ln>
                             <a:noFill/>
                           </a:ln>
@@ -30876,7 +31215,7 @@
                         <a:t>n = 20 </a:t>
                       </a:r>
                       <a:r>
-                        <a:rPr kumimoji="0" lang="en-US" sz="2800" b="1" u="none" strike="noStrike" kern="1200" cap="none" spc="0" normalizeH="0" baseline="0" noProof="0" dirty="0">
+                        <a:rPr kumimoji="0" lang="en-US" sz="2300" b="1" u="none" strike="noStrike" kern="1200" cap="none" spc="0" normalizeH="0" baseline="0" noProof="0" dirty="0">
                           <a:ln>
                             <a:noFill/>
                           </a:ln>
@@ -30891,7 +31230,7 @@
                         <a:t> 1 048 576 </a:t>
                       </a:r>
                       <a:r>
-                        <a:rPr lang="en-US" sz="2800" b="1" u="none" strike="noStrike" kern="1200" cap="none" spc="0" normalizeH="0" baseline="0" noProof="0" dirty="0" err="1">
+                        <a:rPr lang="en-US" sz="2300" b="1" u="none" strike="noStrike" kern="1200" cap="none" spc="0" normalizeH="0" baseline="0" noProof="0" dirty="0" err="1">
                           <a:ln>
                             <a:noFill/>
                           </a:ln>
@@ -30904,7 +31243,7 @@
                         </a:rPr>
                         <a:t>операции</a:t>
                       </a:r>
-                      <a:endParaRPr kumimoji="0" lang="en-US" sz="2800" b="1" i="0" u="none" strike="noStrike" kern="1200" cap="none" spc="0" normalizeH="0" baseline="0" noProof="0" dirty="0" err="1">
+                      <a:endParaRPr kumimoji="0" lang="en-US" sz="2300" b="1" i="0" u="none" strike="noStrike" kern="1200" cap="none" spc="0" normalizeH="0" baseline="0" noProof="0" dirty="0">
                         <a:ln>
                           <a:noFill/>
                         </a:ln>
@@ -31062,7 +31401,7 @@
         <p:spPr>
           <a:xfrm>
             <a:off x="198303" y="1314451"/>
-            <a:ext cx="10578218" cy="5354910"/>
+            <a:ext cx="9272268" cy="5354910"/>
           </a:xfrm>
         </p:spPr>
         <p:txBody>
@@ -31071,13 +31410,16 @@
           </a:bodyPr>
           <a:lstStyle/>
           <a:p>
-            <a:pPr marL="442595" indent="-442595">
+            <a:pPr marL="0" indent="0">
               <a:buClr>
                 <a:schemeClr val="tx1"/>
               </a:buClr>
-              <a:buFontTx/>
-              <a:buAutoNum type="arabicPeriod"/>
+              <a:buNone/>
             </a:pPr>
+            <a:r>
+              <a:rPr lang="en-US" dirty="0"/>
+              <a:t>1. </a:t>
+            </a:r>
             <a:r>
               <a:rPr lang="en-US" b="1" dirty="0" err="1">
                 <a:solidFill>
@@ -31219,14 +31561,17 @@
             </a:endParaRPr>
           </a:p>
           <a:p>
-            <a:pPr marL="442595" indent="-442595">
+            <a:pPr marL="0" indent="0">
               <a:buClr>
                 <a:schemeClr val="tx1"/>
               </a:buClr>
-              <a:buFontTx/>
-              <a:buAutoNum type="arabicPeriod"/>
+              <a:buNone/>
             </a:pPr>
             <a:r>
+              <a:rPr lang="en-US" dirty="0"/>
+              <a:t>2. </a:t>
+            </a:r>
+            <a:r>
               <a:rPr lang="en-US" b="1" dirty="0" err="1">
                 <a:solidFill>
                   <a:schemeClr val="bg1"/>
@@ -31266,7 +31611,7 @@
               </a:rPr>
               <a:t>алгоритми</a:t>
             </a:r>
-            <a:endParaRPr lang="en-US" b="1" dirty="0" err="1">
+            <a:endParaRPr lang="en-US" b="1" dirty="0">
               <a:solidFill>
                 <a:schemeClr val="bg1"/>
               </a:solidFill>
@@ -31280,8 +31625,16 @@
               <a:t>Време</a:t>
             </a:r>
             <a:r>
+              <a:rPr lang="bg-BG" dirty="0"/>
+              <a:t>,</a:t>
+            </a:r>
+            <a:r>
               <a:rPr lang="en-US" dirty="0"/>
-              <a:t> и Space Complexity</a:t>
+              <a:t> </a:t>
+            </a:r>
+            <a:r>
+              <a:rPr lang="bg-BG" dirty="0"/>
+              <a:t>памет и сложност</a:t>
             </a:r>
             <a:endParaRPr lang="en-US" dirty="0">
               <a:cs typeface="Calibri"/>
@@ -31290,8 +31643,16 @@
           <a:p>
             <a:pPr marL="723265" lvl="1" indent="-375920"/>
             <a:r>
+              <a:rPr lang="bg-BG" dirty="0"/>
+              <a:t>Най-добър случай</a:t>
+            </a:r>
+            <a:r>
               <a:rPr lang="en-US" dirty="0"/>
-              <a:t>Mean, Average and Worst Case</a:t>
+              <a:t>, </a:t>
+            </a:r>
+            <a:r>
+              <a:rPr lang="bg-BG" dirty="0"/>
+              <a:t>средноаритметично и най-лош случай</a:t>
             </a:r>
             <a:endParaRPr lang="en-US" dirty="0">
               <a:cs typeface="Calibri"/>
@@ -39081,28 +39442,37 @@
               <a:t>n</a:t>
             </a:r>
             <a:r>
-              <a:rPr lang="en-US" altLang="ko-KR" sz="3350" b="1" dirty="0">
-                <a:solidFill>
-                  <a:schemeClr val="bg1"/>
-                </a:solidFill>
-                <a:latin typeface="Consolas"/>
+              <a:rPr lang="en-US" altLang="ko-KR" sz="3350" dirty="0">
+                <a:solidFill>
+                  <a:srgbClr val="234465"/>
+                </a:solidFill>
                 <a:ea typeface="굴림"/>
                 <a:cs typeface="Calibri"/>
                 <a:sym typeface="Symbol" pitchFamily="18" charset="2"/>
               </a:rPr>
-              <a:t> </a:t>
-            </a:r>
-            <a:r>
-              <a:rPr lang="en-US" altLang="ko-KR" sz="3350" dirty="0">
+              <a:t> </a:t>
+            </a:r>
+            <a:r>
+              <a:rPr lang="en-US" altLang="ko-KR" sz="3350" dirty="0" err="1">
                 <a:solidFill>
                   <a:srgbClr val="234465"/>
                 </a:solidFill>
-                <a:latin typeface="Calibri"/>
                 <a:ea typeface="굴림"/>
                 <a:cs typeface="Calibri"/>
                 <a:sym typeface="Symbol" pitchFamily="18" charset="2"/>
               </a:rPr>
-              <a:t>е </a:t>
+              <a:t>е</a:t>
+            </a:r>
+            <a:r>
+              <a:rPr lang="en-US" altLang="ko-KR" sz="3350" dirty="0">
+                <a:solidFill>
+                  <a:srgbClr val="234465"/>
+                </a:solidFill>
+                <a:ea typeface="굴림"/>
+                <a:cs typeface="Calibri"/>
+                <a:sym typeface="Symbol" pitchFamily="18" charset="2"/>
+              </a:rPr>
+              <a:t> </a:t>
             </a:r>
             <a:r>
               <a:rPr lang="en-US" altLang="ko-KR" sz="3350" dirty="0" err="1">
@@ -39265,8 +39635,16 @@
               <a:t> </a:t>
             </a:r>
             <a:r>
+              <a:rPr lang="bg-BG" sz="3950" dirty="0"/>
+              <a:t>– </a:t>
+            </a:r>
+            <a:r>
+              <a:rPr lang="bg-BG" sz="3950" dirty="0" err="1"/>
+              <a:t>п</a:t>
+            </a:r>
+            <a:r>
               <a:rPr lang="en-US" sz="3950" dirty="0" err="1"/>
-              <a:t>Примери</a:t>
+              <a:t>римери</a:t>
             </a:r>
             <a:endParaRPr lang="bg-BG" dirty="0" err="1"/>
           </a:p>
@@ -39801,10 +40179,10 @@
               <a:t>)</a:t>
             </a:r>
             <a:r>
-              <a:rPr lang="en-US" altLang="ko-KR" sz="3350" b="1" dirty="0">
-                <a:latin typeface="Consolas"/>
+              <a:rPr lang="en-US" altLang="ko-KR" sz="3350" dirty="0">
+                <a:latin typeface="Calibri" panose="020F0502020204030204" pitchFamily="34" charset="0"/>
                 <a:ea typeface="굴림"/>
-                <a:cs typeface="Consolas" pitchFamily="49" charset="0"/>
+                <a:cs typeface="Calibri" panose="020F0502020204030204" pitchFamily="34" charset="0"/>
                 <a:sym typeface="Symbol" pitchFamily="18" charset="2"/>
               </a:rPr>
               <a:t>,</a:t>
@@ -40071,11 +40449,25 @@
               <a:t> </a:t>
             </a:r>
             <a:r>
+              <a:rPr lang="bg-BG" sz="3950" dirty="0">
+                <a:ea typeface="+mj-lt"/>
+                <a:cs typeface="+mj-lt"/>
+              </a:rPr>
+              <a:t>– </a:t>
+            </a:r>
+            <a:r>
+              <a:rPr lang="bg-BG" sz="3950" dirty="0" err="1">
+                <a:ea typeface="+mj-lt"/>
+                <a:cs typeface="+mj-lt"/>
+              </a:rPr>
+              <a:t>п</a:t>
+            </a:r>
+            <a:r>
               <a:rPr lang="en-US" sz="3950" dirty="0" err="1">
                 <a:ea typeface="+mj-lt"/>
                 <a:cs typeface="+mj-lt"/>
               </a:rPr>
-              <a:t>Примери</a:t>
+              <a:t>римери</a:t>
             </a:r>
             <a:r>
               <a:rPr lang="en-US" sz="3950" dirty="0"/>
@@ -40755,14 +41147,21 @@
                 <a:ea typeface="+mj-lt"/>
                 <a:cs typeface="+mj-lt"/>
               </a:rPr>
-              <a:t> </a:t>
+              <a:t> – </a:t>
+            </a:r>
+            <a:r>
+              <a:rPr lang="bg-BG" sz="3950" dirty="0" err="1">
+                <a:ea typeface="+mj-lt"/>
+                <a:cs typeface="+mj-lt"/>
+              </a:rPr>
+              <a:t>п</a:t>
             </a:r>
             <a:r>
               <a:rPr lang="en-US" sz="3950" dirty="0" err="1">
                 <a:ea typeface="+mj-lt"/>
                 <a:cs typeface="+mj-lt"/>
               </a:rPr>
-              <a:t>Примери</a:t>
+              <a:t>римери</a:t>
             </a:r>
             <a:r>
               <a:rPr lang="en-US" sz="3950" dirty="0"/>
@@ -41450,11 +41849,25 @@
               <a:t> </a:t>
             </a:r>
             <a:r>
+              <a:rPr lang="bg-BG" sz="3950" dirty="0">
+                <a:ea typeface="+mj-lt"/>
+                <a:cs typeface="+mj-lt"/>
+              </a:rPr>
+              <a:t>– </a:t>
+            </a:r>
+            <a:r>
+              <a:rPr lang="bg-BG" sz="3950" dirty="0" err="1">
+                <a:ea typeface="+mj-lt"/>
+                <a:cs typeface="+mj-lt"/>
+              </a:rPr>
+              <a:t>п</a:t>
+            </a:r>
+            <a:r>
               <a:rPr lang="en-US" sz="3950" dirty="0" err="1">
                 <a:ea typeface="+mj-lt"/>
                 <a:cs typeface="+mj-lt"/>
               </a:rPr>
-              <a:t>Примери</a:t>
+              <a:t>римери</a:t>
             </a:r>
             <a:r>
               <a:rPr lang="en-US" sz="3950" dirty="0"/>
@@ -42647,7 +43060,7 @@
               </a:buClr>
             </a:pPr>
             <a:r>
-              <a:rPr lang="en-US" sz="3150" b="1" dirty="0">
+              <a:rPr lang="en-US" sz="3150" b="1" dirty="0" err="1">
                 <a:solidFill>
                   <a:schemeClr val="bg1">
                     <a:lumMod val="60000"/>
@@ -42655,7 +43068,18 @@
                   </a:schemeClr>
                 </a:solidFill>
               </a:rPr>
-              <a:t>Алогоритмите </a:t>
+              <a:t>Алгоритмите</a:t>
+            </a:r>
+            <a:r>
+              <a:rPr lang="en-US" sz="3150" b="1" dirty="0">
+                <a:solidFill>
+                  <a:schemeClr val="bg1">
+                    <a:lumMod val="60000"/>
+                    <a:lumOff val="40000"/>
+                  </a:schemeClr>
+                </a:solidFill>
+              </a:rPr>
+              <a:t> </a:t>
             </a:r>
             <a:r>
               <a:rPr lang="en-US" sz="3150" dirty="0" err="1">
@@ -42751,60 +43175,50 @@
                   <a:schemeClr val="bg2"/>
                 </a:solidFill>
               </a:rPr>
-              <a:t> /</a:t>
-            </a:r>
-            <a:r>
-              <a:rPr lang="en-US" sz="3150" dirty="0">
+              <a:t>/</a:t>
+            </a:r>
+            <a:r>
+              <a:rPr lang="en-US" sz="3150" dirty="0" err="1">
                 <a:solidFill>
                   <a:schemeClr val="bg2"/>
                 </a:solidFill>
                 <a:ea typeface="+mn-lt"/>
                 <a:cs typeface="+mn-lt"/>
               </a:rPr>
-              <a:t> </a:t>
-            </a:r>
-            <a:r>
-              <a:rPr lang="en-US" sz="3150" dirty="0" err="1">
+              <a:t>извършване</a:t>
+            </a:r>
+            <a:r>
+              <a:rPr lang="en-US" sz="3150" dirty="0">
                 <a:solidFill>
                   <a:schemeClr val="bg2"/>
                 </a:solidFill>
                 <a:ea typeface="+mn-lt"/>
                 <a:cs typeface="+mn-lt"/>
               </a:rPr>
-              <a:t>извършване</a:t>
-            </a:r>
-            <a:r>
-              <a:rPr lang="en-US" sz="3150" dirty="0">
+              <a:t> </a:t>
+            </a:r>
+            <a:r>
+              <a:rPr lang="en-US" sz="3150" dirty="0" err="1">
                 <a:solidFill>
                   <a:schemeClr val="bg2"/>
                 </a:solidFill>
                 <a:ea typeface="+mn-lt"/>
                 <a:cs typeface="+mn-lt"/>
               </a:rPr>
-              <a:t> </a:t>
-            </a:r>
-            <a:r>
-              <a:rPr lang="en-US" sz="3150" dirty="0" err="1">
+              <a:t>на</a:t>
+            </a:r>
+            <a:r>
+              <a:rPr lang="en-US" sz="3150" dirty="0">
                 <a:solidFill>
                   <a:schemeClr val="bg2"/>
                 </a:solidFill>
                 <a:ea typeface="+mn-lt"/>
                 <a:cs typeface="+mn-lt"/>
               </a:rPr>
-              <a:t>на</a:t>
-            </a:r>
-            <a:r>
-              <a:rPr lang="en-US" sz="3150" dirty="0">
-                <a:solidFill>
-                  <a:schemeClr val="bg2"/>
-                </a:solidFill>
-                <a:ea typeface="+mn-lt"/>
-                <a:cs typeface="+mn-lt"/>
-              </a:rPr>
               <a:t> </a:t>
             </a:r>
             <a:r>
-              <a:rPr lang="en-US" sz="3150">
+              <a:rPr lang="en-US" sz="3150" dirty="0" err="1">
                 <a:solidFill>
                   <a:schemeClr val="bg2"/>
                 </a:solidFill>
@@ -42828,7 +43242,7 @@
               </a:buClr>
             </a:pPr>
             <a:r>
-              <a:rPr lang="en-US" sz="3150" b="1" err="1">
+              <a:rPr lang="en-US" sz="3150" b="1" dirty="0" err="1">
                 <a:solidFill>
                   <a:schemeClr val="bg1">
                     <a:lumMod val="60000"/>
@@ -42854,7 +43268,7 @@
               <a:t> </a:t>
             </a:r>
             <a:r>
-              <a:rPr lang="en-US" sz="3150" b="1" err="1">
+              <a:rPr lang="en-US" sz="3150" b="1" dirty="0" err="1">
                 <a:solidFill>
                   <a:schemeClr val="bg1">
                     <a:lumMod val="60000"/>
@@ -42887,7 +43301,7 @@
               <a:t>е </a:t>
             </a:r>
             <a:r>
-              <a:rPr lang="en-US" sz="3150" err="1">
+              <a:rPr lang="en-US" sz="3150" dirty="0" err="1">
                 <a:solidFill>
                   <a:schemeClr val="bg2"/>
                 </a:solidFill>
@@ -42907,7 +43321,7 @@
               <a:t> </a:t>
             </a:r>
             <a:r>
-              <a:rPr lang="en-US" sz="3150" err="1">
+              <a:rPr lang="en-US" sz="3150" dirty="0" err="1">
                 <a:solidFill>
                   <a:schemeClr val="bg2"/>
                 </a:solidFill>
@@ -42927,7 +43341,7 @@
               <a:t> </a:t>
             </a:r>
             <a:r>
-              <a:rPr lang="en-US" sz="3150" err="1">
+              <a:rPr lang="en-US" sz="3150" dirty="0" err="1">
                 <a:solidFill>
                   <a:schemeClr val="bg2"/>
                 </a:solidFill>
@@ -42950,7 +43364,7 @@
               <a:t> </a:t>
             </a:r>
             <a:r>
-              <a:rPr lang="en-US" sz="3150" b="1" err="1">
+              <a:rPr lang="en-US" sz="3150" b="1" dirty="0" err="1">
                 <a:solidFill>
                   <a:schemeClr val="bg1">
                     <a:lumMod val="60000"/>
@@ -42976,7 +43390,7 @@
               <a:t> </a:t>
             </a:r>
             <a:r>
-              <a:rPr lang="en-US" sz="3150" b="1" err="1">
+              <a:rPr lang="en-US" sz="3150" b="1" dirty="0" err="1">
                 <a:solidFill>
                   <a:schemeClr val="bg1">
                     <a:lumMod val="60000"/>
@@ -43002,7 +43416,7 @@
               <a:t> </a:t>
             </a:r>
             <a:r>
-              <a:rPr lang="en-US" sz="3150" b="1" err="1">
+              <a:rPr lang="en-US" sz="3150" b="1" dirty="0" err="1">
                 <a:solidFill>
                   <a:schemeClr val="bg1">
                     <a:lumMod val="60000"/>
@@ -43025,7 +43439,7 @@
               <a:t>, </a:t>
             </a:r>
             <a:r>
-              <a:rPr lang="en-US" sz="3150" err="1">
+              <a:rPr lang="en-US" sz="3150" dirty="0" err="1">
                 <a:solidFill>
                   <a:schemeClr val="bg2"/>
                 </a:solidFill>
@@ -43045,7 +43459,7 @@
               <a:t> </a:t>
             </a:r>
             <a:r>
-              <a:rPr lang="en-US" sz="3150" err="1">
+              <a:rPr lang="en-US" sz="3150" dirty="0" err="1">
                 <a:solidFill>
                   <a:schemeClr val="bg2"/>
                 </a:solidFill>
@@ -43065,7 +43479,7 @@
               <a:t> </a:t>
             </a:r>
             <a:r>
-              <a:rPr lang="en-US" sz="3150" err="1">
+              <a:rPr lang="en-US" sz="3150" dirty="0" err="1">
                 <a:solidFill>
                   <a:schemeClr val="bg2"/>
                 </a:solidFill>
@@ -43085,7 +43499,7 @@
               <a:t> </a:t>
             </a:r>
             <a:r>
-              <a:rPr lang="en-US" sz="3150" err="1">
+              <a:rPr lang="en-US" sz="3150" dirty="0" err="1">
                 <a:solidFill>
                   <a:schemeClr val="bg2"/>
                 </a:solidFill>
@@ -43094,7 +43508,7 @@
               </a:rPr>
               <a:t>изчисление</a:t>
             </a:r>
-            <a:endParaRPr lang="en-US" sz="3150" err="1">
+            <a:endParaRPr lang="en-US" sz="3150" dirty="0">
               <a:solidFill>
                 <a:schemeClr val="bg2"/>
               </a:solidFill>
@@ -43136,15 +43550,23 @@
               <a:t> </a:t>
             </a:r>
             <a:r>
-              <a:rPr lang="en-US" sz="2950">
+              <a:rPr lang="en-US" sz="2950" dirty="0" err="1">
                 <a:solidFill>
                   <a:schemeClr val="bg2"/>
                 </a:solidFill>
               </a:rPr>
-              <a:t>бъде </a:t>
-            </a:r>
-            <a:r>
-              <a:rPr lang="en-US" sz="2950" b="1">
+              <a:t>бъде</a:t>
+            </a:r>
+            <a:r>
+              <a:rPr lang="en-US" sz="2950" dirty="0">
+                <a:solidFill>
+                  <a:schemeClr val="bg2"/>
+                </a:solidFill>
+              </a:rPr>
+              <a:t> </a:t>
+            </a:r>
+            <a:r>
+              <a:rPr lang="en-US" sz="2950" b="1" dirty="0" err="1">
                 <a:solidFill>
                   <a:schemeClr val="bg1">
                     <a:lumMod val="60000"/>
@@ -43202,6 +43624,17 @@
                 </a:solidFill>
               </a:rPr>
               <a:t>квадратна</a:t>
+            </a:r>
+            <a:r>
+              <a:rPr lang="bg-BG" sz="2950" b="1" dirty="0">
+                <a:solidFill>
+                  <a:schemeClr val="bg1">
+                    <a:lumMod val="60000"/>
+                    <a:lumOff val="40000"/>
+                  </a:schemeClr>
+                </a:solidFill>
+              </a:rPr>
+              <a:t> </a:t>
             </a:r>
             <a:r>
               <a:rPr lang="en-US" sz="2950" dirty="0">
@@ -43353,7 +43786,7 @@
           <a:p>
             <a:pPr lvl="1" indent="-360045"/>
             <a:r>
-              <a:rPr lang="en-US" sz="2950" err="1">
+              <a:rPr lang="en-US" sz="2950" dirty="0" err="1">
                 <a:solidFill>
                   <a:schemeClr val="bg2"/>
                 </a:solidFill>
@@ -43369,7 +43802,7 @@
               <a:t> </a:t>
             </a:r>
             <a:r>
-              <a:rPr lang="en-US" sz="2950" err="1">
+              <a:rPr lang="en-US" sz="2950" dirty="0" err="1">
                 <a:solidFill>
                   <a:schemeClr val="bg2"/>
                 </a:solidFill>
@@ -43385,12 +43818,31 @@
               <a:t> </a:t>
             </a:r>
             <a:r>
-              <a:rPr lang="en-US" sz="2950" err="1">
+              <a:rPr lang="en-US" sz="2950" b="1" dirty="0" err="1">
+                <a:solidFill>
+                  <a:schemeClr val="bg1">
+                    <a:lumMod val="60000"/>
+                    <a:lumOff val="40000"/>
+                  </a:schemeClr>
+                </a:solidFill>
+              </a:rPr>
+              <a:t>бързината</a:t>
+            </a:r>
+            <a:r>
+              <a:rPr lang="en-US" sz="2950" dirty="0">
                 <a:solidFill>
                   <a:schemeClr val="bg2"/>
                 </a:solidFill>
               </a:rPr>
-              <a:t>бързината</a:t>
+              <a:t> </a:t>
+            </a:r>
+            <a:r>
+              <a:rPr lang="en-US" sz="2950" dirty="0" err="1">
+                <a:solidFill>
+                  <a:schemeClr val="bg2"/>
+                </a:solidFill>
+              </a:rPr>
+              <a:t>на</a:t>
             </a:r>
             <a:r>
               <a:rPr lang="en-US" sz="2950" dirty="0">
@@ -43401,12 +43853,12 @@
               <a:t> </a:t>
             </a:r>
             <a:r>
-              <a:rPr lang="en-US" sz="2950" err="1">
+              <a:rPr lang="en-US" sz="2950" dirty="0" err="1">
                 <a:solidFill>
                   <a:schemeClr val="bg2"/>
                 </a:solidFill>
               </a:rPr>
-              <a:t>на</a:t>
+              <a:t>даден</a:t>
             </a:r>
             <a:r>
               <a:rPr lang="en-US" sz="2950" dirty="0">
@@ -43417,12 +43869,12 @@
               <a:t> </a:t>
             </a:r>
             <a:r>
-              <a:rPr lang="en-US" sz="2950" err="1">
+              <a:rPr lang="en-US" sz="2950" dirty="0" err="1">
                 <a:solidFill>
                   <a:schemeClr val="bg2"/>
                 </a:solidFill>
               </a:rPr>
-              <a:t>даден</a:t>
+              <a:t>код</a:t>
             </a:r>
             <a:r>
               <a:rPr lang="en-US" sz="2950" dirty="0">
@@ -43433,12 +43885,12 @@
               <a:t> </a:t>
             </a:r>
             <a:r>
-              <a:rPr lang="en-US" sz="2950" err="1">
+              <a:rPr lang="en-US" sz="2950" dirty="0" err="1">
                 <a:solidFill>
                   <a:schemeClr val="bg2"/>
                 </a:solidFill>
               </a:rPr>
-              <a:t>код</a:t>
+              <a:t>преди</a:t>
             </a:r>
             <a:r>
               <a:rPr lang="en-US" sz="2950" dirty="0">
@@ -43449,12 +43901,12 @@
               <a:t> </a:t>
             </a:r>
             <a:r>
-              <a:rPr lang="en-US" sz="2950" err="1">
+              <a:rPr lang="en-US" sz="2950" dirty="0" err="1">
                 <a:solidFill>
                   <a:schemeClr val="bg2"/>
                 </a:solidFill>
               </a:rPr>
-              <a:t>преди</a:t>
+              <a:t>да</a:t>
             </a:r>
             <a:r>
               <a:rPr lang="en-US" sz="2950" dirty="0">
@@ -43465,12 +43917,12 @@
               <a:t> </a:t>
             </a:r>
             <a:r>
-              <a:rPr lang="en-US" sz="2950" err="1">
+              <a:rPr lang="en-US" sz="2950" dirty="0" err="1">
                 <a:solidFill>
                   <a:schemeClr val="bg2"/>
                 </a:solidFill>
               </a:rPr>
-              <a:t>да</a:t>
+              <a:t>бъде</a:t>
             </a:r>
             <a:r>
               <a:rPr lang="en-US" sz="2950" dirty="0">
@@ -43481,22 +43933,14 @@
               <a:t> </a:t>
             </a:r>
             <a:r>
-              <a:rPr lang="en-US" sz="2950" err="1">
+              <a:rPr lang="en-US" sz="2950" dirty="0" err="1">
                 <a:solidFill>
                   <a:schemeClr val="bg2"/>
                 </a:solidFill>
               </a:rPr>
-              <a:t>бъде</a:t>
-            </a:r>
-            <a:r>
-              <a:rPr lang="en-US" sz="2950">
-                <a:solidFill>
-                  <a:schemeClr val="bg2"/>
-                </a:solidFill>
-              </a:rPr>
-              <a:t> изпълнен</a:t>
-            </a:r>
-            <a:endParaRPr lang="en-US" sz="2950">
+              <a:t>изпълнен</a:t>
+            </a:r>
+            <a:endParaRPr lang="en-US" sz="2950" dirty="0">
               <a:solidFill>
                 <a:schemeClr val="bg2"/>
               </a:solidFill>
@@ -43847,10 +44291,9 @@
           <a:lstStyle/>
           <a:p>
             <a:r>
-              <a:rPr lang="bg-BG" dirty="0" err="1"/>
-              <a:t>Ресурсу</a:t>
-            </a:r>
-            <a:endParaRPr lang="bg-BG" dirty="0"/>
+              <a:rPr lang="bg-BG" dirty="0"/>
+              <a:t>Ресурси</a:t>
+            </a:r>
           </a:p>
         </p:txBody>
       </p:sp>
@@ -44125,7 +44568,7 @@
           <a:noFill/>
           <a:extLst>
             <a:ext uri="{909E8E84-426E-40dd-AFC4-6F175D3DCCD1}">
-              <a14:hiddenFill xmlns="" xmlns:a14="http://schemas.microsoft.com/office/drawing/2010/main">
+              <a14:hiddenFill xmlns:a14="http://schemas.microsoft.com/office/drawing/2010/main" xmlns="">
                 <a:solidFill>
                   <a:srgbClr val="FFFFFF"/>
                 </a:solidFill>
@@ -44612,7 +45055,12 @@
             <p:ph type="body" sz="quarter" idx="10"/>
           </p:nvPr>
         </p:nvSpPr>
-        <p:spPr/>
+        <p:spPr>
+          <a:xfrm>
+            <a:off x="190406" y="1537957"/>
+            <a:ext cx="11818096" cy="5528766"/>
+          </a:xfrm>
+        </p:spPr>
         <p:txBody>
           <a:bodyPr vert="horz" lIns="108000" tIns="36000" rIns="108000" bIns="36000" rtlCol="0" anchor="t">
             <a:normAutofit/>
@@ -44621,15 +45069,15 @@
           <a:p>
             <a:pPr marL="360045" indent="-360045"/>
             <a:r>
-              <a:rPr lang="en-US" sz="3350" err="1"/>
+              <a:rPr lang="en-US" sz="3350" dirty="0" err="1"/>
               <a:t>Терминът</a:t>
             </a:r>
             <a:r>
-              <a:rPr lang="en-US" sz="3350"/>
+              <a:rPr lang="en-US" sz="3350" dirty="0"/>
               <a:t> </a:t>
             </a:r>
             <a:r>
-              <a:rPr lang="en-US" sz="3350">
+              <a:rPr lang="en-US" sz="3350" dirty="0">
                 <a:solidFill>
                   <a:schemeClr val="accent1"/>
                 </a:solidFill>
@@ -44637,7 +45085,7 @@
               <a:t>"</a:t>
             </a:r>
             <a:r>
-              <a:rPr lang="en-US" sz="3350" b="1" err="1">
+              <a:rPr lang="en-US" sz="3350" b="1" dirty="0" err="1">
                 <a:solidFill>
                   <a:schemeClr val="bg1"/>
                 </a:solidFill>
@@ -44645,7 +45093,7 @@
               <a:t>алгоритъм</a:t>
             </a:r>
             <a:r>
-              <a:rPr lang="en-US" sz="3350">
+              <a:rPr lang="en-US" sz="3350" dirty="0">
                 <a:solidFill>
                   <a:schemeClr val="accent1"/>
                 </a:solidFill>
@@ -44653,7 +45101,7 @@
               <a:t>" </a:t>
             </a:r>
             <a:r>
-              <a:rPr lang="en-US" sz="3350" err="1">
+              <a:rPr lang="en-US" sz="3350" dirty="0" err="1">
                 <a:solidFill>
                   <a:srgbClr val="234465"/>
                 </a:solidFill>
@@ -44661,63 +45109,63 @@
               <a:t>означава</a:t>
             </a:r>
             <a:r>
-              <a:rPr lang="en-US" sz="3350"/>
+              <a:rPr lang="en-US" sz="3350" dirty="0"/>
               <a:t> "</a:t>
             </a:r>
             <a:r>
-              <a:rPr lang="en-US" sz="3350" b="1" err="1"/>
+              <a:rPr lang="en-US" sz="3350" b="1" dirty="0" err="1"/>
               <a:t>поредица</a:t>
             </a:r>
             <a:r>
-              <a:rPr lang="en-US" sz="3350" b="1"/>
+              <a:rPr lang="en-US" sz="3350" b="1" dirty="0"/>
               <a:t> </a:t>
             </a:r>
             <a:r>
-              <a:rPr lang="en-US" sz="3350" b="1" err="1"/>
+              <a:rPr lang="en-US" sz="3350" b="1" dirty="0" err="1"/>
               <a:t>от</a:t>
             </a:r>
             <a:r>
-              <a:rPr lang="en-US" sz="3350" b="1"/>
+              <a:rPr lang="en-US" sz="3350" b="1" dirty="0"/>
               <a:t> </a:t>
             </a:r>
             <a:r>
-              <a:rPr lang="en-US" sz="3350" b="1" err="1"/>
+              <a:rPr lang="en-US" sz="3350" b="1" dirty="0" err="1"/>
               <a:t>стъпки</a:t>
             </a:r>
             <a:r>
-              <a:rPr lang="en-US" sz="3350"/>
+              <a:rPr lang="en-US" sz="3350" dirty="0"/>
               <a:t>"</a:t>
             </a:r>
-            <a:endParaRPr lang="bg-BG" sz="3350"/>
+            <a:endParaRPr lang="bg-BG" sz="3350" dirty="0"/>
           </a:p>
           <a:p>
             <a:pPr lvl="1" indent="-360045"/>
             <a:r>
-              <a:rPr lang="en-US" sz="3150" err="1">
+              <a:rPr lang="en-US" sz="3150" dirty="0" err="1">
                 <a:cs typeface="Calibri"/>
               </a:rPr>
               <a:t>Изведено</a:t>
             </a:r>
             <a:r>
-              <a:rPr lang="en-US" sz="3150">
+              <a:rPr lang="en-US" sz="3150" dirty="0">
                 <a:cs typeface="Calibri"/>
               </a:rPr>
               <a:t> </a:t>
             </a:r>
             <a:r>
-              <a:rPr lang="en-US" sz="3150" err="1">
+              <a:rPr lang="en-US" sz="3150" dirty="0" err="1">
                 <a:cs typeface="Calibri"/>
               </a:rPr>
               <a:t>от</a:t>
             </a:r>
             <a:r>
-              <a:rPr lang="en-US" sz="3150">
+              <a:rPr lang="en-US" sz="3150" dirty="0">
                 <a:cs typeface="Calibri"/>
               </a:rPr>
               <a:t> </a:t>
             </a:r>
             <a:r>
-              <a:rPr lang="en-US" sz="3150" b="1" err="1">
+              <a:rPr lang="en-US" sz="3150" b="1" dirty="0" err="1">
                 <a:solidFill>
                   <a:schemeClr val="bg1"/>
                 </a:solidFill>
@@ -44727,7 +45175,7 @@
               <a:t>Мохамед</a:t>
             </a:r>
             <a:r>
-              <a:rPr lang="en-US" sz="3150" b="1">
+              <a:rPr lang="en-US" sz="3150" b="1" dirty="0">
                 <a:solidFill>
                   <a:schemeClr val="bg1"/>
                 </a:solidFill>
@@ -44737,7 +45185,7 @@
               <a:t> </a:t>
             </a:r>
             <a:r>
-              <a:rPr lang="en-US" sz="3150" b="1" err="1">
+              <a:rPr lang="en-US" sz="3150" b="1" dirty="0" err="1">
                 <a:solidFill>
                   <a:schemeClr val="bg1"/>
                 </a:solidFill>
@@ -44747,53 +45195,81 @@
               <a:t>ал-Хорезми</a:t>
             </a:r>
             <a:r>
-              <a:rPr lang="en-US" sz="3150">
+              <a:rPr lang="en-US" sz="3150" dirty="0">
                 <a:ea typeface="+mn-lt"/>
                 <a:cs typeface="+mn-lt"/>
               </a:rPr>
               <a:t>, </a:t>
             </a:r>
             <a:r>
-              <a:rPr lang="en-US" sz="3150" err="1">
+              <a:rPr lang="en-US" sz="3150" dirty="0" err="1">
                 <a:ea typeface="+mn-lt"/>
                 <a:cs typeface="+mn-lt"/>
               </a:rPr>
-              <a:t>персииски</a:t>
-            </a:r>
-            <a:r>
-              <a:rPr lang="en-US" sz="3150">
+              <a:t>перси</a:t>
+            </a:r>
+            <a:r>
+              <a:rPr lang="bg-BG" sz="3150" dirty="0">
                 <a:ea typeface="+mn-lt"/>
                 <a:cs typeface="+mn-lt"/>
               </a:rPr>
-              <a:t> </a:t>
-            </a:r>
-            <a:r>
-              <a:rPr lang="en-US" sz="3150" err="1">
+              <a:t>й</a:t>
+            </a:r>
+            <a:r>
+              <a:rPr lang="en-US" sz="3150" dirty="0" err="1">
                 <a:ea typeface="+mn-lt"/>
                 <a:cs typeface="+mn-lt"/>
               </a:rPr>
-              <a:t>математик</a:t>
-            </a:r>
-            <a:r>
-              <a:rPr lang="en-US" sz="3150">
+              <a:t>ски</a:t>
+            </a:r>
+            <a:r>
+              <a:rPr lang="en-US" sz="3150" dirty="0">
                 <a:ea typeface="+mn-lt"/>
                 <a:cs typeface="+mn-lt"/>
               </a:rPr>
-              <a:t> и </a:t>
-            </a:r>
-            <a:r>
-              <a:rPr lang="en-US" sz="3150" err="1">
+              <a:t> </a:t>
+            </a:r>
+            <a:r>
+              <a:rPr lang="en-US" sz="3150" dirty="0" err="1">
                 <a:ea typeface="+mn-lt"/>
                 <a:cs typeface="+mn-lt"/>
               </a:rPr>
-              <a:t>астронимик</a:t>
-            </a:r>
-            <a:endParaRPr lang="en-US" sz="3150" err="1"/>
+              <a:t>математик</a:t>
+            </a:r>
+            <a:r>
+              <a:rPr lang="en-US" sz="3150" dirty="0">
+                <a:ea typeface="+mn-lt"/>
+                <a:cs typeface="+mn-lt"/>
+              </a:rPr>
+              <a:t> и </a:t>
+            </a:r>
+            <a:r>
+              <a:rPr lang="en-US" sz="3150" dirty="0" err="1">
+                <a:ea typeface="+mn-lt"/>
+                <a:cs typeface="+mn-lt"/>
+              </a:rPr>
+              <a:t>астрон</a:t>
+            </a:r>
+            <a:r>
+              <a:rPr lang="bg-BG" sz="3150" dirty="0">
+                <a:ea typeface="+mn-lt"/>
+                <a:cs typeface="+mn-lt"/>
+              </a:rPr>
+              <a:t>о</a:t>
+            </a:r>
+            <a:r>
+              <a:rPr lang="en-US" sz="3150" dirty="0" err="1">
+                <a:ea typeface="+mn-lt"/>
+                <a:cs typeface="+mn-lt"/>
+              </a:rPr>
+              <a:t>мик</a:t>
+            </a:r>
+            <a:endParaRPr lang="en-US" sz="3150" dirty="0"/>
           </a:p>
           <a:p>
             <a:pPr marL="1255395" lvl="2" indent="-360045"/>
             <a:r>
-              <a:rPr lang="bg-BG" sz="2950">
+              <a:rPr lang="bg-BG" sz="2950" dirty="0">
                 <a:cs typeface="Calibri"/>
               </a:rPr>
               <a:t>Той създава алгоритъм за решаване на квадратно уравнение през 825 година</a:t>
@@ -45056,7 +45532,7 @@
         <p:spPr/>
         <p:txBody>
           <a:bodyPr vert="horz" lIns="108000" tIns="36000" rIns="108000" bIns="36000" rtlCol="0" anchor="t">
-            <a:normAutofit lnSpcReduction="10000"/>
+            <a:normAutofit/>
           </a:bodyPr>
           <a:lstStyle/>
           <a:p>
@@ -45069,42 +45545,38 @@
               </a:buClr>
             </a:pPr>
             <a:r>
-              <a:rPr lang="en-US" sz="3350" err="1"/>
+              <a:rPr lang="en-US" sz="3350" dirty="0" err="1"/>
               <a:t>Алгоритмите</a:t>
             </a:r>
             <a:r>
-              <a:rPr lang="en-US" sz="3350"/>
+              <a:rPr lang="en-US" sz="3350" dirty="0"/>
               <a:t> </a:t>
             </a:r>
             <a:r>
-              <a:rPr lang="en-US" sz="3350" err="1"/>
+              <a:rPr lang="en-US" sz="3350" dirty="0" err="1"/>
               <a:t>са</a:t>
             </a:r>
             <a:r>
-              <a:rPr lang="en-US" sz="3350"/>
+              <a:rPr lang="en-US" sz="3350" dirty="0"/>
               <a:t> </a:t>
             </a:r>
             <a:r>
-              <a:rPr lang="en-US" sz="3350" err="1"/>
-              <a:t>фундаментала</a:t>
-            </a:r>
-            <a:r>
-              <a:rPr lang="en-US" sz="3350"/>
+              <a:rPr lang="bg-BG" sz="3350" dirty="0"/>
+              <a:t>основата </a:t>
+            </a:r>
+            <a:r>
+              <a:rPr lang="en-US" sz="3350" dirty="0" err="1"/>
+              <a:t>на</a:t>
+            </a:r>
+            <a:r>
+              <a:rPr lang="en-US" sz="3350" dirty="0"/>
               <a:t> </a:t>
             </a:r>
             <a:r>
-              <a:rPr lang="en-US" sz="3350" err="1"/>
-              <a:t>на</a:t>
-            </a:r>
-            <a:r>
-              <a:rPr lang="en-US" sz="3350"/>
-              <a:t> </a:t>
-            </a:r>
-            <a:r>
-              <a:rPr lang="en-US" sz="3350" err="1"/>
+              <a:rPr lang="en-US" sz="3350" dirty="0" err="1"/>
               <a:t>програмирането</a:t>
             </a:r>
-            <a:endParaRPr lang="bg-BG" err="1"/>
+            <a:endParaRPr lang="bg-BG" dirty="0"/>
           </a:p>
           <a:p>
             <a:pPr lvl="1" indent="-360045">
@@ -45116,7 +45588,7 @@
               </a:buClr>
             </a:pPr>
             <a:r>
-              <a:rPr lang="en-US" sz="3150" b="1" err="1">
+              <a:rPr lang="en-US" sz="3150" b="1" dirty="0" err="1">
                 <a:solidFill>
                   <a:schemeClr val="bg1"/>
                 </a:solidFill>
@@ -45124,7 +45596,7 @@
               <a:t>Императивно</a:t>
             </a:r>
             <a:r>
-              <a:rPr lang="en-US" sz="3150" b="1">
+              <a:rPr lang="en-US" sz="3150" b="1" dirty="0">
                 <a:solidFill>
                   <a:schemeClr val="bg1"/>
                 </a:solidFill>
@@ -45132,134 +45604,142 @@
               <a:t> </a:t>
             </a:r>
             <a:r>
-              <a:rPr lang="en-US" sz="3150"/>
+              <a:rPr lang="en-US" sz="3150" dirty="0"/>
               <a:t>(</a:t>
             </a:r>
             <a:r>
-              <a:rPr lang="en-US" sz="3150" err="1"/>
+              <a:rPr lang="en-US" sz="3150" dirty="0" err="1"/>
               <a:t>традиционно</a:t>
             </a:r>
             <a:r>
-              <a:rPr lang="en-US" sz="3150"/>
+              <a:rPr lang="en-US" sz="3150" dirty="0"/>
               <a:t>, </a:t>
             </a:r>
             <a:r>
-              <a:rPr lang="en-US" sz="3150" err="1"/>
+              <a:rPr lang="en-US" sz="3150" dirty="0" err="1"/>
               <a:t>алгоритмично</a:t>
             </a:r>
             <a:r>
-              <a:rPr lang="en-US" sz="3150"/>
+              <a:rPr lang="en-US" sz="3150" dirty="0"/>
               <a:t>) </a:t>
             </a:r>
             <a:r>
-              <a:rPr lang="en-US" sz="3150" err="1"/>
+              <a:rPr lang="en-US" sz="3150" dirty="0" err="1"/>
               <a:t>програмиране</a:t>
             </a:r>
             <a:r>
-              <a:rPr lang="en-US" sz="3150"/>
+              <a:rPr lang="en-US" sz="3150" dirty="0"/>
               <a:t> </a:t>
             </a:r>
             <a:r>
-              <a:rPr lang="en-US" sz="3150" err="1"/>
-              <a:t>означава</a:t>
-            </a:r>
-            <a:r>
-              <a:rPr lang="en-US" sz="3150"/>
+              <a:rPr lang="bg-BG" sz="3150" dirty="0"/>
+              <a:t>- </a:t>
+            </a:r>
+            <a:r>
+              <a:rPr lang="en-US" sz="3150" dirty="0"/>
               <a:t> </a:t>
             </a:r>
             <a:r>
-              <a:rPr lang="en-US" sz="3150" err="1"/>
-              <a:t>да</a:t>
-            </a:r>
-            <a:r>
-              <a:rPr lang="en-US" sz="3150"/>
+              <a:rPr lang="en-US" sz="3150" b="1" dirty="0" err="1">
+                <a:solidFill>
+                  <a:schemeClr val="bg1"/>
+                </a:solidFill>
+              </a:rPr>
+              <a:t>опи</a:t>
+            </a:r>
+            <a:r>
+              <a:rPr lang="bg-BG" sz="3150" b="1" dirty="0" err="1">
+                <a:solidFill>
+                  <a:schemeClr val="bg1"/>
+                </a:solidFill>
+              </a:rPr>
+              <a:t>сване</a:t>
+            </a:r>
+            <a:r>
+              <a:rPr lang="en-US" sz="3150" b="1" dirty="0">
+                <a:solidFill>
+                  <a:schemeClr val="bg1"/>
+                </a:solidFill>
+              </a:rPr>
+              <a:t> </a:t>
+            </a:r>
+            <a:r>
+              <a:rPr lang="en-US" sz="3150" b="1" dirty="0" err="1">
+                <a:solidFill>
+                  <a:schemeClr val="bg1"/>
+                </a:solidFill>
+              </a:rPr>
+              <a:t>в</a:t>
+            </a:r>
+            <a:r>
+              <a:rPr lang="en-US" sz="3150" b="1" dirty="0">
+                <a:solidFill>
+                  <a:schemeClr val="bg1"/>
+                </a:solidFill>
+              </a:rPr>
+              <a:t> </a:t>
+            </a:r>
+            <a:r>
+              <a:rPr lang="en-US" sz="3150" b="1" dirty="0" err="1">
+                <a:solidFill>
+                  <a:schemeClr val="bg1"/>
+                </a:solidFill>
+              </a:rPr>
+              <a:t>последователни</a:t>
+            </a:r>
+            <a:r>
+              <a:rPr lang="en-US" sz="3150" b="1" dirty="0">
+                <a:solidFill>
+                  <a:schemeClr val="bg1"/>
+                </a:solidFill>
+              </a:rPr>
+              <a:t> </a:t>
+            </a:r>
+            <a:r>
+              <a:rPr lang="en-US" sz="3150" b="1" dirty="0" err="1">
+                <a:solidFill>
+                  <a:schemeClr val="bg1"/>
+                </a:solidFill>
+              </a:rPr>
+              <a:t>стъпки</a:t>
+            </a:r>
+            <a:r>
+              <a:rPr lang="en-US" sz="3150" b="1" dirty="0">
+                <a:solidFill>
+                  <a:schemeClr val="bg1"/>
+                </a:solidFill>
+              </a:rPr>
               <a:t> </a:t>
             </a:r>
             <a:r>
-              <a:rPr lang="en-US" sz="3150" err="1"/>
+              <a:rPr lang="en-US" sz="3150" dirty="0" err="1"/>
+              <a:t>как</a:t>
+            </a:r>
+            <a:r>
+              <a:rPr lang="en-US" sz="3150" dirty="0"/>
+              <a:t> </a:t>
+            </a:r>
+            <a:r>
+              <a:rPr lang="en-US" sz="3150" dirty="0" err="1"/>
               <a:t>се</a:t>
             </a:r>
             <a:r>
-              <a:rPr lang="en-US" sz="3150"/>
+              <a:rPr lang="en-US" sz="3150" dirty="0"/>
               <a:t> </a:t>
             </a:r>
             <a:r>
-              <a:rPr lang="en-US" sz="3150" b="1" err="1">
-                <a:solidFill>
-                  <a:schemeClr val="bg1"/>
-                </a:solidFill>
-              </a:rPr>
-              <a:t>опише</a:t>
-            </a:r>
-            <a:r>
-              <a:rPr lang="en-US" sz="3150" b="1">
-                <a:solidFill>
-                  <a:schemeClr val="bg1"/>
-                </a:solidFill>
-              </a:rPr>
-              <a:t> в </a:t>
-            </a:r>
-            <a:r>
-              <a:rPr lang="en-US" sz="3150" b="1" err="1">
-                <a:solidFill>
-                  <a:schemeClr val="bg1"/>
-                </a:solidFill>
-              </a:rPr>
-              <a:t>последователни</a:t>
-            </a:r>
-            <a:r>
-              <a:rPr lang="en-US" sz="3150" b="1">
-                <a:solidFill>
-                  <a:schemeClr val="bg1"/>
-                </a:solidFill>
-              </a:rPr>
+              <a:rPr lang="en-US" sz="3150" dirty="0" err="1"/>
+              <a:t>прави</a:t>
+            </a:r>
+            <a:r>
+              <a:rPr lang="en-US" sz="3150" dirty="0"/>
               <a:t> </a:t>
             </a:r>
             <a:r>
-              <a:rPr lang="en-US" sz="3150" b="1" err="1">
-                <a:solidFill>
-                  <a:schemeClr val="bg1"/>
-                </a:solidFill>
-              </a:rPr>
-              <a:t>стъпки</a:t>
-            </a:r>
-            <a:r>
-              <a:rPr lang="en-US" sz="3150" b="1">
-                <a:solidFill>
-                  <a:schemeClr val="bg1"/>
-                </a:solidFill>
-              </a:rPr>
-              <a:t> </a:t>
-            </a:r>
-            <a:r>
-              <a:rPr lang="en-US" sz="3150" err="1"/>
-              <a:t>как</a:t>
-            </a:r>
-            <a:r>
-              <a:rPr lang="en-US" sz="3150"/>
-              <a:t> </a:t>
-            </a:r>
-            <a:r>
-              <a:rPr lang="en-US" sz="3150" err="1"/>
-              <a:t>се</a:t>
-            </a:r>
-            <a:r>
-              <a:rPr lang="en-US" sz="3150"/>
-              <a:t> </a:t>
-            </a:r>
-            <a:r>
-              <a:rPr lang="en-US" sz="3150" err="1"/>
-              <a:t>прави</a:t>
-            </a:r>
-            <a:r>
-              <a:rPr lang="en-US" sz="3150"/>
-              <a:t> </a:t>
-            </a:r>
-            <a:r>
-              <a:rPr lang="en-US" sz="3150" err="1"/>
+              <a:rPr lang="en-US" sz="3150" dirty="0" err="1"/>
               <a:t>нещо</a:t>
             </a:r>
-            <a:endParaRPr lang="en-US" sz="3150" err="1">
+            <a:endParaRPr lang="en-US" sz="3150" dirty="0">
               <a:cs typeface="Calibri"/>
             </a:endParaRPr>
           </a:p>
@@ -45273,7 +45753,7 @@
               </a:buClr>
             </a:pPr>
             <a:r>
-              <a:rPr lang="en-US" sz="3150" b="1" err="1">
+              <a:rPr lang="en-US" sz="3150" b="1" dirty="0" err="1">
                 <a:solidFill>
                   <a:schemeClr val="bg1"/>
                 </a:solidFill>
@@ -45281,42 +45761,50 @@
               <a:t>Алгоритъм</a:t>
             </a:r>
             <a:r>
-              <a:rPr lang="en-US" sz="3150"/>
+              <a:rPr lang="bg-BG" sz="3150" b="1" dirty="0">
+                <a:solidFill>
+                  <a:schemeClr val="bg1"/>
+                </a:solidFill>
+              </a:rPr>
+              <a:t> </a:t>
+            </a:r>
+            <a:r>
+              <a:rPr lang="en-US" sz="3150" dirty="0"/>
               <a:t>== </a:t>
             </a:r>
             <a:r>
-              <a:rPr lang="en-US" sz="3150" err="1"/>
+              <a:rPr lang="en-US" sz="3150" dirty="0" err="1"/>
               <a:t>редица</a:t>
             </a:r>
             <a:r>
-              <a:rPr lang="en-US" sz="3150"/>
+              <a:rPr lang="en-US" sz="3150" dirty="0"/>
               <a:t> </a:t>
             </a:r>
             <a:r>
-              <a:rPr lang="en-US" sz="3150" err="1"/>
+              <a:rPr lang="en-US" sz="3150" dirty="0" err="1"/>
               <a:t>от</a:t>
             </a:r>
             <a:r>
-              <a:rPr lang="en-US" sz="3150"/>
+              <a:rPr lang="en-US" sz="3150" dirty="0"/>
               <a:t> </a:t>
             </a:r>
             <a:r>
-              <a:rPr lang="en-US" sz="3150" err="1"/>
+              <a:rPr lang="en-US" sz="3150" dirty="0" err="1"/>
               <a:t>операции</a:t>
             </a:r>
             <a:r>
-              <a:rPr lang="en-US" sz="3150"/>
+              <a:rPr lang="en-US" sz="3150" dirty="0"/>
               <a:t> (</a:t>
             </a:r>
             <a:r>
-              <a:rPr lang="en-US" sz="3150" err="1"/>
+              <a:rPr lang="en-US" sz="3150" dirty="0" err="1"/>
               <a:t>стъпки</a:t>
             </a:r>
             <a:r>
-              <a:rPr lang="en-US" sz="3150"/>
+              <a:rPr lang="en-US" sz="3150" dirty="0"/>
               <a:t>)</a:t>
             </a:r>
-            <a:endParaRPr lang="en-US" sz="3150">
+            <a:endParaRPr lang="en-US" sz="3150" dirty="0">
               <a:cs typeface="Calibri"/>
             </a:endParaRPr>
           </a:p>
@@ -45330,66 +45818,70 @@
               </a:buClr>
             </a:pPr>
             <a:r>
-              <a:rPr lang="en-US" sz="2950" err="1"/>
+              <a:rPr lang="en-US" sz="2950" dirty="0" err="1"/>
               <a:t>Може</a:t>
             </a:r>
             <a:r>
-              <a:rPr lang="en-US" sz="2950"/>
+              <a:rPr lang="en-US" sz="2950" dirty="0"/>
               <a:t> </a:t>
             </a:r>
             <a:r>
-              <a:rPr lang="en-US" sz="2950" err="1"/>
+              <a:rPr lang="en-US" sz="2950" dirty="0" err="1"/>
               <a:t>да</a:t>
             </a:r>
             <a:r>
-              <a:rPr lang="en-US" sz="2950"/>
+              <a:rPr lang="en-US" sz="2950" dirty="0"/>
               <a:t> </a:t>
             </a:r>
             <a:r>
-              <a:rPr lang="en-US" sz="2950" err="1"/>
+              <a:rPr lang="en-US" sz="2950" dirty="0" err="1"/>
               <a:t>включва</a:t>
             </a:r>
             <a:r>
-              <a:rPr lang="en-US" sz="2950"/>
+              <a:rPr lang="en-US" sz="2950" dirty="0"/>
               <a:t> </a:t>
             </a:r>
             <a:r>
-              <a:rPr lang="en-US" sz="2950" err="1"/>
+              <a:rPr lang="en-US" sz="2950" dirty="0" err="1"/>
               <a:t>условни</a:t>
             </a:r>
             <a:r>
-              <a:rPr lang="en-US" sz="2950"/>
+              <a:rPr lang="en-US" sz="2950" dirty="0"/>
               <a:t> </a:t>
             </a:r>
             <a:r>
-              <a:rPr lang="en-US" sz="2950" err="1"/>
+              <a:rPr lang="en-US" sz="2950" dirty="0" err="1"/>
               <a:t>блокове</a:t>
             </a:r>
             <a:r>
-              <a:rPr lang="en-US" sz="2950"/>
+              <a:rPr lang="en-US" sz="2950" dirty="0"/>
               <a:t> и </a:t>
             </a:r>
             <a:r>
-              <a:rPr lang="en-US" sz="2950" err="1"/>
-              <a:t>повтаряще</a:t>
-            </a:r>
-            <a:r>
-              <a:rPr lang="en-US" sz="2950"/>
+              <a:rPr lang="en-US" sz="2950" dirty="0" err="1"/>
+              <a:t>повтарящ</a:t>
+            </a:r>
+            <a:r>
+              <a:rPr lang="bg-BG" sz="2950" dirty="0"/>
+              <a:t>и</a:t>
+            </a:r>
+            <a:r>
+              <a:rPr lang="en-US" sz="2950" dirty="0"/>
               <a:t> </a:t>
             </a:r>
             <a:r>
-              <a:rPr lang="en-US" sz="2950" err="1"/>
+              <a:rPr lang="en-US" sz="2950" dirty="0" err="1"/>
               <a:t>си</a:t>
             </a:r>
             <a:r>
-              <a:rPr lang="en-US" sz="2950"/>
+              <a:rPr lang="en-US" sz="2950" dirty="0"/>
               <a:t> </a:t>
             </a:r>
             <a:r>
-              <a:rPr lang="en-US" sz="2950" err="1"/>
+              <a:rPr lang="en-US" sz="2950" dirty="0" err="1"/>
               <a:t>цикли</a:t>
             </a:r>
-            <a:endParaRPr lang="en-US" err="1"/>
+            <a:endParaRPr lang="en-US" dirty="0"/>
           </a:p>
           <a:p>
             <a:pPr marL="360045" indent="-360045">
@@ -45401,7 +45893,7 @@
               </a:buClr>
             </a:pPr>
             <a:r>
-              <a:rPr lang="en-US" sz="3350" b="1" err="1">
+              <a:rPr lang="en-US" sz="3350" b="1" dirty="0" err="1">
                 <a:solidFill>
                   <a:schemeClr val="bg1"/>
                 </a:solidFill>
@@ -45409,7 +45901,7 @@
               <a:t>Алгоритмично</a:t>
             </a:r>
             <a:r>
-              <a:rPr lang="en-US" sz="3350" b="1">
+              <a:rPr lang="en-US" sz="3350" b="1" dirty="0">
                 <a:solidFill>
                   <a:schemeClr val="bg1"/>
                 </a:solidFill>
@@ -45417,7 +45909,7 @@
               <a:t> </a:t>
             </a:r>
             <a:r>
-              <a:rPr lang="en-US" sz="3350" b="1" err="1">
+              <a:rPr lang="en-US" sz="3350" b="1" dirty="0" err="1">
                 <a:solidFill>
                   <a:schemeClr val="bg1"/>
                 </a:solidFill>
@@ -45425,7 +45917,7 @@
               <a:t>мислине</a:t>
             </a:r>
             <a:r>
-              <a:rPr lang="en-US" sz="3350" b="1">
+              <a:rPr lang="en-US" sz="3350" b="1" dirty="0">
                 <a:solidFill>
                   <a:schemeClr val="bg1"/>
                 </a:solidFill>
@@ -45433,67 +45925,67 @@
               <a:t> </a:t>
             </a:r>
             <a:r>
-              <a:rPr lang="en-US" sz="3350"/>
+              <a:rPr lang="en-US" sz="3350" dirty="0"/>
               <a:t>(</a:t>
             </a:r>
             <a:r>
-              <a:rPr lang="en-US" sz="3350" err="1"/>
+              <a:rPr lang="en-US" sz="3350" dirty="0" err="1"/>
               <a:t>математичиско</a:t>
             </a:r>
             <a:r>
-              <a:rPr lang="en-US" sz="3350"/>
+              <a:rPr lang="en-US" sz="3350" dirty="0"/>
               <a:t> </a:t>
             </a:r>
             <a:r>
-              <a:rPr lang="en-US" sz="3350" err="1"/>
+              <a:rPr lang="en-US" sz="3350" dirty="0" err="1"/>
               <a:t>мислене</a:t>
             </a:r>
             <a:r>
-              <a:rPr lang="en-US" sz="3350"/>
+              <a:rPr lang="en-US" sz="3350" dirty="0"/>
               <a:t>, </a:t>
             </a:r>
             <a:r>
-              <a:rPr lang="en-US" sz="3350" err="1"/>
+              <a:rPr lang="en-US" sz="3350" dirty="0" err="1"/>
               <a:t>логическо</a:t>
             </a:r>
             <a:r>
-              <a:rPr lang="en-US" sz="3350"/>
+              <a:rPr lang="en-US" sz="3350" dirty="0"/>
               <a:t> </a:t>
             </a:r>
             <a:r>
-              <a:rPr lang="en-US" sz="3350" err="1"/>
+              <a:rPr lang="en-US" sz="3350" dirty="0" err="1"/>
               <a:t>мислене</a:t>
             </a:r>
             <a:r>
-              <a:rPr lang="en-US" sz="3350"/>
+              <a:rPr lang="en-US" sz="3350" dirty="0"/>
               <a:t>, </a:t>
             </a:r>
             <a:r>
-              <a:rPr lang="en-US" sz="3350" err="1">
+              <a:rPr lang="en-US" sz="3350" dirty="0" err="1">
                 <a:ea typeface="+mn-lt"/>
                 <a:cs typeface="+mn-lt"/>
               </a:rPr>
               <a:t>инженерно</a:t>
             </a:r>
             <a:r>
-              <a:rPr lang="en-US" sz="3350">
+              <a:rPr lang="en-US" sz="3350" dirty="0">
                 <a:ea typeface="+mn-lt"/>
                 <a:cs typeface="+mn-lt"/>
               </a:rPr>
               <a:t> </a:t>
             </a:r>
             <a:r>
-              <a:rPr lang="en-US" sz="3350" err="1">
+              <a:rPr lang="en-US" sz="3350" dirty="0" err="1">
                 <a:ea typeface="+mn-lt"/>
                 <a:cs typeface="+mn-lt"/>
               </a:rPr>
               <a:t>мислене</a:t>
             </a:r>
             <a:r>
-              <a:rPr lang="en-US" sz="3350"/>
+              <a:rPr lang="en-US" sz="3350" dirty="0"/>
               <a:t>)</a:t>
             </a:r>
-            <a:endParaRPr lang="en-US" sz="3350">
+            <a:endParaRPr lang="en-US" sz="3350" dirty="0">
               <a:cs typeface="Calibri"/>
             </a:endParaRPr>
           </a:p>
@@ -45507,114 +45999,114 @@
               </a:buClr>
             </a:pPr>
             <a:r>
-              <a:rPr lang="en-US" sz="3150" err="1">
+              <a:rPr lang="en-US" sz="3150" dirty="0" err="1">
                 <a:cs typeface="Calibri"/>
               </a:rPr>
               <a:t>Способност</a:t>
             </a:r>
             <a:r>
-              <a:rPr lang="en-US" sz="3150">
+              <a:rPr lang="en-US" sz="3150" dirty="0">
                 <a:cs typeface="Calibri"/>
               </a:rPr>
               <a:t> </a:t>
             </a:r>
             <a:r>
-              <a:rPr lang="en-US" sz="3150" err="1">
+              <a:rPr lang="en-US" sz="3150" dirty="0" err="1">
                 <a:cs typeface="Calibri"/>
               </a:rPr>
               <a:t>да</a:t>
             </a:r>
             <a:r>
-              <a:rPr lang="en-US" sz="3150">
+              <a:rPr lang="en-US" sz="3150" dirty="0">
                 <a:cs typeface="Calibri"/>
               </a:rPr>
               <a:t> </a:t>
             </a:r>
             <a:r>
-              <a:rPr lang="en-US" sz="3150" err="1">
+              <a:rPr lang="en-US" sz="3150" dirty="0" err="1">
                 <a:cs typeface="Calibri"/>
               </a:rPr>
               <a:t>решиш</a:t>
             </a:r>
             <a:r>
-              <a:rPr lang="en-US" sz="3150">
+              <a:rPr lang="en-US" sz="3150" dirty="0">
                 <a:cs typeface="Calibri"/>
               </a:rPr>
               <a:t> </a:t>
             </a:r>
             <a:r>
-              <a:rPr lang="en-US" sz="3150" err="1">
+              <a:rPr lang="en-US" sz="3150" dirty="0" err="1">
                 <a:cs typeface="Calibri"/>
               </a:rPr>
               <a:t>проблем</a:t>
             </a:r>
             <a:r>
-              <a:rPr lang="en-US" sz="3150">
+              <a:rPr lang="en-US" sz="3150" dirty="0">
                 <a:cs typeface="Calibri"/>
               </a:rPr>
               <a:t> </a:t>
             </a:r>
             <a:r>
-              <a:rPr lang="en-US" sz="3150" err="1">
+              <a:rPr lang="en-US" sz="3150" dirty="0" err="1">
                 <a:cs typeface="Calibri"/>
               </a:rPr>
               <a:t>чрез</a:t>
             </a:r>
             <a:r>
-              <a:rPr lang="en-US" sz="3150">
+              <a:rPr lang="en-US" sz="3150" dirty="0">
                 <a:cs typeface="Calibri"/>
               </a:rPr>
               <a:t> </a:t>
             </a:r>
             <a:r>
-              <a:rPr lang="en-US" sz="3150" err="1">
+              <a:rPr lang="en-US" sz="3150" dirty="0" err="1">
                 <a:cs typeface="Calibri"/>
               </a:rPr>
               <a:t>редица</a:t>
             </a:r>
             <a:r>
-              <a:rPr lang="en-US" sz="3150">
+              <a:rPr lang="en-US" sz="3150" dirty="0">
                 <a:cs typeface="Calibri"/>
               </a:rPr>
               <a:t> </a:t>
             </a:r>
             <a:r>
-              <a:rPr lang="en-US" sz="3150" err="1">
+              <a:rPr lang="en-US" sz="3150" dirty="0" err="1">
                 <a:cs typeface="Calibri"/>
               </a:rPr>
               <a:t>от</a:t>
             </a:r>
             <a:r>
-              <a:rPr lang="en-US" sz="3150">
+              <a:rPr lang="en-US" sz="3150" dirty="0">
                 <a:cs typeface="Calibri"/>
               </a:rPr>
               <a:t> </a:t>
             </a:r>
             <a:r>
-              <a:rPr lang="en-US" sz="3150" err="1">
+              <a:rPr lang="en-US" sz="3150" dirty="0" err="1">
                 <a:cs typeface="Calibri"/>
               </a:rPr>
               <a:t>стъпки</a:t>
             </a:r>
             <a:r>
-              <a:rPr lang="en-US" sz="3150">
+              <a:rPr lang="en-US" sz="3150" dirty="0">
                 <a:cs typeface="Calibri"/>
               </a:rPr>
               <a:t> (</a:t>
             </a:r>
             <a:r>
-              <a:rPr lang="en-US" sz="3150" err="1">
+              <a:rPr lang="en-US" sz="3150" dirty="0" err="1">
                 <a:cs typeface="Calibri"/>
               </a:rPr>
               <a:t>алгоритми</a:t>
             </a:r>
             <a:r>
-              <a:rPr lang="en-US" sz="3150">
+              <a:rPr lang="en-US" sz="3150" dirty="0">
                 <a:cs typeface="Calibri"/>
               </a:rPr>
               <a:t>)</a:t>
             </a:r>
-            <a:endParaRPr lang="en-US" sz="3150"/>
+            <a:endParaRPr lang="en-US" sz="3150" dirty="0"/>
           </a:p>
         </p:txBody>
       </p:sp>
@@ -46652,10 +47144,14 @@
           <a:p>
             <a:pPr algn="ctr"/>
             <a:r>
-              <a:rPr lang="en-US" sz="2550" b="1" err="1"/>
-              <a:t>псевдокод</a:t>
-            </a:r>
-            <a:endParaRPr lang="bg-BG" err="1"/>
+              <a:rPr lang="bg-BG" sz="2550" b="1" dirty="0" err="1"/>
+              <a:t>П</a:t>
+            </a:r>
+            <a:r>
+              <a:rPr lang="en-US" sz="2550" b="1" dirty="0" err="1"/>
+              <a:t>севдокод</a:t>
+            </a:r>
+            <a:endParaRPr lang="bg-BG" dirty="0"/>
           </a:p>
         </p:txBody>
       </p:sp>
@@ -46682,18 +47178,22 @@
           <a:lstStyle/>
           <a:p>
             <a:r>
-              <a:rPr lang="en-US" sz="2550" b="1" err="1"/>
-              <a:t>Блокови</a:t>
-            </a:r>
-            <a:r>
-              <a:rPr lang="en-US" sz="2550" b="1"/>
+              <a:rPr lang="bg-BG" sz="2550" b="1" dirty="0" err="1"/>
+              <a:t>Б</a:t>
+            </a:r>
+            <a:r>
+              <a:rPr lang="en-US" sz="2550" b="1" dirty="0" err="1"/>
+              <a:t>локови</a:t>
+            </a:r>
+            <a:r>
+              <a:rPr lang="en-US" sz="2550" b="1" dirty="0"/>
               <a:t> </a:t>
             </a:r>
             <a:r>
-              <a:rPr lang="en-US" sz="2550" b="1" err="1"/>
+              <a:rPr lang="en-US" sz="2550" b="1" dirty="0" err="1"/>
               <a:t>схеми</a:t>
             </a:r>
-            <a:endParaRPr lang="en-US" sz="2599" b="1" err="1"/>
+            <a:endParaRPr lang="en-US" sz="2599" b="1" dirty="0"/>
           </a:p>
         </p:txBody>
       </p:sp>
@@ -47032,10 +47532,14 @@
           <a:p>
             <a:pPr algn="ctr"/>
             <a:r>
-              <a:rPr lang="en-US" sz="2550" b="1" err="1"/>
-              <a:t>код</a:t>
-            </a:r>
-            <a:endParaRPr lang="bg-BG" err="1"/>
+              <a:rPr lang="bg-BG" sz="2550" b="1" dirty="0"/>
+              <a:t>К</a:t>
+            </a:r>
+            <a:r>
+              <a:rPr lang="en-US" sz="2550" b="1" dirty="0" err="1"/>
+              <a:t>од</a:t>
+            </a:r>
+            <a:endParaRPr lang="bg-BG" dirty="0"/>
           </a:p>
         </p:txBody>
       </p:sp>
@@ -47700,7 +48204,7 @@
             </a:effectLst>
             <a:extLst>
               <a:ext uri="{909E8E84-426E-40dd-AFC4-6F175D3DCCD1}">
-                <a14:hiddenFill xmlns="" xmlns:a14="http://schemas.microsoft.com/office/drawing/2010/main">
+                <a14:hiddenFill xmlns:a14="http://schemas.microsoft.com/office/drawing/2010/main" xmlns="">
                   <a:solidFill>
                     <a:srgbClr val="FFFFFF"/>
                   </a:solidFill>
@@ -47741,7 +48245,7 @@
             <a:noFill/>
             <a:extLst>
               <a:ext uri="{909E8E84-426E-40dd-AFC4-6F175D3DCCD1}">
-                <a14:hiddenFill xmlns="" xmlns:a14="http://schemas.microsoft.com/office/drawing/2010/main">
+                <a14:hiddenFill xmlns:a14="http://schemas.microsoft.com/office/drawing/2010/main" xmlns="">
                   <a:solidFill>
                     <a:srgbClr val="FFFFFF"/>
                   </a:solidFill>
@@ -48226,94 +48730,46 @@
           <a:lstStyle/>
           <a:p>
             <a:r>
-              <a:rPr lang="en-US" sz="3950" b="1" dirty="0" err="1">
+              <a:rPr lang="bg-BG" sz="3950" dirty="0">
                 <a:cs typeface="Calibri"/>
               </a:rPr>
-              <a:t>анализиране</a:t>
-            </a:r>
-            <a:r>
-              <a:rPr lang="en-US" sz="3950" b="1" dirty="0">
+              <a:t>А</a:t>
+            </a:r>
+            <a:r>
+              <a:rPr lang="en-US" sz="3950" dirty="0" err="1">
                 <a:cs typeface="Calibri"/>
               </a:rPr>
-              <a:t> </a:t>
-            </a:r>
-            <a:r>
-              <a:rPr lang="en-US" sz="3950" b="1" dirty="0" err="1">
+              <a:t>лгоритмична</a:t>
+            </a:r>
+            <a:r>
+              <a:rPr lang="en-US" sz="3950" dirty="0">
                 <a:cs typeface="Calibri"/>
               </a:rPr>
-              <a:t>на</a:t>
-            </a:r>
-            <a:r>
-              <a:rPr lang="en-US" sz="3950" b="1" dirty="0">
+              <a:t> </a:t>
+            </a:r>
+            <a:r>
+              <a:rPr lang="bg-BG" sz="3950" dirty="0">
                 <a:cs typeface="Calibri"/>
               </a:rPr>
-              <a:t> </a:t>
-            </a:r>
-            <a:r>
-              <a:rPr lang="en-US" sz="3950" b="1" dirty="0" err="1">
+              <a:t>и </a:t>
+            </a:r>
+            <a:r>
+              <a:rPr lang="en-US" sz="3950" dirty="0" err="1">
                 <a:cs typeface="Calibri"/>
               </a:rPr>
-              <a:t>алгоритми</a:t>
-            </a:r>
-            <a:r>
-              <a:rPr lang="en-US" sz="3950" b="1" dirty="0">
+              <a:t>времева</a:t>
+            </a:r>
+            <a:r>
+              <a:rPr lang="en-US" sz="3950" dirty="0">
                 <a:cs typeface="Calibri"/>
               </a:rPr>
-              <a:t>, </a:t>
-            </a:r>
-            <a:r>
-              <a:rPr lang="en-US" sz="3950" b="1" dirty="0" err="1">
+              <a:t> </a:t>
+            </a:r>
+            <a:r>
+              <a:rPr lang="en-US" sz="3950" dirty="0" err="1">
                 <a:cs typeface="Calibri"/>
               </a:rPr>
-              <a:t>алгоритмична</a:t>
-            </a:r>
-            <a:r>
-              <a:rPr lang="en-US" sz="3950" b="1" dirty="0">
-                <a:cs typeface="Calibri"/>
-              </a:rPr>
-              <a:t> </a:t>
-            </a:r>
-            <a:r>
-              <a:rPr lang="en-US" sz="3950" b="1" dirty="0" err="1">
-                <a:cs typeface="Calibri"/>
-              </a:rPr>
               <a:t>сложност</a:t>
-            </a:r>
-            <a:r>
-              <a:rPr lang="en-US" sz="3950" b="1" dirty="0">
-                <a:cs typeface="Calibri"/>
-              </a:rPr>
-              <a:t>, </a:t>
-            </a:r>
-            <a:r>
-              <a:rPr lang="en-US" sz="3950" b="1" dirty="0" err="1">
-                <a:cs typeface="Calibri"/>
-              </a:rPr>
-              <a:t>времева</a:t>
-            </a:r>
-            <a:r>
-              <a:rPr lang="en-US" sz="3950" b="1" dirty="0">
-                <a:cs typeface="Calibri"/>
-              </a:rPr>
-              <a:t> </a:t>
-            </a:r>
-            <a:r>
-              <a:rPr lang="en-US" sz="3950" b="1" dirty="0" err="1">
-                <a:cs typeface="Calibri"/>
-              </a:rPr>
-              <a:t>сложност</a:t>
-            </a:r>
-            <a:r>
-              <a:rPr lang="en-US" sz="3950" b="1" dirty="0">
-                <a:cs typeface="Calibri"/>
-              </a:rPr>
-              <a:t> и </a:t>
-            </a:r>
-            <a:r>
-              <a:rPr lang="en-US" sz="3950" b="1" dirty="0" err="1">
-                <a:cs typeface="Calibri"/>
-              </a:rPr>
-              <a:t>примери</a:t>
             </a:r>
             <a:endParaRPr lang="bg-BG" sz="3950" dirty="0" err="1">
               <a:ea typeface="+mn-lt"/>
@@ -48472,7 +48928,7 @@
         <p:spPr/>
         <p:txBody>
           <a:bodyPr vert="horz" lIns="108000" tIns="36000" rIns="108000" bIns="36000" rtlCol="0" anchor="t">
-            <a:normAutofit lnSpcReduction="10000"/>
+            <a:normAutofit fontScale="92500" lnSpcReduction="10000"/>
           </a:bodyPr>
           <a:lstStyle/>
           <a:p>
@@ -48609,13 +49065,30 @@
               <a:t>ресурсите</a:t>
             </a:r>
             <a:r>
-              <a:rPr lang="en-US" altLang="ko-KR" sz="3150" b="1" dirty="0">
-                <a:solidFill>
-                  <a:schemeClr val="bg1"/>
+              <a:rPr lang="bg-BG" altLang="ko-KR" sz="3150" dirty="0">
+                <a:solidFill>
+                  <a:srgbClr val="234465"/>
                 </a:solidFill>
                 <a:ea typeface="굴림"/>
               </a:rPr>
-              <a:t> </a:t>
+              <a:t>, необходими за изпълнение </a:t>
+            </a:r>
+            <a:br>
+              <a:rPr lang="bg-BG" altLang="ko-KR" sz="3150" dirty="0">
+                <a:solidFill>
+                  <a:srgbClr val="234465"/>
+                </a:solidFill>
+                <a:ea typeface="굴림"/>
+              </a:rPr>
+            </a:br>
+            <a:r>
+              <a:rPr lang="bg-BG" altLang="ko-KR" sz="3150" dirty="0" err="1">
+                <a:solidFill>
+                  <a:srgbClr val="234465"/>
+                </a:solidFill>
+                <a:ea typeface="굴림"/>
+              </a:rPr>
+              <a:t>н</a:t>
             </a:r>
             <a:r>
               <a:rPr lang="en-US" altLang="ko-KR" sz="3150" dirty="0" err="1">
@@ -48624,7 +49097,7 @@
                 </a:solidFill>
                 <a:ea typeface="굴림"/>
               </a:rPr>
-              <a:t>на</a:t>
+              <a:t>а</a:t>
             </a:r>
             <a:r>
               <a:rPr lang="en-US" altLang="ko-KR" sz="3150" dirty="0">
@@ -48644,7 +49117,7 @@
               </a:rPr>
               <a:t>алгоритъма</a:t>
             </a:r>
-            <a:endParaRPr lang="en-US" altLang="ko-KR" sz="3150" dirty="0" err="1">
+            <a:endParaRPr lang="en-US" altLang="ko-KR" sz="3150" dirty="0">
               <a:ea typeface="굴림"/>
               <a:cs typeface="Calibri"/>
             </a:endParaRPr>
@@ -48954,7 +49427,19 @@
               <a:rPr lang="en-US" altLang="ko-KR" sz="3150" dirty="0" err="1">
                 <a:ea typeface="굴림"/>
               </a:rPr>
-              <a:t>алгоритама</a:t>
+              <a:t>алгорит</a:t>
+            </a:r>
+            <a:r>
+              <a:rPr lang="bg-BG" altLang="ko-KR" sz="3150" dirty="0" err="1">
+                <a:ea typeface="굴림"/>
+              </a:rPr>
+              <a:t>ъ</a:t>
+            </a:r>
+            <a:r>
+              <a:rPr lang="en-US" altLang="ko-KR" sz="3150" dirty="0" err="1">
+                <a:ea typeface="굴림"/>
+              </a:rPr>
+              <a:t>ма</a:t>
             </a:r>
             <a:r>
               <a:rPr lang="en-US" altLang="ko-KR" sz="3150" dirty="0">
@@ -49016,7 +49501,25 @@
                 </a:solidFill>
                 <a:ea typeface="굴림"/>
               </a:rPr>
-              <a:t>приметивни</a:t>
+              <a:t>прим</a:t>
+            </a:r>
+            <a:r>
+              <a:rPr lang="bg-BG" altLang="ko-KR" sz="2950" b="1" dirty="0">
+                <a:solidFill>
+                  <a:schemeClr val="bg1"/>
+                </a:solidFill>
+                <a:ea typeface="굴림"/>
+              </a:rPr>
+              <a:t>и</a:t>
+            </a:r>
+            <a:r>
+              <a:rPr lang="en-US" altLang="ko-KR" sz="2950" b="1" dirty="0" err="1">
+                <a:solidFill>
+                  <a:schemeClr val="bg1"/>
+                </a:solidFill>
+                <a:ea typeface="굴림"/>
+              </a:rPr>
+              <a:t>тивни</a:t>
             </a:r>
             <a:r>
               <a:rPr lang="en-US" altLang="ko-KR" sz="2950" b="1" dirty="0">
@@ -49260,7 +49763,7 @@
           <a:noFill/>
           <a:extLst>
             <a:ext uri="{909E8E84-426E-40dd-AFC4-6F175D3DCCD1}">
-              <a14:hiddenFill xmlns="" xmlns:a14="http://schemas.microsoft.com/office/drawing/2010/main">
+              <a14:hiddenFill xmlns:a14="http://schemas.microsoft.com/office/drawing/2010/main" xmlns="">
                 <a:solidFill>
                   <a:srgbClr val="FFFFFF"/>
                 </a:solidFill>
@@ -49308,7 +49811,7 @@
           <a:noFill/>
           <a:extLst>
             <a:ext uri="{909E8E84-426E-40dd-AFC4-6F175D3DCCD1}">
-              <a14:hiddenFill xmlns="" xmlns:a14="http://schemas.microsoft.com/office/drawing/2010/main">
+              <a14:hiddenFill xmlns:a14="http://schemas.microsoft.com/office/drawing/2010/main" xmlns="">
                 <a:solidFill>
                   <a:srgbClr val="FFFFFF"/>
                 </a:solidFill>
